--- a/Programming 4/12.1 Functional Programming 1/12.1 Functional Programming 1.pptx
+++ b/Programming 4/12.1 Functional Programming 1/12.1 Functional Programming 1.pptx
@@ -1,33 +1,28 @@
 
 <file path=ppt/presentation.xml><?xml version="1.0" encoding="utf-8"?>
-<p:presentation xmlns:a="http://schemas.openxmlformats.org/drawingml/2006/main" xmlns:r="http://schemas.openxmlformats.org/officeDocument/2006/relationships" xmlns:p="http://schemas.openxmlformats.org/presentationml/2006/main" saveSubsetFonts="1">
+<p:presentation xmlns:a="http://schemas.openxmlformats.org/drawingml/2006/main" xmlns:r="http://schemas.openxmlformats.org/officeDocument/2006/relationships" xmlns:p="http://schemas.openxmlformats.org/presentationml/2006/main" saveSubsetFonts="1" autoCompressPictures="0">
   <p:sldMasterIdLst>
     <p:sldMasterId id="2147483648" r:id="rId1"/>
   </p:sldMasterIdLst>
   <p:notesMasterIdLst>
-    <p:notesMasterId r:id="rId20"/>
+    <p:notesMasterId r:id="rId15"/>
   </p:notesMasterIdLst>
   <p:sldIdLst>
-    <p:sldId id="257" r:id="rId2"/>
+    <p:sldId id="256" r:id="rId2"/>
     <p:sldId id="258" r:id="rId3"/>
     <p:sldId id="259" r:id="rId4"/>
     <p:sldId id="260" r:id="rId5"/>
-    <p:sldId id="261" r:id="rId6"/>
-    <p:sldId id="262" r:id="rId7"/>
-    <p:sldId id="263" r:id="rId8"/>
-    <p:sldId id="264" r:id="rId9"/>
-    <p:sldId id="265" r:id="rId10"/>
-    <p:sldId id="266" r:id="rId11"/>
+    <p:sldId id="262" r:id="rId6"/>
+    <p:sldId id="263" r:id="rId7"/>
+    <p:sldId id="264" r:id="rId8"/>
+    <p:sldId id="265" r:id="rId9"/>
+    <p:sldId id="266" r:id="rId10"/>
+    <p:sldId id="271" r:id="rId11"/>
     <p:sldId id="267" r:id="rId12"/>
-    <p:sldId id="268" r:id="rId13"/>
+    <p:sldId id="269" r:id="rId13"/>
     <p:sldId id="270" r:id="rId14"/>
-    <p:sldId id="271" r:id="rId15"/>
-    <p:sldId id="273" r:id="rId16"/>
-    <p:sldId id="274" r:id="rId17"/>
-    <p:sldId id="275" r:id="rId18"/>
-    <p:sldId id="276" r:id="rId19"/>
   </p:sldIdLst>
-  <p:sldSz cx="9144000" cy="6858000" type="screen4x3"/>
+  <p:sldSz cx="12192000" cy="6858000"/>
   <p:notesSz cx="6858000" cy="9144000"/>
   <p:defaultTextStyle>
     <a:defPPr>
@@ -127,12 +122,12 @@
   <p:extLst>
     <p:ext uri="{EFAFB233-063F-42B5-8137-9DF3F51BA10A}">
       <p15:sldGuideLst xmlns:p15="http://schemas.microsoft.com/office/powerpoint/2012/main">
-        <p15:guide id="1" orient="horz" pos="2160">
+        <p15:guide id="1" orient="horz" pos="2160" userDrawn="1">
           <p15:clr>
             <a:srgbClr val="A4A3A4"/>
           </p15:clr>
         </p15:guide>
-        <p15:guide id="2" pos="2880">
+        <p15:guide id="2" pos="3840" userDrawn="1">
           <p15:clr>
             <a:srgbClr val="A4A3A4"/>
           </p15:clr>
@@ -223,9 +218,9 @@
             </a:lvl1pPr>
           </a:lstStyle>
           <a:p>
-            <a:fld id="{A5ED20E4-6088-8A4D-ACD4-50919E9A99A8}" type="datetimeFigureOut">
-              <a:rPr lang="en-US" smtClean="0"/>
-              <a:t>7/8/19</a:t>
+            <a:fld id="{5C15C721-1CBE-9B49-BE99-3A9DF18FA391}" type="datetimeFigureOut">
+              <a:rPr lang="en-US" smtClean="0"/>
+              <a:t>10/23/19</a:t>
             </a:fld>
             <a:endParaRPr lang="en-US"/>
           </a:p>
@@ -243,8 +238,8 @@
         </p:nvSpPr>
         <p:spPr>
           <a:xfrm>
-            <a:off x="1371600" y="1143000"/>
-            <a:ext cx="4114800" cy="3086100"/>
+            <a:off x="685800" y="1143000"/>
+            <a:ext cx="5486400" cy="3086100"/>
           </a:xfrm>
           <a:prstGeom prst="rect">
             <a:avLst/>
@@ -382,7 +377,7 @@
             </a:lvl1pPr>
           </a:lstStyle>
           <a:p>
-            <a:fld id="{707C0EEB-51BC-6C46-9586-D8012D26159B}" type="slidenum">
+            <a:fld id="{5C949890-84D1-B346-997E-B43A2CF20212}" type="slidenum">
               <a:rPr lang="en-US" smtClean="0"/>
               <a:t>‹#›</a:t>
             </a:fld>
@@ -393,7 +388,7 @@
     </p:spTree>
     <p:extLst>
       <p:ext uri="{BB962C8B-B14F-4D97-AF65-F5344CB8AC3E}">
-        <p14:creationId xmlns:p14="http://schemas.microsoft.com/office/powerpoint/2010/main" val="131676176"/>
+        <p14:creationId xmlns:p14="http://schemas.microsoft.com/office/powerpoint/2010/main" val="57659444"/>
       </p:ext>
     </p:extLst>
   </p:cSld>
@@ -493,6 +488,2015 @@
 </p:notesMaster>
 </file>
 
+<file path=ppt/notesSlides/notesSlide1.xml><?xml version="1.0" encoding="utf-8"?>
+<p:notes xmlns:a="http://schemas.openxmlformats.org/drawingml/2006/main" xmlns:r="http://schemas.openxmlformats.org/officeDocument/2006/relationships" xmlns:p="http://schemas.openxmlformats.org/presentationml/2006/main">
+  <p:cSld>
+    <p:spTree>
+      <p:nvGrpSpPr>
+        <p:cNvPr id="1" name=""/>
+        <p:cNvGrpSpPr/>
+        <p:nvPr/>
+      </p:nvGrpSpPr>
+      <p:grpSpPr>
+        <a:xfrm>
+          <a:off x="0" y="0"/>
+          <a:ext cx="0" cy="0"/>
+          <a:chOff x="0" y="0"/>
+          <a:chExt cx="0" cy="0"/>
+        </a:xfrm>
+      </p:grpSpPr>
+      <p:sp>
+        <p:nvSpPr>
+          <p:cNvPr id="2" name="Slide Image Placeholder 1"/>
+          <p:cNvSpPr>
+            <a:spLocks noGrp="1" noRot="1" noChangeAspect="1"/>
+          </p:cNvSpPr>
+          <p:nvPr>
+            <p:ph type="sldImg"/>
+          </p:nvPr>
+        </p:nvSpPr>
+        <p:spPr/>
+      </p:sp>
+      <p:sp>
+        <p:nvSpPr>
+          <p:cNvPr id="3" name="Notes Placeholder 2"/>
+          <p:cNvSpPr>
+            <a:spLocks noGrp="1"/>
+          </p:cNvSpPr>
+          <p:nvPr>
+            <p:ph type="body" idx="1"/>
+          </p:nvPr>
+        </p:nvSpPr>
+        <p:spPr/>
+        <p:txBody>
+          <a:bodyPr/>
+          <a:lstStyle/>
+          <a:p>
+            <a:endParaRPr lang="en-US" dirty="0"/>
+          </a:p>
+        </p:txBody>
+      </p:sp>
+      <p:sp>
+        <p:nvSpPr>
+          <p:cNvPr id="4" name="Slide Number Placeholder 3"/>
+          <p:cNvSpPr>
+            <a:spLocks noGrp="1"/>
+          </p:cNvSpPr>
+          <p:nvPr>
+            <p:ph type="sldNum" sz="quarter" idx="10"/>
+          </p:nvPr>
+        </p:nvSpPr>
+        <p:spPr/>
+        <p:txBody>
+          <a:bodyPr/>
+          <a:lstStyle/>
+          <a:p>
+            <a:fld id="{5C949890-84D1-B346-997E-B43A2CF20212}" type="slidenum">
+              <a:rPr lang="en-US" smtClean="0"/>
+              <a:t>1</a:t>
+            </a:fld>
+            <a:endParaRPr lang="en-US"/>
+          </a:p>
+        </p:txBody>
+      </p:sp>
+    </p:spTree>
+    <p:extLst>
+      <p:ext uri="{BB962C8B-B14F-4D97-AF65-F5344CB8AC3E}">
+        <p14:creationId xmlns:p14="http://schemas.microsoft.com/office/powerpoint/2010/main" val="1806758631"/>
+      </p:ext>
+    </p:extLst>
+  </p:cSld>
+  <p:clrMapOvr>
+    <a:masterClrMapping/>
+  </p:clrMapOvr>
+</p:notes>
+</file>
+
+<file path=ppt/notesSlides/notesSlide10.xml><?xml version="1.0" encoding="utf-8"?>
+<p:notes xmlns:a="http://schemas.openxmlformats.org/drawingml/2006/main" xmlns:r="http://schemas.openxmlformats.org/officeDocument/2006/relationships" xmlns:p="http://schemas.openxmlformats.org/presentationml/2006/main">
+  <p:cSld>
+    <p:spTree>
+      <p:nvGrpSpPr>
+        <p:cNvPr id="1" name=""/>
+        <p:cNvGrpSpPr/>
+        <p:nvPr/>
+      </p:nvGrpSpPr>
+      <p:grpSpPr>
+        <a:xfrm>
+          <a:off x="0" y="0"/>
+          <a:ext cx="0" cy="0"/>
+          <a:chOff x="0" y="0"/>
+          <a:chExt cx="0" cy="0"/>
+        </a:xfrm>
+      </p:grpSpPr>
+      <p:sp>
+        <p:nvSpPr>
+          <p:cNvPr id="2" name="Slide Image Placeholder 1"/>
+          <p:cNvSpPr>
+            <a:spLocks noGrp="1" noRot="1" noChangeAspect="1"/>
+          </p:cNvSpPr>
+          <p:nvPr>
+            <p:ph type="sldImg"/>
+          </p:nvPr>
+        </p:nvSpPr>
+        <p:spPr/>
+      </p:sp>
+      <p:sp>
+        <p:nvSpPr>
+          <p:cNvPr id="3" name="Notes Placeholder 2"/>
+          <p:cNvSpPr>
+            <a:spLocks noGrp="1"/>
+          </p:cNvSpPr>
+          <p:nvPr>
+            <p:ph type="body" idx="1"/>
+          </p:nvPr>
+        </p:nvSpPr>
+        <p:spPr/>
+        <p:txBody>
+          <a:bodyPr/>
+          <a:lstStyle/>
+          <a:p>
+            <a:pPr marL="171450" marR="0" lvl="2" indent="-171450" algn="l" defTabSz="914400" rtl="0" eaLnBrk="1" fontAlgn="auto" latinLnBrk="0" hangingPunct="1">
+              <a:lnSpc>
+                <a:spcPct val="100000"/>
+              </a:lnSpc>
+              <a:spcBef>
+                <a:spcPts val="0"/>
+              </a:spcBef>
+              <a:spcAft>
+                <a:spcPts val="0"/>
+              </a:spcAft>
+              <a:buClrTx/>
+              <a:buSzTx/>
+              <a:buFont typeface="Arial" charset="0"/>
+              <a:buChar char="•"/>
+              <a:tabLst/>
+              <a:defRPr/>
+            </a:pPr>
+            <a:endParaRPr lang="en-US" dirty="0" smtClean="0"/>
+          </a:p>
+        </p:txBody>
+      </p:sp>
+      <p:sp>
+        <p:nvSpPr>
+          <p:cNvPr id="4" name="Slide Number Placeholder 3"/>
+          <p:cNvSpPr>
+            <a:spLocks noGrp="1"/>
+          </p:cNvSpPr>
+          <p:nvPr>
+            <p:ph type="sldNum" sz="quarter" idx="10"/>
+          </p:nvPr>
+        </p:nvSpPr>
+        <p:spPr/>
+        <p:txBody>
+          <a:bodyPr/>
+          <a:lstStyle/>
+          <a:p>
+            <a:fld id="{5C949890-84D1-B346-997E-B43A2CF20212}" type="slidenum">
+              <a:rPr lang="en-US" smtClean="0"/>
+              <a:t>10</a:t>
+            </a:fld>
+            <a:endParaRPr lang="en-US"/>
+          </a:p>
+        </p:txBody>
+      </p:sp>
+    </p:spTree>
+    <p:extLst>
+      <p:ext uri="{BB962C8B-B14F-4D97-AF65-F5344CB8AC3E}">
+        <p14:creationId xmlns:p14="http://schemas.microsoft.com/office/powerpoint/2010/main" val="1633725763"/>
+      </p:ext>
+    </p:extLst>
+  </p:cSld>
+  <p:clrMapOvr>
+    <a:masterClrMapping/>
+  </p:clrMapOvr>
+</p:notes>
+</file>
+
+<file path=ppt/notesSlides/notesSlide11.xml><?xml version="1.0" encoding="utf-8"?>
+<p:notes xmlns:a="http://schemas.openxmlformats.org/drawingml/2006/main" xmlns:r="http://schemas.openxmlformats.org/officeDocument/2006/relationships" xmlns:p="http://schemas.openxmlformats.org/presentationml/2006/main">
+  <p:cSld>
+    <p:spTree>
+      <p:nvGrpSpPr>
+        <p:cNvPr id="1" name=""/>
+        <p:cNvGrpSpPr/>
+        <p:nvPr/>
+      </p:nvGrpSpPr>
+      <p:grpSpPr>
+        <a:xfrm>
+          <a:off x="0" y="0"/>
+          <a:ext cx="0" cy="0"/>
+          <a:chOff x="0" y="0"/>
+          <a:chExt cx="0" cy="0"/>
+        </a:xfrm>
+      </p:grpSpPr>
+      <p:sp>
+        <p:nvSpPr>
+          <p:cNvPr id="2" name="Slide Image Placeholder 1"/>
+          <p:cNvSpPr>
+            <a:spLocks noGrp="1" noRot="1" noChangeAspect="1"/>
+          </p:cNvSpPr>
+          <p:nvPr>
+            <p:ph type="sldImg"/>
+          </p:nvPr>
+        </p:nvSpPr>
+        <p:spPr/>
+      </p:sp>
+      <p:sp>
+        <p:nvSpPr>
+          <p:cNvPr id="3" name="Notes Placeholder 2"/>
+          <p:cNvSpPr>
+            <a:spLocks noGrp="1"/>
+          </p:cNvSpPr>
+          <p:nvPr>
+            <p:ph type="body" idx="1"/>
+          </p:nvPr>
+        </p:nvSpPr>
+        <p:spPr/>
+        <p:txBody>
+          <a:bodyPr/>
+          <a:lstStyle/>
+          <a:p>
+            <a:pPr marL="171450" marR="0" lvl="2" indent="-171450" algn="l" defTabSz="914400" rtl="0" eaLnBrk="1" fontAlgn="auto" latinLnBrk="0" hangingPunct="1">
+              <a:lnSpc>
+                <a:spcPct val="100000"/>
+              </a:lnSpc>
+              <a:spcBef>
+                <a:spcPts val="0"/>
+              </a:spcBef>
+              <a:spcAft>
+                <a:spcPts val="0"/>
+              </a:spcAft>
+              <a:buClrTx/>
+              <a:buSzTx/>
+              <a:buFont typeface="Arial" charset="0"/>
+              <a:buChar char="•"/>
+              <a:tabLst/>
+              <a:defRPr/>
+            </a:pPr>
+            <a:r>
+              <a:rPr lang="en-US" sz="1200" b="0" i="0" kern="1200" dirty="0" smtClean="0">
+                <a:solidFill>
+                  <a:schemeClr val="tx1"/>
+                </a:solidFill>
+                <a:effectLst/>
+                <a:latin typeface="+mn-lt"/>
+                <a:ea typeface="+mn-ea"/>
+                <a:cs typeface="+mn-cs"/>
+              </a:rPr>
+              <a:t>Functions defined without a name</a:t>
+            </a:r>
+          </a:p>
+          <a:p>
+            <a:pPr marL="171450" marR="0" lvl="2" indent="-171450" algn="l" defTabSz="914400" rtl="0" eaLnBrk="1" fontAlgn="auto" latinLnBrk="0" hangingPunct="1">
+              <a:lnSpc>
+                <a:spcPct val="100000"/>
+              </a:lnSpc>
+              <a:spcBef>
+                <a:spcPts val="0"/>
+              </a:spcBef>
+              <a:spcAft>
+                <a:spcPts val="0"/>
+              </a:spcAft>
+              <a:buClrTx/>
+              <a:buSzTx/>
+              <a:buFont typeface="Arial" charset="0"/>
+              <a:buChar char="•"/>
+              <a:tabLst/>
+              <a:defRPr/>
+            </a:pPr>
+            <a:r>
+              <a:rPr lang="en-US" sz="1200" b="0" i="0" kern="1200" dirty="0" smtClean="0">
+                <a:solidFill>
+                  <a:schemeClr val="tx1"/>
+                </a:solidFill>
+                <a:effectLst/>
+                <a:latin typeface="+mn-lt"/>
+                <a:ea typeface="+mn-ea"/>
+                <a:cs typeface="+mn-cs"/>
+              </a:rPr>
+              <a:t>In situations where you just want to pass some worker logic into a higher-order</a:t>
+            </a:r>
+            <a:r>
+              <a:rPr lang="en-US" sz="1200" b="0" i="0" kern="1200" baseline="0" dirty="0" smtClean="0">
+                <a:solidFill>
+                  <a:schemeClr val="tx1"/>
+                </a:solidFill>
+                <a:effectLst/>
+                <a:latin typeface="+mn-lt"/>
+                <a:ea typeface="+mn-ea"/>
+                <a:cs typeface="+mn-cs"/>
+              </a:rPr>
+              <a:t> function like map, filter and reduce, but don’t want to save it for later, you can define it anonymously on the fly</a:t>
+            </a:r>
+            <a:endParaRPr lang="en-US" dirty="0" smtClean="0"/>
+          </a:p>
+        </p:txBody>
+      </p:sp>
+      <p:sp>
+        <p:nvSpPr>
+          <p:cNvPr id="4" name="Slide Number Placeholder 3"/>
+          <p:cNvSpPr>
+            <a:spLocks noGrp="1"/>
+          </p:cNvSpPr>
+          <p:nvPr>
+            <p:ph type="sldNum" sz="quarter" idx="10"/>
+          </p:nvPr>
+        </p:nvSpPr>
+        <p:spPr/>
+        <p:txBody>
+          <a:bodyPr/>
+          <a:lstStyle/>
+          <a:p>
+            <a:fld id="{5C949890-84D1-B346-997E-B43A2CF20212}" type="slidenum">
+              <a:rPr lang="en-US" smtClean="0"/>
+              <a:t>11</a:t>
+            </a:fld>
+            <a:endParaRPr lang="en-US"/>
+          </a:p>
+        </p:txBody>
+      </p:sp>
+    </p:spTree>
+    <p:extLst>
+      <p:ext uri="{BB962C8B-B14F-4D97-AF65-F5344CB8AC3E}">
+        <p14:creationId xmlns:p14="http://schemas.microsoft.com/office/powerpoint/2010/main" val="1396094550"/>
+      </p:ext>
+    </p:extLst>
+  </p:cSld>
+  <p:clrMapOvr>
+    <a:masterClrMapping/>
+  </p:clrMapOvr>
+</p:notes>
+</file>
+
+<file path=ppt/notesSlides/notesSlide12.xml><?xml version="1.0" encoding="utf-8"?>
+<p:notes xmlns:a="http://schemas.openxmlformats.org/drawingml/2006/main" xmlns:r="http://schemas.openxmlformats.org/officeDocument/2006/relationships" xmlns:p="http://schemas.openxmlformats.org/presentationml/2006/main">
+  <p:cSld>
+    <p:spTree>
+      <p:nvGrpSpPr>
+        <p:cNvPr id="1" name=""/>
+        <p:cNvGrpSpPr/>
+        <p:nvPr/>
+      </p:nvGrpSpPr>
+      <p:grpSpPr>
+        <a:xfrm>
+          <a:off x="0" y="0"/>
+          <a:ext cx="0" cy="0"/>
+          <a:chOff x="0" y="0"/>
+          <a:chExt cx="0" cy="0"/>
+        </a:xfrm>
+      </p:grpSpPr>
+      <p:sp>
+        <p:nvSpPr>
+          <p:cNvPr id="2" name="Slide Image Placeholder 1"/>
+          <p:cNvSpPr>
+            <a:spLocks noGrp="1" noRot="1" noChangeAspect="1"/>
+          </p:cNvSpPr>
+          <p:nvPr>
+            <p:ph type="sldImg"/>
+          </p:nvPr>
+        </p:nvSpPr>
+        <p:spPr/>
+      </p:sp>
+      <p:sp>
+        <p:nvSpPr>
+          <p:cNvPr id="3" name="Notes Placeholder 2"/>
+          <p:cNvSpPr>
+            <a:spLocks noGrp="1"/>
+          </p:cNvSpPr>
+          <p:nvPr>
+            <p:ph type="body" idx="1"/>
+          </p:nvPr>
+        </p:nvSpPr>
+        <p:spPr/>
+        <p:txBody>
+          <a:bodyPr/>
+          <a:lstStyle/>
+          <a:p>
+            <a:pPr marL="171450" marR="0" lvl="2" indent="-171450" algn="l" defTabSz="914400" rtl="0" eaLnBrk="1" fontAlgn="auto" latinLnBrk="0" hangingPunct="1">
+              <a:lnSpc>
+                <a:spcPct val="100000"/>
+              </a:lnSpc>
+              <a:spcBef>
+                <a:spcPts val="0"/>
+              </a:spcBef>
+              <a:spcAft>
+                <a:spcPts val="0"/>
+              </a:spcAft>
+              <a:buClrTx/>
+              <a:buSzTx/>
+              <a:buFont typeface="Arial" charset="0"/>
+              <a:buChar char="•"/>
+              <a:tabLst/>
+              <a:defRPr/>
+            </a:pPr>
+            <a:r>
+              <a:rPr lang="en-US" dirty="0" smtClean="0"/>
+              <a:t>Alternatively, you can pass the lambda instead of creating a separate</a:t>
+            </a:r>
+            <a:r>
+              <a:rPr lang="en-US" baseline="0" dirty="0" smtClean="0"/>
+              <a:t> variable</a:t>
+            </a:r>
+          </a:p>
+          <a:p>
+            <a:pPr marL="171450" marR="0" lvl="2" indent="-171450" algn="l" defTabSz="914400" rtl="0" eaLnBrk="1" fontAlgn="auto" latinLnBrk="0" hangingPunct="1">
+              <a:lnSpc>
+                <a:spcPct val="100000"/>
+              </a:lnSpc>
+              <a:spcBef>
+                <a:spcPts val="0"/>
+              </a:spcBef>
+              <a:spcAft>
+                <a:spcPts val="0"/>
+              </a:spcAft>
+              <a:buClrTx/>
+              <a:buSzTx/>
+              <a:buFont typeface="Arial" charset="0"/>
+              <a:buChar char="•"/>
+              <a:tabLst/>
+              <a:defRPr/>
+            </a:pPr>
+            <a:r>
+              <a:rPr lang="en-US" baseline="0" dirty="0" smtClean="0"/>
+              <a:t>Could you write this same logic in C++ or Java? of course</a:t>
+            </a:r>
+            <a:r>
+              <a:rPr lang="mr-IN" baseline="0" dirty="0" smtClean="0"/>
+              <a:t>…</a:t>
+            </a:r>
+            <a:r>
+              <a:rPr lang="en-AU" baseline="0" dirty="0" smtClean="0"/>
+              <a:t>would it be nearly succinct</a:t>
+            </a:r>
+            <a:r>
+              <a:rPr lang="mr-IN" baseline="0" dirty="0" smtClean="0"/>
+              <a:t>…</a:t>
+            </a:r>
+            <a:r>
+              <a:rPr lang="en-AU" baseline="0" dirty="0" smtClean="0"/>
+              <a:t>no!</a:t>
+            </a:r>
+          </a:p>
+          <a:p>
+            <a:pPr marL="171450" marR="0" lvl="2" indent="-171450" algn="l" defTabSz="914400" rtl="0" eaLnBrk="1" fontAlgn="auto" latinLnBrk="0" hangingPunct="1">
+              <a:lnSpc>
+                <a:spcPct val="100000"/>
+              </a:lnSpc>
+              <a:spcBef>
+                <a:spcPts val="0"/>
+              </a:spcBef>
+              <a:spcAft>
+                <a:spcPts val="0"/>
+              </a:spcAft>
+              <a:buClrTx/>
+              <a:buSzTx/>
+              <a:buFont typeface="Arial" charset="0"/>
+              <a:buChar char="•"/>
+              <a:tabLst/>
+              <a:defRPr/>
+            </a:pPr>
+            <a:r>
+              <a:rPr lang="en-AU" baseline="0" dirty="0" smtClean="0"/>
+              <a:t>Do you see any downsides? For a person who doesn't know much functional programming, it would take a while to understand what the code is doing</a:t>
+            </a:r>
+          </a:p>
+          <a:p>
+            <a:pPr marL="171450" marR="0" lvl="2" indent="-171450" algn="l" defTabSz="914400" rtl="0" eaLnBrk="1" fontAlgn="auto" latinLnBrk="0" hangingPunct="1">
+              <a:lnSpc>
+                <a:spcPct val="100000"/>
+              </a:lnSpc>
+              <a:spcBef>
+                <a:spcPts val="0"/>
+              </a:spcBef>
+              <a:spcAft>
+                <a:spcPts val="0"/>
+              </a:spcAft>
+              <a:buClrTx/>
+              <a:buSzTx/>
+              <a:buFont typeface="Arial" charset="0"/>
+              <a:buChar char="•"/>
+              <a:tabLst/>
+              <a:defRPr/>
+            </a:pPr>
+            <a:r>
+              <a:rPr lang="en-AU" baseline="0" dirty="0" smtClean="0"/>
+              <a:t>We trade of brevity and readability</a:t>
+            </a:r>
+            <a:endParaRPr lang="en-US" dirty="0" smtClean="0"/>
+          </a:p>
+        </p:txBody>
+      </p:sp>
+      <p:sp>
+        <p:nvSpPr>
+          <p:cNvPr id="4" name="Slide Number Placeholder 3"/>
+          <p:cNvSpPr>
+            <a:spLocks noGrp="1"/>
+          </p:cNvSpPr>
+          <p:nvPr>
+            <p:ph type="sldNum" sz="quarter" idx="10"/>
+          </p:nvPr>
+        </p:nvSpPr>
+        <p:spPr/>
+        <p:txBody>
+          <a:bodyPr/>
+          <a:lstStyle/>
+          <a:p>
+            <a:fld id="{5C949890-84D1-B346-997E-B43A2CF20212}" type="slidenum">
+              <a:rPr lang="en-US" smtClean="0"/>
+              <a:t>12</a:t>
+            </a:fld>
+            <a:endParaRPr lang="en-US"/>
+          </a:p>
+        </p:txBody>
+      </p:sp>
+    </p:spTree>
+    <p:extLst>
+      <p:ext uri="{BB962C8B-B14F-4D97-AF65-F5344CB8AC3E}">
+        <p14:creationId xmlns:p14="http://schemas.microsoft.com/office/powerpoint/2010/main" val="327437324"/>
+      </p:ext>
+    </p:extLst>
+  </p:cSld>
+  <p:clrMapOvr>
+    <a:masterClrMapping/>
+  </p:clrMapOvr>
+</p:notes>
+</file>
+
+<file path=ppt/notesSlides/notesSlide13.xml><?xml version="1.0" encoding="utf-8"?>
+<p:notes xmlns:a="http://schemas.openxmlformats.org/drawingml/2006/main" xmlns:r="http://schemas.openxmlformats.org/officeDocument/2006/relationships" xmlns:p="http://schemas.openxmlformats.org/presentationml/2006/main">
+  <p:cSld>
+    <p:spTree>
+      <p:nvGrpSpPr>
+        <p:cNvPr id="1" name=""/>
+        <p:cNvGrpSpPr/>
+        <p:nvPr/>
+      </p:nvGrpSpPr>
+      <p:grpSpPr>
+        <a:xfrm>
+          <a:off x="0" y="0"/>
+          <a:ext cx="0" cy="0"/>
+          <a:chOff x="0" y="0"/>
+          <a:chExt cx="0" cy="0"/>
+        </a:xfrm>
+      </p:grpSpPr>
+      <p:sp>
+        <p:nvSpPr>
+          <p:cNvPr id="2" name="Slide Image Placeholder 1"/>
+          <p:cNvSpPr>
+            <a:spLocks noGrp="1" noRot="1" noChangeAspect="1"/>
+          </p:cNvSpPr>
+          <p:nvPr>
+            <p:ph type="sldImg"/>
+          </p:nvPr>
+        </p:nvSpPr>
+        <p:spPr/>
+      </p:sp>
+      <p:sp>
+        <p:nvSpPr>
+          <p:cNvPr id="3" name="Notes Placeholder 2"/>
+          <p:cNvSpPr>
+            <a:spLocks noGrp="1"/>
+          </p:cNvSpPr>
+          <p:nvPr>
+            <p:ph type="body" idx="1"/>
+          </p:nvPr>
+        </p:nvSpPr>
+        <p:spPr/>
+        <p:txBody>
+          <a:bodyPr/>
+          <a:lstStyle/>
+          <a:p>
+            <a:pPr marL="171450" marR="0" lvl="2" indent="-171450" algn="l" defTabSz="914400" rtl="0" eaLnBrk="1" fontAlgn="auto" latinLnBrk="0" hangingPunct="1">
+              <a:lnSpc>
+                <a:spcPct val="100000"/>
+              </a:lnSpc>
+              <a:spcBef>
+                <a:spcPts val="0"/>
+              </a:spcBef>
+              <a:spcAft>
+                <a:spcPts val="0"/>
+              </a:spcAft>
+              <a:buClrTx/>
+              <a:buSzTx/>
+              <a:buFont typeface="Arial" charset="0"/>
+              <a:buChar char="•"/>
+              <a:tabLst/>
+              <a:defRPr/>
+            </a:pPr>
+            <a:r>
+              <a:rPr lang="en-US" dirty="0" smtClean="0"/>
+              <a:t>GVR dislikes functional programming in Python because</a:t>
+            </a:r>
+            <a:r>
+              <a:rPr lang="en-US" baseline="0" dirty="0" smtClean="0"/>
+              <a:t> Python already has its own way to generate lists</a:t>
+            </a:r>
+            <a:endParaRPr lang="en-US" dirty="0" smtClean="0"/>
+          </a:p>
+        </p:txBody>
+      </p:sp>
+      <p:sp>
+        <p:nvSpPr>
+          <p:cNvPr id="4" name="Slide Number Placeholder 3"/>
+          <p:cNvSpPr>
+            <a:spLocks noGrp="1"/>
+          </p:cNvSpPr>
+          <p:nvPr>
+            <p:ph type="sldNum" sz="quarter" idx="10"/>
+          </p:nvPr>
+        </p:nvSpPr>
+        <p:spPr/>
+        <p:txBody>
+          <a:bodyPr/>
+          <a:lstStyle/>
+          <a:p>
+            <a:fld id="{5C949890-84D1-B346-997E-B43A2CF20212}" type="slidenum">
+              <a:rPr lang="en-US" smtClean="0"/>
+              <a:t>13</a:t>
+            </a:fld>
+            <a:endParaRPr lang="en-US"/>
+          </a:p>
+        </p:txBody>
+      </p:sp>
+    </p:spTree>
+    <p:extLst>
+      <p:ext uri="{BB962C8B-B14F-4D97-AF65-F5344CB8AC3E}">
+        <p14:creationId xmlns:p14="http://schemas.microsoft.com/office/powerpoint/2010/main" val="323569181"/>
+      </p:ext>
+    </p:extLst>
+  </p:cSld>
+  <p:clrMapOvr>
+    <a:masterClrMapping/>
+  </p:clrMapOvr>
+</p:notes>
+</file>
+
+<file path=ppt/notesSlides/notesSlide2.xml><?xml version="1.0" encoding="utf-8"?>
+<p:notes xmlns:a="http://schemas.openxmlformats.org/drawingml/2006/main" xmlns:r="http://schemas.openxmlformats.org/officeDocument/2006/relationships" xmlns:p="http://schemas.openxmlformats.org/presentationml/2006/main">
+  <p:cSld>
+    <p:spTree>
+      <p:nvGrpSpPr>
+        <p:cNvPr id="1" name=""/>
+        <p:cNvGrpSpPr/>
+        <p:nvPr/>
+      </p:nvGrpSpPr>
+      <p:grpSpPr>
+        <a:xfrm>
+          <a:off x="0" y="0"/>
+          <a:ext cx="0" cy="0"/>
+          <a:chOff x="0" y="0"/>
+          <a:chExt cx="0" cy="0"/>
+        </a:xfrm>
+      </p:grpSpPr>
+      <p:sp>
+        <p:nvSpPr>
+          <p:cNvPr id="2" name="Slide Image Placeholder 1"/>
+          <p:cNvSpPr>
+            <a:spLocks noGrp="1" noRot="1" noChangeAspect="1"/>
+          </p:cNvSpPr>
+          <p:nvPr>
+            <p:ph type="sldImg"/>
+          </p:nvPr>
+        </p:nvSpPr>
+        <p:spPr/>
+      </p:sp>
+      <p:sp>
+        <p:nvSpPr>
+          <p:cNvPr id="3" name="Notes Placeholder 2"/>
+          <p:cNvSpPr>
+            <a:spLocks noGrp="1"/>
+          </p:cNvSpPr>
+          <p:nvPr>
+            <p:ph type="body" idx="1"/>
+          </p:nvPr>
+        </p:nvSpPr>
+        <p:spPr/>
+        <p:txBody>
+          <a:bodyPr/>
+          <a:lstStyle/>
+          <a:p>
+            <a:pPr marL="171450" indent="-171450">
+              <a:buFont typeface="Arial" charset="0"/>
+              <a:buChar char="•"/>
+            </a:pPr>
+            <a:r>
+              <a:rPr lang="en-US" dirty="0" smtClean="0"/>
+              <a:t>These</a:t>
+            </a:r>
+            <a:r>
+              <a:rPr lang="en-US" baseline="0" dirty="0" smtClean="0"/>
+              <a:t> are the theoretical foundations of functional programming, and apply to any pure functional language</a:t>
+            </a:r>
+          </a:p>
+          <a:p>
+            <a:pPr marL="171450" indent="-171450">
+              <a:buFont typeface="Arial" charset="0"/>
+              <a:buChar char="•"/>
+            </a:pPr>
+            <a:r>
+              <a:rPr lang="en-US" baseline="0" dirty="0" smtClean="0"/>
+              <a:t>Programming languages with FP features will follow these principles to a lesser extent</a:t>
+            </a:r>
+          </a:p>
+          <a:p>
+            <a:pPr marL="171450" indent="-171450">
+              <a:buFont typeface="Arial" charset="0"/>
+              <a:buChar char="•"/>
+            </a:pPr>
+            <a:r>
+              <a:rPr lang="en-US" baseline="0" dirty="0" smtClean="0"/>
+              <a:t>FP languages such as Haskell, Scheme and ML are based in lambda calculus (or typed lambda calculus)</a:t>
+            </a:r>
+          </a:p>
+          <a:p>
+            <a:pPr marL="171450" indent="-171450">
+              <a:buFont typeface="Arial" charset="0"/>
+              <a:buChar char="•"/>
+            </a:pPr>
+            <a:r>
+              <a:rPr lang="en-US" baseline="0" dirty="0" smtClean="0"/>
+              <a:t>Loop constructs such as while and for statements don’t exist</a:t>
+            </a:r>
+          </a:p>
+          <a:p>
+            <a:pPr marL="171450" indent="-171450">
+              <a:buFont typeface="Arial" charset="0"/>
+              <a:buChar char="•"/>
+            </a:pPr>
+            <a:r>
+              <a:rPr lang="en-US" baseline="0" dirty="0" smtClean="0"/>
+              <a:t>In non-functional programming languages, a loop construct is primarily used for iteration, instead in lambda calculus, it’s uses recursion by using a function that calls itself</a:t>
+            </a:r>
+          </a:p>
+        </p:txBody>
+      </p:sp>
+      <p:sp>
+        <p:nvSpPr>
+          <p:cNvPr id="4" name="Slide Number Placeholder 3"/>
+          <p:cNvSpPr>
+            <a:spLocks noGrp="1"/>
+          </p:cNvSpPr>
+          <p:nvPr>
+            <p:ph type="sldNum" sz="quarter" idx="10"/>
+          </p:nvPr>
+        </p:nvSpPr>
+        <p:spPr/>
+        <p:txBody>
+          <a:bodyPr/>
+          <a:lstStyle/>
+          <a:p>
+            <a:fld id="{5C949890-84D1-B346-997E-B43A2CF20212}" type="slidenum">
+              <a:rPr lang="en-US" smtClean="0"/>
+              <a:t>2</a:t>
+            </a:fld>
+            <a:endParaRPr lang="en-US"/>
+          </a:p>
+        </p:txBody>
+      </p:sp>
+    </p:spTree>
+    <p:extLst>
+      <p:ext uri="{BB962C8B-B14F-4D97-AF65-F5344CB8AC3E}">
+        <p14:creationId xmlns:p14="http://schemas.microsoft.com/office/powerpoint/2010/main" val="1351501888"/>
+      </p:ext>
+    </p:extLst>
+  </p:cSld>
+  <p:clrMapOvr>
+    <a:masterClrMapping/>
+  </p:clrMapOvr>
+</p:notes>
+</file>
+
+<file path=ppt/notesSlides/notesSlide3.xml><?xml version="1.0" encoding="utf-8"?>
+<p:notes xmlns:a="http://schemas.openxmlformats.org/drawingml/2006/main" xmlns:r="http://schemas.openxmlformats.org/officeDocument/2006/relationships" xmlns:p="http://schemas.openxmlformats.org/presentationml/2006/main">
+  <p:cSld>
+    <p:spTree>
+      <p:nvGrpSpPr>
+        <p:cNvPr id="1" name=""/>
+        <p:cNvGrpSpPr/>
+        <p:nvPr/>
+      </p:nvGrpSpPr>
+      <p:grpSpPr>
+        <a:xfrm>
+          <a:off x="0" y="0"/>
+          <a:ext cx="0" cy="0"/>
+          <a:chOff x="0" y="0"/>
+          <a:chExt cx="0" cy="0"/>
+        </a:xfrm>
+      </p:grpSpPr>
+      <p:sp>
+        <p:nvSpPr>
+          <p:cNvPr id="2" name="Slide Image Placeholder 1"/>
+          <p:cNvSpPr>
+            <a:spLocks noGrp="1" noRot="1" noChangeAspect="1"/>
+          </p:cNvSpPr>
+          <p:nvPr>
+            <p:ph type="sldImg"/>
+          </p:nvPr>
+        </p:nvSpPr>
+        <p:spPr/>
+      </p:sp>
+      <p:sp>
+        <p:nvSpPr>
+          <p:cNvPr id="3" name="Notes Placeholder 2"/>
+          <p:cNvSpPr>
+            <a:spLocks noGrp="1"/>
+          </p:cNvSpPr>
+          <p:nvPr>
+            <p:ph type="body" idx="1"/>
+          </p:nvPr>
+        </p:nvSpPr>
+        <p:spPr/>
+        <p:txBody>
+          <a:bodyPr/>
+          <a:lstStyle/>
+          <a:p>
+            <a:pPr marL="171450" marR="0" lvl="2" indent="-171450" algn="l" defTabSz="914400" rtl="0" eaLnBrk="1" fontAlgn="auto" latinLnBrk="0" hangingPunct="1">
+              <a:lnSpc>
+                <a:spcPct val="100000"/>
+              </a:lnSpc>
+              <a:spcBef>
+                <a:spcPts val="0"/>
+              </a:spcBef>
+              <a:spcAft>
+                <a:spcPts val="0"/>
+              </a:spcAft>
+              <a:buClrTx/>
+              <a:buSzTx/>
+              <a:buFont typeface="Arial" charset="0"/>
+              <a:buChar char="•"/>
+              <a:tabLst/>
+              <a:defRPr/>
+            </a:pPr>
+            <a:r>
+              <a:rPr lang="en-US" sz="2500" dirty="0" smtClean="0"/>
+              <a:t>JavaScript allows functions to be treated as objects</a:t>
+            </a:r>
+          </a:p>
+          <a:p>
+            <a:pPr marL="171450" marR="0" lvl="2" indent="-171450" algn="l" defTabSz="914400" rtl="0" eaLnBrk="1" fontAlgn="auto" latinLnBrk="0" hangingPunct="1">
+              <a:lnSpc>
+                <a:spcPct val="100000"/>
+              </a:lnSpc>
+              <a:spcBef>
+                <a:spcPts val="0"/>
+              </a:spcBef>
+              <a:spcAft>
+                <a:spcPts val="0"/>
+              </a:spcAft>
+              <a:buClrTx/>
+              <a:buSzTx/>
+              <a:buFont typeface="Arial" charset="0"/>
+              <a:buChar char="•"/>
+              <a:tabLst/>
+              <a:defRPr/>
+            </a:pPr>
+            <a:r>
+              <a:rPr lang="en-US" sz="2500" dirty="0" smtClean="0"/>
+              <a:t>C++ allows “function-pointers” to be passed around</a:t>
+            </a:r>
+          </a:p>
+          <a:p>
+            <a:pPr marL="171450" marR="0" lvl="2" indent="-171450" algn="l" defTabSz="914400" rtl="0" eaLnBrk="1" fontAlgn="auto" latinLnBrk="0" hangingPunct="1">
+              <a:lnSpc>
+                <a:spcPct val="100000"/>
+              </a:lnSpc>
+              <a:spcBef>
+                <a:spcPts val="0"/>
+              </a:spcBef>
+              <a:spcAft>
+                <a:spcPts val="0"/>
+              </a:spcAft>
+              <a:buClrTx/>
+              <a:buSzTx/>
+              <a:buFont typeface="Arial" charset="0"/>
+              <a:buChar char="•"/>
+              <a:tabLst/>
+              <a:defRPr/>
+            </a:pPr>
+            <a:r>
+              <a:rPr lang="en-US" sz="2500" dirty="0" smtClean="0"/>
+              <a:t>C# has</a:t>
+            </a:r>
+            <a:r>
+              <a:rPr lang="en-US" sz="2500" baseline="0" dirty="0" smtClean="0"/>
+              <a:t> a thing called ”delegates” that allows you to encapsulate a method and pass it around like an object</a:t>
+            </a:r>
+          </a:p>
+          <a:p>
+            <a:pPr marL="171450" marR="0" lvl="2" indent="-171450" algn="l" defTabSz="914400" rtl="0" eaLnBrk="1" fontAlgn="auto" latinLnBrk="0" hangingPunct="1">
+              <a:lnSpc>
+                <a:spcPct val="100000"/>
+              </a:lnSpc>
+              <a:spcBef>
+                <a:spcPts val="0"/>
+              </a:spcBef>
+              <a:spcAft>
+                <a:spcPts val="0"/>
+              </a:spcAft>
+              <a:buClrTx/>
+              <a:buSzTx/>
+              <a:buFont typeface="Arial" charset="0"/>
+              <a:buChar char="•"/>
+              <a:tabLst/>
+              <a:defRPr/>
+            </a:pPr>
+            <a:r>
+              <a:rPr lang="en-US" sz="2500" baseline="0" dirty="0" smtClean="0"/>
+              <a:t>In Python, all functions start with the keyword def which means defining function</a:t>
+            </a:r>
+          </a:p>
+          <a:p>
+            <a:pPr marL="171450" marR="0" lvl="2" indent="-171450" algn="l" defTabSz="914400" rtl="0" eaLnBrk="1" fontAlgn="auto" latinLnBrk="0" hangingPunct="1">
+              <a:lnSpc>
+                <a:spcPct val="100000"/>
+              </a:lnSpc>
+              <a:spcBef>
+                <a:spcPts val="0"/>
+              </a:spcBef>
+              <a:spcAft>
+                <a:spcPts val="0"/>
+              </a:spcAft>
+              <a:buClrTx/>
+              <a:buSzTx/>
+              <a:buFont typeface="Arial" charset="0"/>
+              <a:buChar char="•"/>
+              <a:tabLst/>
+              <a:defRPr/>
+            </a:pPr>
+            <a:r>
+              <a:rPr lang="en-US" sz="2500" baseline="0" dirty="0" smtClean="0"/>
+              <a:t>Since functions are treated as objects, you can do all the things you would usually do with objects</a:t>
+            </a:r>
+            <a:endParaRPr lang="en-US" sz="2500" dirty="0" smtClean="0"/>
+          </a:p>
+          <a:p>
+            <a:pPr marL="171450" indent="-171450">
+              <a:buFont typeface="Arial" charset="0"/>
+              <a:buChar char="•"/>
+            </a:pPr>
+            <a:r>
+              <a:rPr lang="en-US" baseline="0" dirty="0" smtClean="0"/>
+              <a:t>In most languages () is referred to the “call” operator. Note when don’t use () when assigning a function to a variable</a:t>
+            </a:r>
+          </a:p>
+          <a:p>
+            <a:pPr marL="171450" indent="-171450">
+              <a:buFont typeface="Arial" charset="0"/>
+              <a:buChar char="•"/>
+            </a:pPr>
+            <a:r>
+              <a:rPr lang="en-US" baseline="0" dirty="0" smtClean="0"/>
+              <a:t>When we assign a function to a variable, the type has changed from function to string </a:t>
+            </a:r>
+            <a:r>
+              <a:rPr lang="mr-IN" baseline="0" dirty="0" smtClean="0"/>
+              <a:t>–</a:t>
+            </a:r>
+            <a:r>
+              <a:rPr lang="en-US" baseline="0" dirty="0" smtClean="0"/>
+              <a:t> are you starting to understand the risks of loose typing?</a:t>
+            </a:r>
+            <a:endParaRPr lang="en-US" dirty="0" smtClean="0"/>
+          </a:p>
+        </p:txBody>
+      </p:sp>
+      <p:sp>
+        <p:nvSpPr>
+          <p:cNvPr id="4" name="Slide Number Placeholder 3"/>
+          <p:cNvSpPr>
+            <a:spLocks noGrp="1"/>
+          </p:cNvSpPr>
+          <p:nvPr>
+            <p:ph type="sldNum" sz="quarter" idx="10"/>
+          </p:nvPr>
+        </p:nvSpPr>
+        <p:spPr/>
+        <p:txBody>
+          <a:bodyPr/>
+          <a:lstStyle/>
+          <a:p>
+            <a:fld id="{5C949890-84D1-B346-997E-B43A2CF20212}" type="slidenum">
+              <a:rPr lang="en-US" smtClean="0"/>
+              <a:t>3</a:t>
+            </a:fld>
+            <a:endParaRPr lang="en-US"/>
+          </a:p>
+        </p:txBody>
+      </p:sp>
+    </p:spTree>
+    <p:extLst>
+      <p:ext uri="{BB962C8B-B14F-4D97-AF65-F5344CB8AC3E}">
+        <p14:creationId xmlns:p14="http://schemas.microsoft.com/office/powerpoint/2010/main" val="1860457559"/>
+      </p:ext>
+    </p:extLst>
+  </p:cSld>
+  <p:clrMapOvr>
+    <a:masterClrMapping/>
+  </p:clrMapOvr>
+</p:notes>
+</file>
+
+<file path=ppt/notesSlides/notesSlide4.xml><?xml version="1.0" encoding="utf-8"?>
+<p:notes xmlns:a="http://schemas.openxmlformats.org/drawingml/2006/main" xmlns:r="http://schemas.openxmlformats.org/officeDocument/2006/relationships" xmlns:p="http://schemas.openxmlformats.org/presentationml/2006/main">
+  <p:cSld>
+    <p:spTree>
+      <p:nvGrpSpPr>
+        <p:cNvPr id="1" name=""/>
+        <p:cNvGrpSpPr/>
+        <p:nvPr/>
+      </p:nvGrpSpPr>
+      <p:grpSpPr>
+        <a:xfrm>
+          <a:off x="0" y="0"/>
+          <a:ext cx="0" cy="0"/>
+          <a:chOff x="0" y="0"/>
+          <a:chExt cx="0" cy="0"/>
+        </a:xfrm>
+      </p:grpSpPr>
+      <p:sp>
+        <p:nvSpPr>
+          <p:cNvPr id="2" name="Slide Image Placeholder 1"/>
+          <p:cNvSpPr>
+            <a:spLocks noGrp="1" noRot="1" noChangeAspect="1"/>
+          </p:cNvSpPr>
+          <p:nvPr>
+            <p:ph type="sldImg"/>
+          </p:nvPr>
+        </p:nvSpPr>
+        <p:spPr/>
+      </p:sp>
+      <p:sp>
+        <p:nvSpPr>
+          <p:cNvPr id="3" name="Notes Placeholder 2"/>
+          <p:cNvSpPr>
+            <a:spLocks noGrp="1"/>
+          </p:cNvSpPr>
+          <p:nvPr>
+            <p:ph type="body" idx="1"/>
+          </p:nvPr>
+        </p:nvSpPr>
+        <p:spPr/>
+        <p:txBody>
+          <a:bodyPr/>
+          <a:lstStyle/>
+          <a:p>
+            <a:pPr marL="171450" marR="0" lvl="2" indent="-171450" algn="l" defTabSz="914400" rtl="0" eaLnBrk="1" fontAlgn="auto" latinLnBrk="0" hangingPunct="1">
+              <a:lnSpc>
+                <a:spcPct val="100000"/>
+              </a:lnSpc>
+              <a:spcBef>
+                <a:spcPts val="0"/>
+              </a:spcBef>
+              <a:spcAft>
+                <a:spcPts val="0"/>
+              </a:spcAft>
+              <a:buClrTx/>
+              <a:buSzTx/>
+              <a:buFont typeface="Arial" charset="0"/>
+              <a:buChar char="•"/>
+              <a:tabLst/>
+              <a:defRPr/>
+            </a:pPr>
+            <a:endParaRPr lang="en-US" dirty="0" smtClean="0"/>
+          </a:p>
+        </p:txBody>
+      </p:sp>
+      <p:sp>
+        <p:nvSpPr>
+          <p:cNvPr id="4" name="Slide Number Placeholder 3"/>
+          <p:cNvSpPr>
+            <a:spLocks noGrp="1"/>
+          </p:cNvSpPr>
+          <p:nvPr>
+            <p:ph type="sldNum" sz="quarter" idx="10"/>
+          </p:nvPr>
+        </p:nvSpPr>
+        <p:spPr/>
+        <p:txBody>
+          <a:bodyPr/>
+          <a:lstStyle/>
+          <a:p>
+            <a:fld id="{5C949890-84D1-B346-997E-B43A2CF20212}" type="slidenum">
+              <a:rPr lang="en-US" smtClean="0"/>
+              <a:t>4</a:t>
+            </a:fld>
+            <a:endParaRPr lang="en-US"/>
+          </a:p>
+        </p:txBody>
+      </p:sp>
+    </p:spTree>
+    <p:extLst>
+      <p:ext uri="{BB962C8B-B14F-4D97-AF65-F5344CB8AC3E}">
+        <p14:creationId xmlns:p14="http://schemas.microsoft.com/office/powerpoint/2010/main" val="118413809"/>
+      </p:ext>
+    </p:extLst>
+  </p:cSld>
+  <p:clrMapOvr>
+    <a:masterClrMapping/>
+  </p:clrMapOvr>
+</p:notes>
+</file>
+
+<file path=ppt/notesSlides/notesSlide5.xml><?xml version="1.0" encoding="utf-8"?>
+<p:notes xmlns:a="http://schemas.openxmlformats.org/drawingml/2006/main" xmlns:r="http://schemas.openxmlformats.org/officeDocument/2006/relationships" xmlns:p="http://schemas.openxmlformats.org/presentationml/2006/main">
+  <p:cSld>
+    <p:spTree>
+      <p:nvGrpSpPr>
+        <p:cNvPr id="1" name=""/>
+        <p:cNvGrpSpPr/>
+        <p:nvPr/>
+      </p:nvGrpSpPr>
+      <p:grpSpPr>
+        <a:xfrm>
+          <a:off x="0" y="0"/>
+          <a:ext cx="0" cy="0"/>
+          <a:chOff x="0" y="0"/>
+          <a:chExt cx="0" cy="0"/>
+        </a:xfrm>
+      </p:grpSpPr>
+      <p:sp>
+        <p:nvSpPr>
+          <p:cNvPr id="2" name="Slide Image Placeholder 1"/>
+          <p:cNvSpPr>
+            <a:spLocks noGrp="1" noRot="1" noChangeAspect="1"/>
+          </p:cNvSpPr>
+          <p:nvPr>
+            <p:ph type="sldImg"/>
+          </p:nvPr>
+        </p:nvSpPr>
+        <p:spPr/>
+      </p:sp>
+      <p:sp>
+        <p:nvSpPr>
+          <p:cNvPr id="3" name="Notes Placeholder 2"/>
+          <p:cNvSpPr>
+            <a:spLocks noGrp="1"/>
+          </p:cNvSpPr>
+          <p:nvPr>
+            <p:ph type="body" idx="1"/>
+          </p:nvPr>
+        </p:nvSpPr>
+        <p:spPr/>
+        <p:txBody>
+          <a:bodyPr/>
+          <a:lstStyle/>
+          <a:p>
+            <a:pPr marL="171450" marR="0" lvl="2" indent="-171450" algn="l" defTabSz="914400" rtl="0" eaLnBrk="1" fontAlgn="auto" latinLnBrk="0" hangingPunct="1">
+              <a:lnSpc>
+                <a:spcPct val="100000"/>
+              </a:lnSpc>
+              <a:spcBef>
+                <a:spcPts val="0"/>
+              </a:spcBef>
+              <a:spcAft>
+                <a:spcPts val="0"/>
+              </a:spcAft>
+              <a:buClrTx/>
+              <a:buSzTx/>
+              <a:buFont typeface="Arial" charset="0"/>
+              <a:buChar char="•"/>
+              <a:tabLst/>
+              <a:defRPr/>
+            </a:pPr>
+            <a:r>
+              <a:rPr lang="en-US" sz="1200" b="0" i="0" kern="1200" dirty="0" smtClean="0">
+                <a:solidFill>
+                  <a:schemeClr val="tx1"/>
+                </a:solidFill>
+                <a:effectLst/>
+                <a:latin typeface="+mn-lt"/>
+                <a:ea typeface="+mn-ea"/>
+                <a:cs typeface="+mn-cs"/>
+              </a:rPr>
+              <a:t>A function that is to be executed after another function has finished executing</a:t>
+            </a:r>
+          </a:p>
+          <a:p>
+            <a:pPr marL="171450" marR="0" lvl="2" indent="-171450" algn="l" defTabSz="914400" rtl="0" eaLnBrk="1" fontAlgn="auto" latinLnBrk="0" hangingPunct="1">
+              <a:lnSpc>
+                <a:spcPct val="100000"/>
+              </a:lnSpc>
+              <a:spcBef>
+                <a:spcPts val="0"/>
+              </a:spcBef>
+              <a:spcAft>
+                <a:spcPts val="0"/>
+              </a:spcAft>
+              <a:buClrTx/>
+              <a:buSzTx/>
+              <a:buFont typeface="Arial" charset="0"/>
+              <a:buChar char="•"/>
+              <a:tabLst/>
+              <a:defRPr/>
+            </a:pPr>
+            <a:r>
+              <a:rPr lang="en-US" sz="1200" b="0" i="0" kern="1200" dirty="0" smtClean="0">
+                <a:solidFill>
+                  <a:schemeClr val="tx1"/>
+                </a:solidFill>
+                <a:effectLst/>
+                <a:latin typeface="+mn-lt"/>
+                <a:ea typeface="+mn-ea"/>
+                <a:cs typeface="+mn-cs"/>
+              </a:rPr>
+              <a:t>JavaScript is an event-driven language meaning</a:t>
+            </a:r>
+            <a:r>
+              <a:rPr lang="en-US" sz="1200" b="0" i="0" kern="1200" baseline="0" dirty="0" smtClean="0">
+                <a:solidFill>
+                  <a:schemeClr val="tx1"/>
+                </a:solidFill>
+                <a:effectLst/>
+                <a:latin typeface="+mn-lt"/>
+                <a:ea typeface="+mn-ea"/>
+                <a:cs typeface="+mn-cs"/>
+              </a:rPr>
+              <a:t> that instead of waiting for a response before moving on, JavaScript will keep </a:t>
+            </a:r>
+            <a:r>
+              <a:rPr lang="en-US" sz="1200" b="0" i="0" kern="1200" baseline="0" dirty="0" err="1" smtClean="0">
+                <a:solidFill>
+                  <a:schemeClr val="tx1"/>
+                </a:solidFill>
+                <a:effectLst/>
+                <a:latin typeface="+mn-lt"/>
+                <a:ea typeface="+mn-ea"/>
+                <a:cs typeface="+mn-cs"/>
+              </a:rPr>
+              <a:t>executingwhile</a:t>
+            </a:r>
+            <a:r>
+              <a:rPr lang="en-US" sz="1200" b="0" i="0" kern="1200" baseline="0" dirty="0" smtClean="0">
+                <a:solidFill>
+                  <a:schemeClr val="tx1"/>
+                </a:solidFill>
+                <a:effectLst/>
+                <a:latin typeface="+mn-lt"/>
+                <a:ea typeface="+mn-ea"/>
+                <a:cs typeface="+mn-cs"/>
+              </a:rPr>
+              <a:t> listening to </a:t>
+            </a:r>
+            <a:r>
+              <a:rPr lang="en-US" sz="1200" b="0" i="0" kern="1200" baseline="0" smtClean="0">
+                <a:solidFill>
+                  <a:schemeClr val="tx1"/>
+                </a:solidFill>
+                <a:effectLst/>
+                <a:latin typeface="+mn-lt"/>
+                <a:ea typeface="+mn-ea"/>
+                <a:cs typeface="+mn-cs"/>
+              </a:rPr>
+              <a:t>other events</a:t>
+            </a:r>
+            <a:endParaRPr lang="en-US" sz="1200" b="0" i="0" kern="1200" dirty="0" smtClean="0">
+              <a:solidFill>
+                <a:schemeClr val="tx1"/>
+              </a:solidFill>
+              <a:effectLst/>
+              <a:latin typeface="+mn-lt"/>
+              <a:ea typeface="+mn-ea"/>
+              <a:cs typeface="+mn-cs"/>
+            </a:endParaRPr>
+          </a:p>
+          <a:p>
+            <a:pPr marL="171450" marR="0" lvl="2" indent="-171450" algn="l" defTabSz="914400" rtl="0" eaLnBrk="1" fontAlgn="auto" latinLnBrk="0" hangingPunct="1">
+              <a:lnSpc>
+                <a:spcPct val="100000"/>
+              </a:lnSpc>
+              <a:spcBef>
+                <a:spcPts val="0"/>
+              </a:spcBef>
+              <a:spcAft>
+                <a:spcPts val="0"/>
+              </a:spcAft>
+              <a:buClrTx/>
+              <a:buSzTx/>
+              <a:buFont typeface="Arial" charset="0"/>
+              <a:buChar char="•"/>
+              <a:tabLst/>
+              <a:defRPr/>
+            </a:pPr>
+            <a:endParaRPr lang="en-US" sz="1200" b="0" i="0" kern="1200" dirty="0" smtClean="0">
+              <a:solidFill>
+                <a:schemeClr val="tx1"/>
+              </a:solidFill>
+              <a:effectLst/>
+              <a:latin typeface="+mn-lt"/>
+              <a:ea typeface="+mn-ea"/>
+              <a:cs typeface="+mn-cs"/>
+            </a:endParaRPr>
+          </a:p>
+          <a:p>
+            <a:pPr marL="171450" marR="0" lvl="2" indent="-171450" algn="l" defTabSz="914400" rtl="0" eaLnBrk="1" fontAlgn="auto" latinLnBrk="0" hangingPunct="1">
+              <a:lnSpc>
+                <a:spcPct val="100000"/>
+              </a:lnSpc>
+              <a:spcBef>
+                <a:spcPts val="0"/>
+              </a:spcBef>
+              <a:spcAft>
+                <a:spcPts val="0"/>
+              </a:spcAft>
+              <a:buClrTx/>
+              <a:buSzTx/>
+              <a:buFont typeface="Arial" charset="0"/>
+              <a:buChar char="•"/>
+              <a:tabLst/>
+              <a:defRPr/>
+            </a:pPr>
+            <a:endParaRPr lang="en-US" dirty="0" smtClean="0"/>
+          </a:p>
+        </p:txBody>
+      </p:sp>
+      <p:sp>
+        <p:nvSpPr>
+          <p:cNvPr id="4" name="Slide Number Placeholder 3"/>
+          <p:cNvSpPr>
+            <a:spLocks noGrp="1"/>
+          </p:cNvSpPr>
+          <p:nvPr>
+            <p:ph type="sldNum" sz="quarter" idx="10"/>
+          </p:nvPr>
+        </p:nvSpPr>
+        <p:spPr/>
+        <p:txBody>
+          <a:bodyPr/>
+          <a:lstStyle/>
+          <a:p>
+            <a:fld id="{5C949890-84D1-B346-997E-B43A2CF20212}" type="slidenum">
+              <a:rPr lang="en-US" smtClean="0"/>
+              <a:t>5</a:t>
+            </a:fld>
+            <a:endParaRPr lang="en-US"/>
+          </a:p>
+        </p:txBody>
+      </p:sp>
+    </p:spTree>
+    <p:extLst>
+      <p:ext uri="{BB962C8B-B14F-4D97-AF65-F5344CB8AC3E}">
+        <p14:creationId xmlns:p14="http://schemas.microsoft.com/office/powerpoint/2010/main" val="2049713913"/>
+      </p:ext>
+    </p:extLst>
+  </p:cSld>
+  <p:clrMapOvr>
+    <a:masterClrMapping/>
+  </p:clrMapOvr>
+</p:notes>
+</file>
+
+<file path=ppt/notesSlides/notesSlide6.xml><?xml version="1.0" encoding="utf-8"?>
+<p:notes xmlns:a="http://schemas.openxmlformats.org/drawingml/2006/main" xmlns:r="http://schemas.openxmlformats.org/officeDocument/2006/relationships" xmlns:p="http://schemas.openxmlformats.org/presentationml/2006/main">
+  <p:cSld>
+    <p:spTree>
+      <p:nvGrpSpPr>
+        <p:cNvPr id="1" name=""/>
+        <p:cNvGrpSpPr/>
+        <p:nvPr/>
+      </p:nvGrpSpPr>
+      <p:grpSpPr>
+        <a:xfrm>
+          <a:off x="0" y="0"/>
+          <a:ext cx="0" cy="0"/>
+          <a:chOff x="0" y="0"/>
+          <a:chExt cx="0" cy="0"/>
+        </a:xfrm>
+      </p:grpSpPr>
+      <p:sp>
+        <p:nvSpPr>
+          <p:cNvPr id="2" name="Slide Image Placeholder 1"/>
+          <p:cNvSpPr>
+            <a:spLocks noGrp="1" noRot="1" noChangeAspect="1"/>
+          </p:cNvSpPr>
+          <p:nvPr>
+            <p:ph type="sldImg"/>
+          </p:nvPr>
+        </p:nvSpPr>
+        <p:spPr/>
+      </p:sp>
+      <p:sp>
+        <p:nvSpPr>
+          <p:cNvPr id="3" name="Notes Placeholder 2"/>
+          <p:cNvSpPr>
+            <a:spLocks noGrp="1"/>
+          </p:cNvSpPr>
+          <p:nvPr>
+            <p:ph type="body" idx="1"/>
+          </p:nvPr>
+        </p:nvSpPr>
+        <p:spPr/>
+        <p:txBody>
+          <a:bodyPr/>
+          <a:lstStyle/>
+          <a:p>
+            <a:pPr marL="171450" marR="0" lvl="2" indent="-171450" algn="l" defTabSz="914400" rtl="0" eaLnBrk="1" fontAlgn="auto" latinLnBrk="0" hangingPunct="1">
+              <a:lnSpc>
+                <a:spcPct val="100000"/>
+              </a:lnSpc>
+              <a:spcBef>
+                <a:spcPts val="0"/>
+              </a:spcBef>
+              <a:spcAft>
+                <a:spcPts val="0"/>
+              </a:spcAft>
+              <a:buClrTx/>
+              <a:buSzTx/>
+              <a:buFont typeface="Arial" charset="0"/>
+              <a:buChar char="•"/>
+              <a:tabLst/>
+              <a:defRPr/>
+            </a:pPr>
+            <a:r>
+              <a:rPr lang="en-US" dirty="0" smtClean="0"/>
+              <a:t>This functionality is</a:t>
+            </a:r>
+            <a:r>
+              <a:rPr lang="en-US" baseline="0" dirty="0" smtClean="0"/>
+              <a:t> f</a:t>
+            </a:r>
+            <a:r>
+              <a:rPr lang="en-US" dirty="0" smtClean="0"/>
+              <a:t>ully dynamic, so for example, you can decide which function to return based off user</a:t>
+            </a:r>
+            <a:r>
+              <a:rPr lang="en-US" baseline="0" dirty="0" smtClean="0"/>
+              <a:t> input</a:t>
+            </a:r>
+            <a:endParaRPr lang="en-US" dirty="0" smtClean="0"/>
+          </a:p>
+        </p:txBody>
+      </p:sp>
+      <p:sp>
+        <p:nvSpPr>
+          <p:cNvPr id="4" name="Slide Number Placeholder 3"/>
+          <p:cNvSpPr>
+            <a:spLocks noGrp="1"/>
+          </p:cNvSpPr>
+          <p:nvPr>
+            <p:ph type="sldNum" sz="quarter" idx="10"/>
+          </p:nvPr>
+        </p:nvSpPr>
+        <p:spPr/>
+        <p:txBody>
+          <a:bodyPr/>
+          <a:lstStyle/>
+          <a:p>
+            <a:fld id="{5C949890-84D1-B346-997E-B43A2CF20212}" type="slidenum">
+              <a:rPr lang="en-US" smtClean="0"/>
+              <a:t>6</a:t>
+            </a:fld>
+            <a:endParaRPr lang="en-US"/>
+          </a:p>
+        </p:txBody>
+      </p:sp>
+    </p:spTree>
+    <p:extLst>
+      <p:ext uri="{BB962C8B-B14F-4D97-AF65-F5344CB8AC3E}">
+        <p14:creationId xmlns:p14="http://schemas.microsoft.com/office/powerpoint/2010/main" val="163316607"/>
+      </p:ext>
+    </p:extLst>
+  </p:cSld>
+  <p:clrMapOvr>
+    <a:masterClrMapping/>
+  </p:clrMapOvr>
+</p:notes>
+</file>
+
+<file path=ppt/notesSlides/notesSlide7.xml><?xml version="1.0" encoding="utf-8"?>
+<p:notes xmlns:a="http://schemas.openxmlformats.org/drawingml/2006/main" xmlns:r="http://schemas.openxmlformats.org/officeDocument/2006/relationships" xmlns:p="http://schemas.openxmlformats.org/presentationml/2006/main">
+  <p:cSld>
+    <p:spTree>
+      <p:nvGrpSpPr>
+        <p:cNvPr id="1" name=""/>
+        <p:cNvGrpSpPr/>
+        <p:nvPr/>
+      </p:nvGrpSpPr>
+      <p:grpSpPr>
+        <a:xfrm>
+          <a:off x="0" y="0"/>
+          <a:ext cx="0" cy="0"/>
+          <a:chOff x="0" y="0"/>
+          <a:chExt cx="0" cy="0"/>
+        </a:xfrm>
+      </p:grpSpPr>
+      <p:sp>
+        <p:nvSpPr>
+          <p:cNvPr id="2" name="Slide Image Placeholder 1"/>
+          <p:cNvSpPr>
+            <a:spLocks noGrp="1" noRot="1" noChangeAspect="1"/>
+          </p:cNvSpPr>
+          <p:nvPr>
+            <p:ph type="sldImg"/>
+          </p:nvPr>
+        </p:nvSpPr>
+        <p:spPr/>
+      </p:sp>
+      <p:sp>
+        <p:nvSpPr>
+          <p:cNvPr id="3" name="Notes Placeholder 2"/>
+          <p:cNvSpPr>
+            <a:spLocks noGrp="1"/>
+          </p:cNvSpPr>
+          <p:nvPr>
+            <p:ph type="body" idx="1"/>
+          </p:nvPr>
+        </p:nvSpPr>
+        <p:spPr/>
+        <p:txBody>
+          <a:bodyPr/>
+          <a:lstStyle/>
+          <a:p>
+            <a:pPr marL="171450" marR="0" lvl="2" indent="-171450" algn="l" defTabSz="914400" rtl="0" eaLnBrk="1" fontAlgn="auto" latinLnBrk="0" hangingPunct="1">
+              <a:lnSpc>
+                <a:spcPct val="100000"/>
+              </a:lnSpc>
+              <a:spcBef>
+                <a:spcPts val="0"/>
+              </a:spcBef>
+              <a:spcAft>
+                <a:spcPts val="0"/>
+              </a:spcAft>
+              <a:buClrTx/>
+              <a:buSzTx/>
+              <a:buFont typeface="Arial" charset="0"/>
+              <a:buChar char="•"/>
+              <a:tabLst/>
+              <a:defRPr/>
+            </a:pPr>
+            <a:r>
+              <a:rPr lang="en-US" dirty="0" smtClean="0"/>
+              <a:t>Applies the function to each element of the sequence and returns a new sequence (of type map) consisting</a:t>
+            </a:r>
+            <a:r>
+              <a:rPr lang="en-US" baseline="0" dirty="0" smtClean="0"/>
+              <a:t> of all the results</a:t>
+            </a:r>
+          </a:p>
+          <a:p>
+            <a:pPr marL="171450" marR="0" lvl="2" indent="-171450" algn="l" defTabSz="914400" rtl="0" eaLnBrk="1" fontAlgn="auto" latinLnBrk="0" hangingPunct="1">
+              <a:lnSpc>
+                <a:spcPct val="100000"/>
+              </a:lnSpc>
+              <a:spcBef>
+                <a:spcPts val="0"/>
+              </a:spcBef>
+              <a:spcAft>
+                <a:spcPts val="0"/>
+              </a:spcAft>
+              <a:buClrTx/>
+              <a:buSzTx/>
+              <a:buFont typeface="Arial" charset="0"/>
+              <a:buChar char="•"/>
+              <a:tabLst/>
+              <a:defRPr/>
+            </a:pPr>
+            <a:r>
+              <a:rPr lang="en-US" baseline="0" dirty="0" smtClean="0"/>
+              <a:t>Map returns a map object which is technically an iterator, not a list, so print wants it to be converted to a list</a:t>
+            </a:r>
+          </a:p>
+          <a:p>
+            <a:pPr marL="171450" marR="0" lvl="2" indent="-171450" algn="l" defTabSz="914400" rtl="0" eaLnBrk="1" fontAlgn="auto" latinLnBrk="0" hangingPunct="1">
+              <a:lnSpc>
+                <a:spcPct val="100000"/>
+              </a:lnSpc>
+              <a:spcBef>
+                <a:spcPts val="0"/>
+              </a:spcBef>
+              <a:spcAft>
+                <a:spcPts val="0"/>
+              </a:spcAft>
+              <a:buClrTx/>
+              <a:buSzTx/>
+              <a:buFont typeface="Arial" charset="0"/>
+              <a:buChar char="•"/>
+              <a:tabLst/>
+              <a:defRPr/>
+            </a:pPr>
+            <a:r>
+              <a:rPr lang="en-US" baseline="0" dirty="0" smtClean="0"/>
+              <a:t>If you don’t cast list, the system prints “map object”</a:t>
+            </a:r>
+          </a:p>
+          <a:p>
+            <a:pPr marL="171450" marR="0" lvl="2" indent="-171450" algn="l" defTabSz="914400" rtl="0" eaLnBrk="1" fontAlgn="auto" latinLnBrk="0" hangingPunct="1">
+              <a:lnSpc>
+                <a:spcPct val="100000"/>
+              </a:lnSpc>
+              <a:spcBef>
+                <a:spcPts val="0"/>
+              </a:spcBef>
+              <a:spcAft>
+                <a:spcPts val="0"/>
+              </a:spcAft>
+              <a:buClrTx/>
+              <a:buSzTx/>
+              <a:buFont typeface="Arial" charset="0"/>
+              <a:buChar char="•"/>
+              <a:tabLst/>
+              <a:defRPr/>
+            </a:pPr>
+            <a:r>
+              <a:rPr lang="en-US" baseline="0" dirty="0" smtClean="0"/>
+              <a:t>Map replaces the traditional for-loop that you would do in most languages</a:t>
+            </a:r>
+          </a:p>
+          <a:p>
+            <a:pPr marL="171450" marR="0" lvl="2" indent="-171450" algn="l" defTabSz="914400" rtl="0" eaLnBrk="1" fontAlgn="auto" latinLnBrk="0" hangingPunct="1">
+              <a:lnSpc>
+                <a:spcPct val="100000"/>
+              </a:lnSpc>
+              <a:spcBef>
+                <a:spcPts val="0"/>
+              </a:spcBef>
+              <a:spcAft>
+                <a:spcPts val="0"/>
+              </a:spcAft>
+              <a:buClrTx/>
+              <a:buSzTx/>
+              <a:buFont typeface="Arial" charset="0"/>
+              <a:buChar char="•"/>
+              <a:tabLst/>
+              <a:defRPr/>
+            </a:pPr>
+            <a:r>
+              <a:rPr lang="en-US" baseline="0" dirty="0" smtClean="0"/>
+              <a:t>The result of map can be used as the input to other functions that are expecting a sequence</a:t>
+            </a:r>
+            <a:endParaRPr lang="en-US" dirty="0" smtClean="0"/>
+          </a:p>
+        </p:txBody>
+      </p:sp>
+      <p:sp>
+        <p:nvSpPr>
+          <p:cNvPr id="4" name="Slide Number Placeholder 3"/>
+          <p:cNvSpPr>
+            <a:spLocks noGrp="1"/>
+          </p:cNvSpPr>
+          <p:nvPr>
+            <p:ph type="sldNum" sz="quarter" idx="10"/>
+          </p:nvPr>
+        </p:nvSpPr>
+        <p:spPr/>
+        <p:txBody>
+          <a:bodyPr/>
+          <a:lstStyle/>
+          <a:p>
+            <a:fld id="{5C949890-84D1-B346-997E-B43A2CF20212}" type="slidenum">
+              <a:rPr lang="en-US" smtClean="0"/>
+              <a:t>7</a:t>
+            </a:fld>
+            <a:endParaRPr lang="en-US"/>
+          </a:p>
+        </p:txBody>
+      </p:sp>
+    </p:spTree>
+    <p:extLst>
+      <p:ext uri="{BB962C8B-B14F-4D97-AF65-F5344CB8AC3E}">
+        <p14:creationId xmlns:p14="http://schemas.microsoft.com/office/powerpoint/2010/main" val="299381230"/>
+      </p:ext>
+    </p:extLst>
+  </p:cSld>
+  <p:clrMapOvr>
+    <a:masterClrMapping/>
+  </p:clrMapOvr>
+</p:notes>
+</file>
+
+<file path=ppt/notesSlides/notesSlide8.xml><?xml version="1.0" encoding="utf-8"?>
+<p:notes xmlns:a="http://schemas.openxmlformats.org/drawingml/2006/main" xmlns:r="http://schemas.openxmlformats.org/officeDocument/2006/relationships" xmlns:p="http://schemas.openxmlformats.org/presentationml/2006/main">
+  <p:cSld>
+    <p:spTree>
+      <p:nvGrpSpPr>
+        <p:cNvPr id="1" name=""/>
+        <p:cNvGrpSpPr/>
+        <p:nvPr/>
+      </p:nvGrpSpPr>
+      <p:grpSpPr>
+        <a:xfrm>
+          <a:off x="0" y="0"/>
+          <a:ext cx="0" cy="0"/>
+          <a:chOff x="0" y="0"/>
+          <a:chExt cx="0" cy="0"/>
+        </a:xfrm>
+      </p:grpSpPr>
+      <p:sp>
+        <p:nvSpPr>
+          <p:cNvPr id="2" name="Slide Image Placeholder 1"/>
+          <p:cNvSpPr>
+            <a:spLocks noGrp="1" noRot="1" noChangeAspect="1"/>
+          </p:cNvSpPr>
+          <p:nvPr>
+            <p:ph type="sldImg"/>
+          </p:nvPr>
+        </p:nvSpPr>
+        <p:spPr/>
+      </p:sp>
+      <p:sp>
+        <p:nvSpPr>
+          <p:cNvPr id="3" name="Notes Placeholder 2"/>
+          <p:cNvSpPr>
+            <a:spLocks noGrp="1"/>
+          </p:cNvSpPr>
+          <p:nvPr>
+            <p:ph type="body" idx="1"/>
+          </p:nvPr>
+        </p:nvSpPr>
+        <p:spPr/>
+        <p:txBody>
+          <a:bodyPr/>
+          <a:lstStyle/>
+          <a:p>
+            <a:pPr marL="171450" marR="0" lvl="2" indent="-171450" algn="l" defTabSz="914400" rtl="0" eaLnBrk="1" fontAlgn="auto" latinLnBrk="0" hangingPunct="1">
+              <a:lnSpc>
+                <a:spcPct val="100000"/>
+              </a:lnSpc>
+              <a:spcBef>
+                <a:spcPts val="0"/>
+              </a:spcBef>
+              <a:spcAft>
+                <a:spcPts val="0"/>
+              </a:spcAft>
+              <a:buClrTx/>
+              <a:buSzTx/>
+              <a:buFont typeface="Arial" charset="0"/>
+              <a:buChar char="•"/>
+              <a:tabLst/>
+              <a:defRPr/>
+            </a:pPr>
+            <a:r>
+              <a:rPr lang="en-US" dirty="0" smtClean="0"/>
+              <a:t>You can easily implement</a:t>
+            </a:r>
+            <a:r>
+              <a:rPr lang="en-US" baseline="0" dirty="0" smtClean="0"/>
+              <a:t> the filter functionaility in an imperative language, but it would be much more verbose</a:t>
+            </a:r>
+          </a:p>
+          <a:p>
+            <a:pPr marL="171450" marR="0" lvl="2" indent="-171450" algn="l" defTabSz="914400" rtl="0" eaLnBrk="1" fontAlgn="auto" latinLnBrk="0" hangingPunct="1">
+              <a:lnSpc>
+                <a:spcPct val="100000"/>
+              </a:lnSpc>
+              <a:spcBef>
+                <a:spcPts val="0"/>
+              </a:spcBef>
+              <a:spcAft>
+                <a:spcPts val="0"/>
+              </a:spcAft>
+              <a:buClrTx/>
+              <a:buSzTx/>
+              <a:buFont typeface="Arial" charset="0"/>
+              <a:buChar char="•"/>
+              <a:tabLst/>
+              <a:defRPr/>
+            </a:pPr>
+            <a:r>
+              <a:rPr lang="en-US" baseline="0" dirty="0" smtClean="0"/>
+              <a:t>We can use map and filter together</a:t>
+            </a:r>
+          </a:p>
+          <a:p>
+            <a:pPr marL="171450" marR="0" lvl="2" indent="-171450" algn="l" defTabSz="914400" rtl="0" eaLnBrk="1" fontAlgn="auto" latinLnBrk="0" hangingPunct="1">
+              <a:lnSpc>
+                <a:spcPct val="100000"/>
+              </a:lnSpc>
+              <a:spcBef>
+                <a:spcPts val="0"/>
+              </a:spcBef>
+              <a:spcAft>
+                <a:spcPts val="0"/>
+              </a:spcAft>
+              <a:buClrTx/>
+              <a:buSzTx/>
+              <a:buFont typeface="Arial" charset="0"/>
+              <a:buChar char="•"/>
+              <a:tabLst/>
+              <a:defRPr/>
+            </a:pPr>
+            <a:r>
+              <a:rPr lang="en-US" baseline="0" dirty="0" smtClean="0"/>
+              <a:t>In FP, we don’t want intermediate state so we try to think of the whole process as just a pipeline of calls</a:t>
+            </a:r>
+          </a:p>
+          <a:p>
+            <a:pPr marL="171450" marR="0" lvl="2" indent="-171450" algn="l" defTabSz="914400" rtl="0" eaLnBrk="1" fontAlgn="auto" latinLnBrk="0" hangingPunct="1">
+              <a:lnSpc>
+                <a:spcPct val="100000"/>
+              </a:lnSpc>
+              <a:spcBef>
+                <a:spcPts val="0"/>
+              </a:spcBef>
+              <a:spcAft>
+                <a:spcPts val="0"/>
+              </a:spcAft>
+              <a:buClrTx/>
+              <a:buSzTx/>
+              <a:buFont typeface="Arial" charset="0"/>
+              <a:buChar char="•"/>
+              <a:tabLst/>
+              <a:defRPr/>
+            </a:pPr>
+            <a:r>
+              <a:rPr lang="en-US" baseline="0" dirty="0" smtClean="0"/>
+              <a:t>Note that this style makes FP code, in general, much harder to read than imperative code</a:t>
+            </a:r>
+          </a:p>
+          <a:p>
+            <a:pPr marL="171450" marR="0" lvl="2" indent="-171450" algn="l" defTabSz="914400" rtl="0" eaLnBrk="1" fontAlgn="auto" latinLnBrk="0" hangingPunct="1">
+              <a:lnSpc>
+                <a:spcPct val="100000"/>
+              </a:lnSpc>
+              <a:spcBef>
+                <a:spcPts val="0"/>
+              </a:spcBef>
+              <a:spcAft>
+                <a:spcPts val="0"/>
+              </a:spcAft>
+              <a:buClrTx/>
+              <a:buSzTx/>
+              <a:buFont typeface="Arial" charset="0"/>
+              <a:buChar char="•"/>
+              <a:tabLst/>
+              <a:defRPr/>
+            </a:pPr>
+            <a:r>
+              <a:rPr lang="en-US" baseline="0" dirty="0" smtClean="0"/>
+              <a:t>Code commenting becomes even more essential</a:t>
+            </a:r>
+            <a:endParaRPr lang="en-US" dirty="0" smtClean="0"/>
+          </a:p>
+        </p:txBody>
+      </p:sp>
+      <p:sp>
+        <p:nvSpPr>
+          <p:cNvPr id="4" name="Slide Number Placeholder 3"/>
+          <p:cNvSpPr>
+            <a:spLocks noGrp="1"/>
+          </p:cNvSpPr>
+          <p:nvPr>
+            <p:ph type="sldNum" sz="quarter" idx="10"/>
+          </p:nvPr>
+        </p:nvSpPr>
+        <p:spPr/>
+        <p:txBody>
+          <a:bodyPr/>
+          <a:lstStyle/>
+          <a:p>
+            <a:fld id="{5C949890-84D1-B346-997E-B43A2CF20212}" type="slidenum">
+              <a:rPr lang="en-US" smtClean="0"/>
+              <a:t>8</a:t>
+            </a:fld>
+            <a:endParaRPr lang="en-US"/>
+          </a:p>
+        </p:txBody>
+      </p:sp>
+    </p:spTree>
+    <p:extLst>
+      <p:ext uri="{BB962C8B-B14F-4D97-AF65-F5344CB8AC3E}">
+        <p14:creationId xmlns:p14="http://schemas.microsoft.com/office/powerpoint/2010/main" val="141130767"/>
+      </p:ext>
+    </p:extLst>
+  </p:cSld>
+  <p:clrMapOvr>
+    <a:masterClrMapping/>
+  </p:clrMapOvr>
+</p:notes>
+</file>
+
+<file path=ppt/notesSlides/notesSlide9.xml><?xml version="1.0" encoding="utf-8"?>
+<p:notes xmlns:a="http://schemas.openxmlformats.org/drawingml/2006/main" xmlns:r="http://schemas.openxmlformats.org/officeDocument/2006/relationships" xmlns:p="http://schemas.openxmlformats.org/presentationml/2006/main">
+  <p:cSld>
+    <p:spTree>
+      <p:nvGrpSpPr>
+        <p:cNvPr id="1" name=""/>
+        <p:cNvGrpSpPr/>
+        <p:nvPr/>
+      </p:nvGrpSpPr>
+      <p:grpSpPr>
+        <a:xfrm>
+          <a:off x="0" y="0"/>
+          <a:ext cx="0" cy="0"/>
+          <a:chOff x="0" y="0"/>
+          <a:chExt cx="0" cy="0"/>
+        </a:xfrm>
+      </p:grpSpPr>
+      <p:sp>
+        <p:nvSpPr>
+          <p:cNvPr id="2" name="Slide Image Placeholder 1"/>
+          <p:cNvSpPr>
+            <a:spLocks noGrp="1" noRot="1" noChangeAspect="1"/>
+          </p:cNvSpPr>
+          <p:nvPr>
+            <p:ph type="sldImg"/>
+          </p:nvPr>
+        </p:nvSpPr>
+        <p:spPr/>
+      </p:sp>
+      <p:sp>
+        <p:nvSpPr>
+          <p:cNvPr id="3" name="Notes Placeholder 2"/>
+          <p:cNvSpPr>
+            <a:spLocks noGrp="1"/>
+          </p:cNvSpPr>
+          <p:nvPr>
+            <p:ph type="body" idx="1"/>
+          </p:nvPr>
+        </p:nvSpPr>
+        <p:spPr/>
+        <p:txBody>
+          <a:bodyPr/>
+          <a:lstStyle/>
+          <a:p>
+            <a:pPr marL="171450" marR="0" lvl="2" indent="-171450" algn="l" defTabSz="914400" rtl="0" eaLnBrk="1" fontAlgn="auto" latinLnBrk="0" hangingPunct="1">
+              <a:lnSpc>
+                <a:spcPct val="100000"/>
+              </a:lnSpc>
+              <a:spcBef>
+                <a:spcPts val="0"/>
+              </a:spcBef>
+              <a:spcAft>
+                <a:spcPts val="0"/>
+              </a:spcAft>
+              <a:buClrTx/>
+              <a:buSzTx/>
+              <a:buFont typeface="Arial" charset="0"/>
+              <a:buChar char="•"/>
+              <a:tabLst/>
+              <a:defRPr/>
+            </a:pPr>
+            <a:r>
+              <a:rPr lang="en-US" dirty="0" smtClean="0"/>
+              <a:t>In Python3,</a:t>
+            </a:r>
+            <a:r>
+              <a:rPr lang="en-US" baseline="0" dirty="0" smtClean="0"/>
+              <a:t> reduce has been removed from the main library</a:t>
+            </a:r>
+          </a:p>
+          <a:p>
+            <a:pPr marL="171450" marR="0" lvl="2" indent="-171450" algn="l" defTabSz="914400" rtl="0" eaLnBrk="1" fontAlgn="auto" latinLnBrk="0" hangingPunct="1">
+              <a:lnSpc>
+                <a:spcPct val="100000"/>
+              </a:lnSpc>
+              <a:spcBef>
+                <a:spcPts val="0"/>
+              </a:spcBef>
+              <a:spcAft>
+                <a:spcPts val="0"/>
+              </a:spcAft>
+              <a:buClrTx/>
+              <a:buSzTx/>
+              <a:buFont typeface="Arial" charset="0"/>
+              <a:buChar char="•"/>
+              <a:tabLst/>
+              <a:defRPr/>
+            </a:pPr>
+            <a:r>
+              <a:rPr lang="en-US" baseline="0" dirty="0" smtClean="0"/>
+              <a:t>Use functools library instead. This should go at the top of your file</a:t>
+            </a:r>
+            <a:endParaRPr lang="en-US" dirty="0" smtClean="0"/>
+          </a:p>
+        </p:txBody>
+      </p:sp>
+      <p:sp>
+        <p:nvSpPr>
+          <p:cNvPr id="4" name="Slide Number Placeholder 3"/>
+          <p:cNvSpPr>
+            <a:spLocks noGrp="1"/>
+          </p:cNvSpPr>
+          <p:nvPr>
+            <p:ph type="sldNum" sz="quarter" idx="10"/>
+          </p:nvPr>
+        </p:nvSpPr>
+        <p:spPr/>
+        <p:txBody>
+          <a:bodyPr/>
+          <a:lstStyle/>
+          <a:p>
+            <a:fld id="{5C949890-84D1-B346-997E-B43A2CF20212}" type="slidenum">
+              <a:rPr lang="en-US" smtClean="0"/>
+              <a:t>9</a:t>
+            </a:fld>
+            <a:endParaRPr lang="en-US"/>
+          </a:p>
+        </p:txBody>
+      </p:sp>
+    </p:spTree>
+    <p:extLst>
+      <p:ext uri="{BB962C8B-B14F-4D97-AF65-F5344CB8AC3E}">
+        <p14:creationId xmlns:p14="http://schemas.microsoft.com/office/powerpoint/2010/main" val="673408328"/>
+      </p:ext>
+    </p:extLst>
+  </p:cSld>
+  <p:clrMapOvr>
+    <a:masterClrMapping/>
+  </p:clrMapOvr>
+</p:notes>
+</file>
+
 <file path=ppt/slideLayouts/slideLayout1.xml><?xml version="1.0" encoding="utf-8"?>
 <p:sldLayout xmlns:a="http://schemas.openxmlformats.org/drawingml/2006/main" xmlns:r="http://schemas.openxmlformats.org/officeDocument/2006/relationships" xmlns:p="http://schemas.openxmlformats.org/presentationml/2006/main" type="title" preserve="1">
   <p:cSld name="Title Slide">
@@ -522,13 +2526,17 @@
         </p:nvSpPr>
         <p:spPr>
           <a:xfrm>
-            <a:off x="685800" y="2130425"/>
-            <a:ext cx="7772400" cy="1470025"/>
+            <a:off x="1524000" y="1122363"/>
+            <a:ext cx="9144000" cy="2387600"/>
           </a:xfrm>
         </p:spPr>
         <p:txBody>
-          <a:bodyPr/>
-          <a:lstStyle/>
+          <a:bodyPr anchor="b"/>
+          <a:lstStyle>
+            <a:lvl1pPr algn="ctr">
+              <a:defRPr sz="6000"/>
+            </a:lvl1pPr>
+          </a:lstStyle>
           <a:p>
             <a:r>
               <a:rPr lang="en-US" smtClean="0"/>
@@ -550,8 +2558,8 @@
         </p:nvSpPr>
         <p:spPr>
           <a:xfrm>
-            <a:off x="1371600" y="3886200"/>
-            <a:ext cx="6400800" cy="1752600"/>
+            <a:off x="1524000" y="3602038"/>
+            <a:ext cx="9144000" cy="1655762"/>
           </a:xfrm>
         </p:spPr>
         <p:txBody>
@@ -559,93 +2567,39 @@
           <a:lstStyle>
             <a:lvl1pPr marL="0" indent="0" algn="ctr">
               <a:buNone/>
-              <a:defRPr>
-                <a:solidFill>
-                  <a:schemeClr val="tx1">
-                    <a:tint val="75000"/>
-                  </a:schemeClr>
-                </a:solidFill>
-              </a:defRPr>
+              <a:defRPr sz="2400"/>
             </a:lvl1pPr>
             <a:lvl2pPr marL="457200" indent="0" algn="ctr">
               <a:buNone/>
-              <a:defRPr>
-                <a:solidFill>
-                  <a:schemeClr val="tx1">
-                    <a:tint val="75000"/>
-                  </a:schemeClr>
-                </a:solidFill>
-              </a:defRPr>
+              <a:defRPr sz="2000"/>
             </a:lvl2pPr>
             <a:lvl3pPr marL="914400" indent="0" algn="ctr">
               <a:buNone/>
-              <a:defRPr>
-                <a:solidFill>
-                  <a:schemeClr val="tx1">
-                    <a:tint val="75000"/>
-                  </a:schemeClr>
-                </a:solidFill>
-              </a:defRPr>
+              <a:defRPr sz="1800"/>
             </a:lvl3pPr>
             <a:lvl4pPr marL="1371600" indent="0" algn="ctr">
               <a:buNone/>
-              <a:defRPr>
-                <a:solidFill>
-                  <a:schemeClr val="tx1">
-                    <a:tint val="75000"/>
-                  </a:schemeClr>
-                </a:solidFill>
-              </a:defRPr>
+              <a:defRPr sz="1600"/>
             </a:lvl4pPr>
             <a:lvl5pPr marL="1828800" indent="0" algn="ctr">
               <a:buNone/>
-              <a:defRPr>
-                <a:solidFill>
-                  <a:schemeClr val="tx1">
-                    <a:tint val="75000"/>
-                  </a:schemeClr>
-                </a:solidFill>
-              </a:defRPr>
+              <a:defRPr sz="1600"/>
             </a:lvl5pPr>
             <a:lvl6pPr marL="2286000" indent="0" algn="ctr">
               <a:buNone/>
-              <a:defRPr>
-                <a:solidFill>
-                  <a:schemeClr val="tx1">
-                    <a:tint val="75000"/>
-                  </a:schemeClr>
-                </a:solidFill>
-              </a:defRPr>
+              <a:defRPr sz="1600"/>
             </a:lvl6pPr>
             <a:lvl7pPr marL="2743200" indent="0" algn="ctr">
               <a:buNone/>
-              <a:defRPr>
-                <a:solidFill>
-                  <a:schemeClr val="tx1">
-                    <a:tint val="75000"/>
-                  </a:schemeClr>
-                </a:solidFill>
-              </a:defRPr>
+              <a:defRPr sz="1600"/>
             </a:lvl7pPr>
             <a:lvl8pPr marL="3200400" indent="0" algn="ctr">
               <a:buNone/>
-              <a:defRPr>
-                <a:solidFill>
-                  <a:schemeClr val="tx1">
-                    <a:tint val="75000"/>
-                  </a:schemeClr>
-                </a:solidFill>
-              </a:defRPr>
+              <a:defRPr sz="1600"/>
             </a:lvl8pPr>
             <a:lvl9pPr marL="3657600" indent="0" algn="ctr">
               <a:buNone/>
-              <a:defRPr>
-                <a:solidFill>
-                  <a:schemeClr val="tx1">
-                    <a:tint val="75000"/>
-                  </a:schemeClr>
-                </a:solidFill>
-              </a:defRPr>
+              <a:defRPr sz="1600"/>
             </a:lvl9pPr>
           </a:lstStyle>
           <a:p>
@@ -672,9 +2626,9 @@
           <a:bodyPr/>
           <a:lstStyle/>
           <a:p>
-            <a:fld id="{F8166F1F-CE9B-4651-A6AA-CD717754106B}" type="datetimeFigureOut">
-              <a:rPr lang="en-US" smtClean="0"/>
-              <a:t>7/8/19</a:t>
+            <a:fld id="{BD4CA122-8521-6D44-9B67-558DC60F8753}" type="datetimeFigureOut">
+              <a:rPr lang="en-US" smtClean="0"/>
+              <a:t>10/23/19</a:t>
             </a:fld>
             <a:endParaRPr lang="en-US"/>
           </a:p>
@@ -714,7 +2668,7 @@
           <a:bodyPr/>
           <a:lstStyle/>
           <a:p>
-            <a:fld id="{B1393E5F-521B-4CAD-9D3A-AE923D912DCE}" type="slidenum">
+            <a:fld id="{B822FDE6-25CA-0444-94EE-C6FC8C5EFEB8}" type="slidenum">
               <a:rPr lang="en-US" smtClean="0"/>
               <a:t>‹#›</a:t>
             </a:fld>
@@ -723,6 +2677,11 @@
         </p:txBody>
       </p:sp>
     </p:spTree>
+    <p:extLst>
+      <p:ext uri="{BB962C8B-B14F-4D97-AF65-F5344CB8AC3E}">
+        <p14:creationId xmlns:p14="http://schemas.microsoft.com/office/powerpoint/2010/main" val="1223307664"/>
+      </p:ext>
+    </p:extLst>
   </p:cSld>
   <p:clrMapOvr>
     <a:masterClrMapping/>
@@ -837,9 +2796,9 @@
           <a:bodyPr/>
           <a:lstStyle/>
           <a:p>
-            <a:fld id="{A76116CE-C4A3-4A05-B2D7-7C2E9A889C0F}" type="datetimeFigureOut">
-              <a:rPr lang="en-US" smtClean="0"/>
-              <a:t>7/8/19</a:t>
+            <a:fld id="{BD4CA122-8521-6D44-9B67-558DC60F8753}" type="datetimeFigureOut">
+              <a:rPr lang="en-US" smtClean="0"/>
+              <a:t>10/23/19</a:t>
             </a:fld>
             <a:endParaRPr lang="en-US"/>
           </a:p>
@@ -879,7 +2838,7 @@
           <a:bodyPr/>
           <a:lstStyle/>
           <a:p>
-            <a:fld id="{B1393E5F-521B-4CAD-9D3A-AE923D912DCE}" type="slidenum">
+            <a:fld id="{B822FDE6-25CA-0444-94EE-C6FC8C5EFEB8}" type="slidenum">
               <a:rPr lang="en-US" smtClean="0"/>
               <a:t>‹#›</a:t>
             </a:fld>
@@ -888,6 +2847,11 @@
         </p:txBody>
       </p:sp>
     </p:spTree>
+    <p:extLst>
+      <p:ext uri="{BB962C8B-B14F-4D97-AF65-F5344CB8AC3E}">
+        <p14:creationId xmlns:p14="http://schemas.microsoft.com/office/powerpoint/2010/main" val="832326019"/>
+      </p:ext>
+    </p:extLst>
   </p:cSld>
   <p:clrMapOvr>
     <a:masterClrMapping/>
@@ -924,8 +2888,8 @@
         </p:nvSpPr>
         <p:spPr>
           <a:xfrm>
-            <a:off x="6629400" y="274638"/>
-            <a:ext cx="2057400" cy="5851525"/>
+            <a:off x="8724900" y="365125"/>
+            <a:ext cx="2628900" cy="5811838"/>
           </a:xfrm>
         </p:spPr>
         <p:txBody>
@@ -952,8 +2916,8 @@
         </p:nvSpPr>
         <p:spPr>
           <a:xfrm>
-            <a:off x="457200" y="274638"/>
-            <a:ext cx="6019800" cy="5851525"/>
+            <a:off x="838200" y="365125"/>
+            <a:ext cx="7734300" cy="5811838"/>
           </a:xfrm>
         </p:spPr>
         <p:txBody>
@@ -1012,9 +2976,9 @@
           <a:bodyPr/>
           <a:lstStyle/>
           <a:p>
-            <a:fld id="{A76116CE-C4A3-4A05-B2D7-7C2E9A889C0F}" type="datetimeFigureOut">
-              <a:rPr lang="en-US" smtClean="0"/>
-              <a:t>7/8/19</a:t>
+            <a:fld id="{BD4CA122-8521-6D44-9B67-558DC60F8753}" type="datetimeFigureOut">
+              <a:rPr lang="en-US" smtClean="0"/>
+              <a:t>10/23/19</a:t>
             </a:fld>
             <a:endParaRPr lang="en-US"/>
           </a:p>
@@ -1054,7 +3018,7 @@
           <a:bodyPr/>
           <a:lstStyle/>
           <a:p>
-            <a:fld id="{B1393E5F-521B-4CAD-9D3A-AE923D912DCE}" type="slidenum">
+            <a:fld id="{B822FDE6-25CA-0444-94EE-C6FC8C5EFEB8}" type="slidenum">
               <a:rPr lang="en-US" smtClean="0"/>
               <a:t>‹#›</a:t>
             </a:fld>
@@ -1063,6 +3027,11 @@
         </p:txBody>
       </p:sp>
     </p:spTree>
+    <p:extLst>
+      <p:ext uri="{BB962C8B-B14F-4D97-AF65-F5344CB8AC3E}">
+        <p14:creationId xmlns:p14="http://schemas.microsoft.com/office/powerpoint/2010/main" val="194924775"/>
+      </p:ext>
+    </p:extLst>
   </p:cSld>
   <p:clrMapOvr>
     <a:masterClrMapping/>
@@ -1125,9 +3094,7 @@
           <a:bodyPr/>
           <a:lstStyle/>
           <a:p>
-            <a:pPr lvl="0">
-              <a:buChar char="•"/>
-            </a:pPr>
+            <a:pPr lvl="0"/>
             <a:r>
               <a:rPr lang="en-US" smtClean="0"/>
               <a:t>Click to edit Master text styles</a:t>
@@ -1179,9 +3146,9 @@
           <a:bodyPr/>
           <a:lstStyle/>
           <a:p>
-            <a:fld id="{A76116CE-C4A3-4A05-B2D7-7C2E9A889C0F}" type="datetimeFigureOut">
-              <a:rPr lang="en-US" smtClean="0"/>
-              <a:t>7/8/19</a:t>
+            <a:fld id="{BD4CA122-8521-6D44-9B67-558DC60F8753}" type="datetimeFigureOut">
+              <a:rPr lang="en-US" smtClean="0"/>
+              <a:t>10/23/19</a:t>
             </a:fld>
             <a:endParaRPr lang="en-US"/>
           </a:p>
@@ -1221,7 +3188,7 @@
           <a:bodyPr/>
           <a:lstStyle/>
           <a:p>
-            <a:fld id="{B1393E5F-521B-4CAD-9D3A-AE923D912DCE}" type="slidenum">
+            <a:fld id="{B822FDE6-25CA-0444-94EE-C6FC8C5EFEB8}" type="slidenum">
               <a:rPr lang="en-US" smtClean="0"/>
               <a:t>‹#›</a:t>
             </a:fld>
@@ -1230,6 +3197,11 @@
         </p:txBody>
       </p:sp>
     </p:spTree>
+    <p:extLst>
+      <p:ext uri="{BB962C8B-B14F-4D97-AF65-F5344CB8AC3E}">
+        <p14:creationId xmlns:p14="http://schemas.microsoft.com/office/powerpoint/2010/main" val="123472470"/>
+      </p:ext>
+    </p:extLst>
   </p:cSld>
   <p:clrMapOvr>
     <a:masterClrMapping/>
@@ -1266,15 +3238,15 @@
         </p:nvSpPr>
         <p:spPr>
           <a:xfrm>
-            <a:off x="722313" y="4406900"/>
-            <a:ext cx="7772400" cy="1362075"/>
+            <a:off x="831850" y="1709738"/>
+            <a:ext cx="10515600" cy="2852737"/>
           </a:xfrm>
         </p:spPr>
         <p:txBody>
-          <a:bodyPr anchor="t"/>
+          <a:bodyPr anchor="b"/>
           <a:lstStyle>
-            <a:lvl1pPr algn="l">
-              <a:defRPr sz="4000" b="1" cap="all"/>
+            <a:lvl1pPr>
+              <a:defRPr sz="6000"/>
             </a:lvl1pPr>
           </a:lstStyle>
           <a:p>
@@ -1298,16 +3270,16 @@
         </p:nvSpPr>
         <p:spPr>
           <a:xfrm>
-            <a:off x="722313" y="2906713"/>
-            <a:ext cx="7772400" cy="1500187"/>
+            <a:off x="831850" y="4589463"/>
+            <a:ext cx="10515600" cy="1500187"/>
           </a:xfrm>
         </p:spPr>
         <p:txBody>
-          <a:bodyPr anchor="b"/>
+          <a:bodyPr/>
           <a:lstStyle>
             <a:lvl1pPr marL="0" indent="0">
               <a:buNone/>
-              <a:defRPr sz="2000">
+              <a:defRPr sz="2400">
                 <a:solidFill>
                   <a:schemeClr val="tx1">
                     <a:tint val="75000"/>
@@ -1317,7 +3289,7 @@
             </a:lvl1pPr>
             <a:lvl2pPr marL="457200" indent="0">
               <a:buNone/>
-              <a:defRPr sz="1800">
+              <a:defRPr sz="2000">
                 <a:solidFill>
                   <a:schemeClr val="tx1">
                     <a:tint val="75000"/>
@@ -1327,7 +3299,7 @@
             </a:lvl2pPr>
             <a:lvl3pPr marL="914400" indent="0">
               <a:buNone/>
-              <a:defRPr sz="1600">
+              <a:defRPr sz="1800">
                 <a:solidFill>
                   <a:schemeClr val="tx1">
                     <a:tint val="75000"/>
@@ -1337,7 +3309,7 @@
             </a:lvl3pPr>
             <a:lvl4pPr marL="1371600" indent="0">
               <a:buNone/>
-              <a:defRPr sz="1400">
+              <a:defRPr sz="1600">
                 <a:solidFill>
                   <a:schemeClr val="tx1">
                     <a:tint val="75000"/>
@@ -1347,7 +3319,7 @@
             </a:lvl4pPr>
             <a:lvl5pPr marL="1828800" indent="0">
               <a:buNone/>
-              <a:defRPr sz="1400">
+              <a:defRPr sz="1600">
                 <a:solidFill>
                   <a:schemeClr val="tx1">
                     <a:tint val="75000"/>
@@ -1357,7 +3329,7 @@
             </a:lvl5pPr>
             <a:lvl6pPr marL="2286000" indent="0">
               <a:buNone/>
-              <a:defRPr sz="1400">
+              <a:defRPr sz="1600">
                 <a:solidFill>
                   <a:schemeClr val="tx1">
                     <a:tint val="75000"/>
@@ -1367,7 +3339,7 @@
             </a:lvl6pPr>
             <a:lvl7pPr marL="2743200" indent="0">
               <a:buNone/>
-              <a:defRPr sz="1400">
+              <a:defRPr sz="1600">
                 <a:solidFill>
                   <a:schemeClr val="tx1">
                     <a:tint val="75000"/>
@@ -1377,7 +3349,7 @@
             </a:lvl7pPr>
             <a:lvl8pPr marL="3200400" indent="0">
               <a:buNone/>
-              <a:defRPr sz="1400">
+              <a:defRPr sz="1600">
                 <a:solidFill>
                   <a:schemeClr val="tx1">
                     <a:tint val="75000"/>
@@ -1387,7 +3359,7 @@
             </a:lvl8pPr>
             <a:lvl9pPr marL="3657600" indent="0">
               <a:buNone/>
-              <a:defRPr sz="1400">
+              <a:defRPr sz="1600">
                 <a:solidFill>
                   <a:schemeClr val="tx1">
                     <a:tint val="75000"/>
@@ -1420,9 +3392,9 @@
           <a:bodyPr/>
           <a:lstStyle/>
           <a:p>
-            <a:fld id="{A76116CE-C4A3-4A05-B2D7-7C2E9A889C0F}" type="datetimeFigureOut">
-              <a:rPr lang="en-US" smtClean="0"/>
-              <a:t>7/8/19</a:t>
+            <a:fld id="{BD4CA122-8521-6D44-9B67-558DC60F8753}" type="datetimeFigureOut">
+              <a:rPr lang="en-US" smtClean="0"/>
+              <a:t>10/23/19</a:t>
             </a:fld>
             <a:endParaRPr lang="en-US"/>
           </a:p>
@@ -1462,7 +3434,7 @@
           <a:bodyPr/>
           <a:lstStyle/>
           <a:p>
-            <a:fld id="{B1393E5F-521B-4CAD-9D3A-AE923D912DCE}" type="slidenum">
+            <a:fld id="{B822FDE6-25CA-0444-94EE-C6FC8C5EFEB8}" type="slidenum">
               <a:rPr lang="en-US" smtClean="0"/>
               <a:t>‹#›</a:t>
             </a:fld>
@@ -1471,6 +3443,11 @@
         </p:txBody>
       </p:sp>
     </p:spTree>
+    <p:extLst>
+      <p:ext uri="{BB962C8B-B14F-4D97-AF65-F5344CB8AC3E}">
+        <p14:creationId xmlns:p14="http://schemas.microsoft.com/office/powerpoint/2010/main" val="732600288"/>
+      </p:ext>
+    </p:extLst>
   </p:cSld>
   <p:clrMapOvr>
     <a:masterClrMapping/>
@@ -1530,41 +3507,13 @@
         </p:nvSpPr>
         <p:spPr>
           <a:xfrm>
-            <a:off x="457200" y="1600200"/>
-            <a:ext cx="4038600" cy="4525963"/>
+            <a:off x="838200" y="1825625"/>
+            <a:ext cx="5181600" cy="4351338"/>
           </a:xfrm>
         </p:spPr>
         <p:txBody>
           <a:bodyPr/>
-          <a:lstStyle>
-            <a:lvl1pPr>
-              <a:defRPr sz="2800"/>
-            </a:lvl1pPr>
-            <a:lvl2pPr>
-              <a:defRPr sz="2400"/>
-            </a:lvl2pPr>
-            <a:lvl3pPr>
-              <a:defRPr sz="2000"/>
-            </a:lvl3pPr>
-            <a:lvl4pPr>
-              <a:defRPr sz="1800"/>
-            </a:lvl4pPr>
-            <a:lvl5pPr>
-              <a:defRPr sz="1800"/>
-            </a:lvl5pPr>
-            <a:lvl6pPr>
-              <a:defRPr sz="1800"/>
-            </a:lvl6pPr>
-            <a:lvl7pPr>
-              <a:defRPr sz="1800"/>
-            </a:lvl7pPr>
-            <a:lvl8pPr>
-              <a:defRPr sz="1800"/>
-            </a:lvl8pPr>
-            <a:lvl9pPr>
-              <a:defRPr sz="1800"/>
-            </a:lvl9pPr>
-          </a:lstStyle>
+          <a:lstStyle/>
           <a:p>
             <a:pPr lvl="0"/>
             <a:r>
@@ -1615,41 +3564,13 @@
         </p:nvSpPr>
         <p:spPr>
           <a:xfrm>
-            <a:off x="4648200" y="1600200"/>
-            <a:ext cx="4038600" cy="4525963"/>
+            <a:off x="6172200" y="1825625"/>
+            <a:ext cx="5181600" cy="4351338"/>
           </a:xfrm>
         </p:spPr>
         <p:txBody>
           <a:bodyPr/>
-          <a:lstStyle>
-            <a:lvl1pPr>
-              <a:defRPr sz="2800"/>
-            </a:lvl1pPr>
-            <a:lvl2pPr>
-              <a:defRPr sz="2400"/>
-            </a:lvl2pPr>
-            <a:lvl3pPr>
-              <a:defRPr sz="2000"/>
-            </a:lvl3pPr>
-            <a:lvl4pPr>
-              <a:defRPr sz="1800"/>
-            </a:lvl4pPr>
-            <a:lvl5pPr>
-              <a:defRPr sz="1800"/>
-            </a:lvl5pPr>
-            <a:lvl6pPr>
-              <a:defRPr sz="1800"/>
-            </a:lvl6pPr>
-            <a:lvl7pPr>
-              <a:defRPr sz="1800"/>
-            </a:lvl7pPr>
-            <a:lvl8pPr>
-              <a:defRPr sz="1800"/>
-            </a:lvl8pPr>
-            <a:lvl9pPr>
-              <a:defRPr sz="1800"/>
-            </a:lvl9pPr>
-          </a:lstStyle>
+          <a:lstStyle/>
           <a:p>
             <a:pPr lvl="0"/>
             <a:r>
@@ -1703,9 +3624,9 @@
           <a:bodyPr/>
           <a:lstStyle/>
           <a:p>
-            <a:fld id="{A76116CE-C4A3-4A05-B2D7-7C2E9A889C0F}" type="datetimeFigureOut">
-              <a:rPr lang="en-US" smtClean="0"/>
-              <a:t>7/8/19</a:t>
+            <a:fld id="{BD4CA122-8521-6D44-9B67-558DC60F8753}" type="datetimeFigureOut">
+              <a:rPr lang="en-US" smtClean="0"/>
+              <a:t>10/23/19</a:t>
             </a:fld>
             <a:endParaRPr lang="en-US"/>
           </a:p>
@@ -1745,7 +3666,7 @@
           <a:bodyPr/>
           <a:lstStyle/>
           <a:p>
-            <a:fld id="{B1393E5F-521B-4CAD-9D3A-AE923D912DCE}" type="slidenum">
+            <a:fld id="{B822FDE6-25CA-0444-94EE-C6FC8C5EFEB8}" type="slidenum">
               <a:rPr lang="en-US" smtClean="0"/>
               <a:t>‹#›</a:t>
             </a:fld>
@@ -1754,6 +3675,11 @@
         </p:txBody>
       </p:sp>
     </p:spTree>
+    <p:extLst>
+      <p:ext uri="{BB962C8B-B14F-4D97-AF65-F5344CB8AC3E}">
+        <p14:creationId xmlns:p14="http://schemas.microsoft.com/office/powerpoint/2010/main" val="1289292165"/>
+      </p:ext>
+    </p:extLst>
   </p:cSld>
   <p:clrMapOvr>
     <a:masterClrMapping/>
@@ -1788,37 +3714,38 @@
             <p:ph type="title"/>
           </p:nvPr>
         </p:nvSpPr>
-        <p:spPr/>
-        <p:txBody>
-          <a:bodyPr/>
-          <a:lstStyle>
-            <a:lvl1pPr>
-              <a:defRPr/>
-            </a:lvl1pPr>
-          </a:lstStyle>
-          <a:p>
-            <a:r>
-              <a:rPr lang="en-US" smtClean="0"/>
-              <a:t>Click to edit Master title style</a:t>
-            </a:r>
-            <a:endParaRPr lang="en-US"/>
-          </a:p>
-        </p:txBody>
-      </p:sp>
-      <p:sp>
-        <p:nvSpPr>
-          <p:cNvPr id="3" name="Text Placeholder 2"/>
-          <p:cNvSpPr>
-            <a:spLocks noGrp="1"/>
-          </p:cNvSpPr>
-          <p:nvPr>
-            <p:ph type="body" idx="1"/>
-          </p:nvPr>
-        </p:nvSpPr>
         <p:spPr>
           <a:xfrm>
-            <a:off x="457200" y="1535113"/>
-            <a:ext cx="4040188" cy="639762"/>
+            <a:off x="839788" y="365125"/>
+            <a:ext cx="10515600" cy="1325563"/>
+          </a:xfrm>
+        </p:spPr>
+        <p:txBody>
+          <a:bodyPr/>
+          <a:lstStyle/>
+          <a:p>
+            <a:r>
+              <a:rPr lang="en-US" smtClean="0"/>
+              <a:t>Click to edit Master title style</a:t>
+            </a:r>
+            <a:endParaRPr lang="en-US"/>
+          </a:p>
+        </p:txBody>
+      </p:sp>
+      <p:sp>
+        <p:nvSpPr>
+          <p:cNvPr id="3" name="Text Placeholder 2"/>
+          <p:cNvSpPr>
+            <a:spLocks noGrp="1"/>
+          </p:cNvSpPr>
+          <p:nvPr>
+            <p:ph type="body" idx="1"/>
+          </p:nvPr>
+        </p:nvSpPr>
+        <p:spPr>
+          <a:xfrm>
+            <a:off x="839788" y="1681163"/>
+            <a:ext cx="5157787" cy="823912"/>
           </a:xfrm>
         </p:spPr>
         <p:txBody>
@@ -1882,41 +3809,13 @@
         </p:nvSpPr>
         <p:spPr>
           <a:xfrm>
-            <a:off x="457200" y="2174875"/>
-            <a:ext cx="4040188" cy="3951288"/>
+            <a:off x="839788" y="2505075"/>
+            <a:ext cx="5157787" cy="3684588"/>
           </a:xfrm>
         </p:spPr>
         <p:txBody>
           <a:bodyPr/>
-          <a:lstStyle>
-            <a:lvl1pPr>
-              <a:defRPr sz="2400"/>
-            </a:lvl1pPr>
-            <a:lvl2pPr>
-              <a:defRPr sz="2000"/>
-            </a:lvl2pPr>
-            <a:lvl3pPr>
-              <a:defRPr sz="1800"/>
-            </a:lvl3pPr>
-            <a:lvl4pPr>
-              <a:defRPr sz="1600"/>
-            </a:lvl4pPr>
-            <a:lvl5pPr>
-              <a:defRPr sz="1600"/>
-            </a:lvl5pPr>
-            <a:lvl6pPr>
-              <a:defRPr sz="1600"/>
-            </a:lvl6pPr>
-            <a:lvl7pPr>
-              <a:defRPr sz="1600"/>
-            </a:lvl7pPr>
-            <a:lvl8pPr>
-              <a:defRPr sz="1600"/>
-            </a:lvl8pPr>
-            <a:lvl9pPr>
-              <a:defRPr sz="1600"/>
-            </a:lvl9pPr>
-          </a:lstStyle>
+          <a:lstStyle/>
           <a:p>
             <a:pPr lvl="0"/>
             <a:r>
@@ -1967,8 +3866,8 @@
         </p:nvSpPr>
         <p:spPr>
           <a:xfrm>
-            <a:off x="4645025" y="1535113"/>
-            <a:ext cx="4041775" cy="639762"/>
+            <a:off x="6172200" y="1681163"/>
+            <a:ext cx="5183188" cy="823912"/>
           </a:xfrm>
         </p:spPr>
         <p:txBody>
@@ -2032,41 +3931,13 @@
         </p:nvSpPr>
         <p:spPr>
           <a:xfrm>
-            <a:off x="4645025" y="2174875"/>
-            <a:ext cx="4041775" cy="3951288"/>
+            <a:off x="6172200" y="2505075"/>
+            <a:ext cx="5183188" cy="3684588"/>
           </a:xfrm>
         </p:spPr>
         <p:txBody>
           <a:bodyPr/>
-          <a:lstStyle>
-            <a:lvl1pPr>
-              <a:defRPr sz="2400"/>
-            </a:lvl1pPr>
-            <a:lvl2pPr>
-              <a:defRPr sz="2000"/>
-            </a:lvl2pPr>
-            <a:lvl3pPr>
-              <a:defRPr sz="1800"/>
-            </a:lvl3pPr>
-            <a:lvl4pPr>
-              <a:defRPr sz="1600"/>
-            </a:lvl4pPr>
-            <a:lvl5pPr>
-              <a:defRPr sz="1600"/>
-            </a:lvl5pPr>
-            <a:lvl6pPr>
-              <a:defRPr sz="1600"/>
-            </a:lvl6pPr>
-            <a:lvl7pPr>
-              <a:defRPr sz="1600"/>
-            </a:lvl7pPr>
-            <a:lvl8pPr>
-              <a:defRPr sz="1600"/>
-            </a:lvl8pPr>
-            <a:lvl9pPr>
-              <a:defRPr sz="1600"/>
-            </a:lvl9pPr>
-          </a:lstStyle>
+          <a:lstStyle/>
           <a:p>
             <a:pPr lvl="0"/>
             <a:r>
@@ -2120,9 +3991,9 @@
           <a:bodyPr/>
           <a:lstStyle/>
           <a:p>
-            <a:fld id="{A76116CE-C4A3-4A05-B2D7-7C2E9A889C0F}" type="datetimeFigureOut">
-              <a:rPr lang="en-US" smtClean="0"/>
-              <a:t>7/8/19</a:t>
+            <a:fld id="{BD4CA122-8521-6D44-9B67-558DC60F8753}" type="datetimeFigureOut">
+              <a:rPr lang="en-US" smtClean="0"/>
+              <a:t>10/23/19</a:t>
             </a:fld>
             <a:endParaRPr lang="en-US"/>
           </a:p>
@@ -2162,7 +4033,7 @@
           <a:bodyPr/>
           <a:lstStyle/>
           <a:p>
-            <a:fld id="{B1393E5F-521B-4CAD-9D3A-AE923D912DCE}" type="slidenum">
+            <a:fld id="{B822FDE6-25CA-0444-94EE-C6FC8C5EFEB8}" type="slidenum">
               <a:rPr lang="en-US" smtClean="0"/>
               <a:t>‹#›</a:t>
             </a:fld>
@@ -2171,6 +4042,11 @@
         </p:txBody>
       </p:sp>
     </p:spTree>
+    <p:extLst>
+      <p:ext uri="{BB962C8B-B14F-4D97-AF65-F5344CB8AC3E}">
+        <p14:creationId xmlns:p14="http://schemas.microsoft.com/office/powerpoint/2010/main" val="1023418925"/>
+      </p:ext>
+    </p:extLst>
   </p:cSld>
   <p:clrMapOvr>
     <a:masterClrMapping/>
@@ -2233,9 +4109,9 @@
           <a:bodyPr/>
           <a:lstStyle/>
           <a:p>
-            <a:fld id="{A76116CE-C4A3-4A05-B2D7-7C2E9A889C0F}" type="datetimeFigureOut">
-              <a:rPr lang="en-US" smtClean="0"/>
-              <a:t>7/8/19</a:t>
+            <a:fld id="{BD4CA122-8521-6D44-9B67-558DC60F8753}" type="datetimeFigureOut">
+              <a:rPr lang="en-US" smtClean="0"/>
+              <a:t>10/23/19</a:t>
             </a:fld>
             <a:endParaRPr lang="en-US"/>
           </a:p>
@@ -2275,7 +4151,7 @@
           <a:bodyPr/>
           <a:lstStyle/>
           <a:p>
-            <a:fld id="{B1393E5F-521B-4CAD-9D3A-AE923D912DCE}" type="slidenum">
+            <a:fld id="{B822FDE6-25CA-0444-94EE-C6FC8C5EFEB8}" type="slidenum">
               <a:rPr lang="en-US" smtClean="0"/>
               <a:t>‹#›</a:t>
             </a:fld>
@@ -2284,6 +4160,11 @@
         </p:txBody>
       </p:sp>
     </p:spTree>
+    <p:extLst>
+      <p:ext uri="{BB962C8B-B14F-4D97-AF65-F5344CB8AC3E}">
+        <p14:creationId xmlns:p14="http://schemas.microsoft.com/office/powerpoint/2010/main" val="1405343652"/>
+      </p:ext>
+    </p:extLst>
   </p:cSld>
   <p:clrMapOvr>
     <a:masterClrMapping/>
@@ -2323,9 +4204,9 @@
           <a:bodyPr/>
           <a:lstStyle/>
           <a:p>
-            <a:fld id="{A76116CE-C4A3-4A05-B2D7-7C2E9A889C0F}" type="datetimeFigureOut">
-              <a:rPr lang="en-US" smtClean="0"/>
-              <a:t>7/8/19</a:t>
+            <a:fld id="{BD4CA122-8521-6D44-9B67-558DC60F8753}" type="datetimeFigureOut">
+              <a:rPr lang="en-US" smtClean="0"/>
+              <a:t>10/23/19</a:t>
             </a:fld>
             <a:endParaRPr lang="en-US"/>
           </a:p>
@@ -2365,7 +4246,7 @@
           <a:bodyPr/>
           <a:lstStyle/>
           <a:p>
-            <a:fld id="{B1393E5F-521B-4CAD-9D3A-AE923D912DCE}" type="slidenum">
+            <a:fld id="{B822FDE6-25CA-0444-94EE-C6FC8C5EFEB8}" type="slidenum">
               <a:rPr lang="en-US" smtClean="0"/>
               <a:t>‹#›</a:t>
             </a:fld>
@@ -2374,6 +4255,11 @@
         </p:txBody>
       </p:sp>
     </p:spTree>
+    <p:extLst>
+      <p:ext uri="{BB962C8B-B14F-4D97-AF65-F5344CB8AC3E}">
+        <p14:creationId xmlns:p14="http://schemas.microsoft.com/office/powerpoint/2010/main" val="1585609458"/>
+      </p:ext>
+    </p:extLst>
   </p:cSld>
   <p:clrMapOvr>
     <a:masterClrMapping/>
@@ -2410,15 +4296,15 @@
         </p:nvSpPr>
         <p:spPr>
           <a:xfrm>
-            <a:off x="457200" y="273050"/>
-            <a:ext cx="3008313" cy="1162050"/>
+            <a:off x="839788" y="457200"/>
+            <a:ext cx="3932237" cy="1600200"/>
           </a:xfrm>
         </p:spPr>
         <p:txBody>
           <a:bodyPr anchor="b"/>
           <a:lstStyle>
-            <a:lvl1pPr algn="l">
-              <a:defRPr sz="2000" b="1"/>
+            <a:lvl1pPr>
+              <a:defRPr sz="3200"/>
             </a:lvl1pPr>
           </a:lstStyle>
           <a:p>
@@ -2442,8 +4328,8 @@
         </p:nvSpPr>
         <p:spPr>
           <a:xfrm>
-            <a:off x="3575050" y="273050"/>
-            <a:ext cx="5111750" cy="5853113"/>
+            <a:off x="5183188" y="987425"/>
+            <a:ext cx="6172200" cy="4873625"/>
           </a:xfrm>
         </p:spPr>
         <p:txBody>
@@ -2527,8 +4413,8 @@
         </p:nvSpPr>
         <p:spPr>
           <a:xfrm>
-            <a:off x="457200" y="1435100"/>
-            <a:ext cx="3008313" cy="4691063"/>
+            <a:off x="839788" y="2057400"/>
+            <a:ext cx="3932237" cy="3811588"/>
           </a:xfrm>
         </p:spPr>
         <p:txBody>
@@ -2536,39 +4422,39 @@
           <a:lstStyle>
             <a:lvl1pPr marL="0" indent="0">
               <a:buNone/>
-              <a:defRPr sz="1400"/>
+              <a:defRPr sz="1600"/>
             </a:lvl1pPr>
             <a:lvl2pPr marL="457200" indent="0">
               <a:buNone/>
-              <a:defRPr sz="1200"/>
+              <a:defRPr sz="1400"/>
             </a:lvl2pPr>
             <a:lvl3pPr marL="914400" indent="0">
               <a:buNone/>
-              <a:defRPr sz="1000"/>
+              <a:defRPr sz="1200"/>
             </a:lvl3pPr>
             <a:lvl4pPr marL="1371600" indent="0">
               <a:buNone/>
-              <a:defRPr sz="900"/>
+              <a:defRPr sz="1000"/>
             </a:lvl4pPr>
             <a:lvl5pPr marL="1828800" indent="0">
               <a:buNone/>
-              <a:defRPr sz="900"/>
+              <a:defRPr sz="1000"/>
             </a:lvl5pPr>
             <a:lvl6pPr marL="2286000" indent="0">
               <a:buNone/>
-              <a:defRPr sz="900"/>
+              <a:defRPr sz="1000"/>
             </a:lvl6pPr>
             <a:lvl7pPr marL="2743200" indent="0">
               <a:buNone/>
-              <a:defRPr sz="900"/>
+              <a:defRPr sz="1000"/>
             </a:lvl7pPr>
             <a:lvl8pPr marL="3200400" indent="0">
               <a:buNone/>
-              <a:defRPr sz="900"/>
+              <a:defRPr sz="1000"/>
             </a:lvl8pPr>
             <a:lvl9pPr marL="3657600" indent="0">
               <a:buNone/>
-              <a:defRPr sz="900"/>
+              <a:defRPr sz="1000"/>
             </a:lvl9pPr>
           </a:lstStyle>
           <a:p>
@@ -2595,9 +4481,9 @@
           <a:bodyPr/>
           <a:lstStyle/>
           <a:p>
-            <a:fld id="{A76116CE-C4A3-4A05-B2D7-7C2E9A889C0F}" type="datetimeFigureOut">
-              <a:rPr lang="en-US" smtClean="0"/>
-              <a:t>7/8/19</a:t>
+            <a:fld id="{BD4CA122-8521-6D44-9B67-558DC60F8753}" type="datetimeFigureOut">
+              <a:rPr lang="en-US" smtClean="0"/>
+              <a:t>10/23/19</a:t>
             </a:fld>
             <a:endParaRPr lang="en-US"/>
           </a:p>
@@ -2637,7 +4523,7 @@
           <a:bodyPr/>
           <a:lstStyle/>
           <a:p>
-            <a:fld id="{B1393E5F-521B-4CAD-9D3A-AE923D912DCE}" type="slidenum">
+            <a:fld id="{B822FDE6-25CA-0444-94EE-C6FC8C5EFEB8}" type="slidenum">
               <a:rPr lang="en-US" smtClean="0"/>
               <a:t>‹#›</a:t>
             </a:fld>
@@ -2646,6 +4532,11 @@
         </p:txBody>
       </p:sp>
     </p:spTree>
+    <p:extLst>
+      <p:ext uri="{BB962C8B-B14F-4D97-AF65-F5344CB8AC3E}">
+        <p14:creationId xmlns:p14="http://schemas.microsoft.com/office/powerpoint/2010/main" val="1213584983"/>
+      </p:ext>
+    </p:extLst>
   </p:cSld>
   <p:clrMapOvr>
     <a:masterClrMapping/>
@@ -2682,15 +4573,15 @@
         </p:nvSpPr>
         <p:spPr>
           <a:xfrm>
-            <a:off x="1792288" y="4800600"/>
-            <a:ext cx="5486400" cy="566738"/>
+            <a:off x="839788" y="457200"/>
+            <a:ext cx="3932237" cy="1600200"/>
           </a:xfrm>
         </p:spPr>
         <p:txBody>
           <a:bodyPr anchor="b"/>
           <a:lstStyle>
-            <a:lvl1pPr algn="l">
-              <a:defRPr sz="2000" b="1"/>
+            <a:lvl1pPr>
+              <a:defRPr sz="3200"/>
             </a:lvl1pPr>
           </a:lstStyle>
           <a:p>
@@ -2714,8 +4605,8 @@
         </p:nvSpPr>
         <p:spPr>
           <a:xfrm>
-            <a:off x="1792288" y="612775"/>
-            <a:ext cx="5486400" cy="4114800"/>
+            <a:off x="5183188" y="987425"/>
+            <a:ext cx="6172200" cy="4873625"/>
           </a:xfrm>
         </p:spPr>
         <p:txBody>
@@ -2775,8 +4666,8 @@
         </p:nvSpPr>
         <p:spPr>
           <a:xfrm>
-            <a:off x="1792288" y="5367338"/>
-            <a:ext cx="5486400" cy="804862"/>
+            <a:off x="839788" y="2057400"/>
+            <a:ext cx="3932237" cy="3811588"/>
           </a:xfrm>
         </p:spPr>
         <p:txBody>
@@ -2784,39 +4675,39 @@
           <a:lstStyle>
             <a:lvl1pPr marL="0" indent="0">
               <a:buNone/>
-              <a:defRPr sz="1400"/>
+              <a:defRPr sz="1600"/>
             </a:lvl1pPr>
             <a:lvl2pPr marL="457200" indent="0">
               <a:buNone/>
-              <a:defRPr sz="1200"/>
+              <a:defRPr sz="1400"/>
             </a:lvl2pPr>
             <a:lvl3pPr marL="914400" indent="0">
               <a:buNone/>
-              <a:defRPr sz="1000"/>
+              <a:defRPr sz="1200"/>
             </a:lvl3pPr>
             <a:lvl4pPr marL="1371600" indent="0">
               <a:buNone/>
-              <a:defRPr sz="900"/>
+              <a:defRPr sz="1000"/>
             </a:lvl4pPr>
             <a:lvl5pPr marL="1828800" indent="0">
               <a:buNone/>
-              <a:defRPr sz="900"/>
+              <a:defRPr sz="1000"/>
             </a:lvl5pPr>
             <a:lvl6pPr marL="2286000" indent="0">
               <a:buNone/>
-              <a:defRPr sz="900"/>
+              <a:defRPr sz="1000"/>
             </a:lvl6pPr>
             <a:lvl7pPr marL="2743200" indent="0">
               <a:buNone/>
-              <a:defRPr sz="900"/>
+              <a:defRPr sz="1000"/>
             </a:lvl7pPr>
             <a:lvl8pPr marL="3200400" indent="0">
               <a:buNone/>
-              <a:defRPr sz="900"/>
+              <a:defRPr sz="1000"/>
             </a:lvl8pPr>
             <a:lvl9pPr marL="3657600" indent="0">
               <a:buNone/>
-              <a:defRPr sz="900"/>
+              <a:defRPr sz="1000"/>
             </a:lvl9pPr>
           </a:lstStyle>
           <a:p>
@@ -2843,9 +4734,9 @@
           <a:bodyPr/>
           <a:lstStyle/>
           <a:p>
-            <a:fld id="{A76116CE-C4A3-4A05-B2D7-7C2E9A889C0F}" type="datetimeFigureOut">
-              <a:rPr lang="en-US" smtClean="0"/>
-              <a:t>7/8/19</a:t>
+            <a:fld id="{BD4CA122-8521-6D44-9B67-558DC60F8753}" type="datetimeFigureOut">
+              <a:rPr lang="en-US" smtClean="0"/>
+              <a:t>10/23/19</a:t>
             </a:fld>
             <a:endParaRPr lang="en-US"/>
           </a:p>
@@ -2885,7 +4776,7 @@
           <a:bodyPr/>
           <a:lstStyle/>
           <a:p>
-            <a:fld id="{B1393E5F-521B-4CAD-9D3A-AE923D912DCE}" type="slidenum">
+            <a:fld id="{B822FDE6-25CA-0444-94EE-C6FC8C5EFEB8}" type="slidenum">
               <a:rPr lang="en-US" smtClean="0"/>
               <a:t>‹#›</a:t>
             </a:fld>
@@ -2894,6 +4785,11 @@
         </p:txBody>
       </p:sp>
     </p:spTree>
+    <p:extLst>
+      <p:ext uri="{BB962C8B-B14F-4D97-AF65-F5344CB8AC3E}">
+        <p14:creationId xmlns:p14="http://schemas.microsoft.com/office/powerpoint/2010/main" val="2070613722"/>
+      </p:ext>
+    </p:extLst>
   </p:cSld>
   <p:clrMapOvr>
     <a:masterClrMapping/>
@@ -2935,8 +4831,8 @@
         </p:nvSpPr>
         <p:spPr>
           <a:xfrm>
-            <a:off x="457200" y="274638"/>
-            <a:ext cx="8229600" cy="1143000"/>
+            <a:off x="838200" y="365125"/>
+            <a:ext cx="10515600" cy="1325563"/>
           </a:xfrm>
           <a:prstGeom prst="rect">
             <a:avLst/>
@@ -2968,8 +4864,8 @@
         </p:nvSpPr>
         <p:spPr>
           <a:xfrm>
-            <a:off x="457200" y="1600200"/>
-            <a:ext cx="8229600" cy="4525963"/>
+            <a:off x="838200" y="1825625"/>
+            <a:ext cx="10515600" cy="4351338"/>
           </a:xfrm>
           <a:prstGeom prst="rect">
             <a:avLst/>
@@ -3030,8 +4926,8 @@
         </p:nvSpPr>
         <p:spPr>
           <a:xfrm>
-            <a:off x="457200" y="6356350"/>
-            <a:ext cx="2133600" cy="365125"/>
+            <a:off x="838200" y="6356350"/>
+            <a:ext cx="2743200" cy="365125"/>
           </a:xfrm>
           <a:prstGeom prst="rect">
             <a:avLst/>
@@ -3051,9 +4947,9 @@
             </a:lvl1pPr>
           </a:lstStyle>
           <a:p>
-            <a:fld id="{F8166F1F-CE9B-4651-A6AA-CD717754106B}" type="datetimeFigureOut">
-              <a:rPr lang="en-US" smtClean="0"/>
-              <a:t>7/8/19</a:t>
+            <a:fld id="{BD4CA122-8521-6D44-9B67-558DC60F8753}" type="datetimeFigureOut">
+              <a:rPr lang="en-US" smtClean="0"/>
+              <a:t>10/23/19</a:t>
             </a:fld>
             <a:endParaRPr lang="en-US"/>
           </a:p>
@@ -3071,8 +4967,8 @@
         </p:nvSpPr>
         <p:spPr>
           <a:xfrm>
-            <a:off x="3124200" y="6356350"/>
-            <a:ext cx="2895600" cy="365125"/>
+            <a:off x="4038600" y="6356350"/>
+            <a:ext cx="4114800" cy="365125"/>
           </a:xfrm>
           <a:prstGeom prst="rect">
             <a:avLst/>
@@ -3108,8 +5004,8 @@
         </p:nvSpPr>
         <p:spPr>
           <a:xfrm>
-            <a:off x="6553200" y="6356350"/>
-            <a:ext cx="2133600" cy="365125"/>
+            <a:off x="8610600" y="6356350"/>
+            <a:ext cx="2743200" cy="365125"/>
           </a:xfrm>
           <a:prstGeom prst="rect">
             <a:avLst/>
@@ -3129,7 +5025,7 @@
             </a:lvl1pPr>
           </a:lstStyle>
           <a:p>
-            <a:fld id="{F7021451-1387-4CA6-816F-3879F97B5CBC}" type="slidenum">
+            <a:fld id="{B822FDE6-25CA-0444-94EE-C6FC8C5EFEB8}" type="slidenum">
               <a:rPr lang="en-US" smtClean="0"/>
               <a:t>‹#›</a:t>
             </a:fld>
@@ -3138,6 +5034,11 @@
         </p:txBody>
       </p:sp>
     </p:spTree>
+    <p:extLst>
+      <p:ext uri="{BB962C8B-B14F-4D97-AF65-F5344CB8AC3E}">
+        <p14:creationId xmlns:p14="http://schemas.microsoft.com/office/powerpoint/2010/main" val="1688978530"/>
+      </p:ext>
+    </p:extLst>
   </p:cSld>
   <p:clrMap bg1="lt1" tx1="dk1" bg2="lt2" tx2="dk2" accent1="accent1" accent2="accent2" accent3="accent3" accent4="accent4" accent5="accent5" accent6="accent6" hlink="hlink" folHlink="folHlink"/>
   <p:sldLayoutIdLst>
@@ -3155,7 +5056,10 @@
   </p:sldLayoutIdLst>
   <p:txStyles>
     <p:titleStyle>
-      <a:lvl1pPr algn="ctr" defTabSz="914400" rtl="0" eaLnBrk="1" latinLnBrk="0" hangingPunct="1">
+      <a:lvl1pPr algn="l" defTabSz="914400" rtl="0" eaLnBrk="1" latinLnBrk="0" hangingPunct="1">
+        <a:lnSpc>
+          <a:spcPct val="90000"/>
+        </a:lnSpc>
         <a:spcBef>
           <a:spcPct val="0"/>
         </a:spcBef>
@@ -3171,13 +5075,16 @@
       </a:lvl1pPr>
     </p:titleStyle>
     <p:bodyStyle>
-      <a:lvl1pPr marL="342900" indent="-342900" algn="l" defTabSz="914400" rtl="0" eaLnBrk="1" latinLnBrk="0" hangingPunct="1">
+      <a:lvl1pPr marL="228600" indent="-228600" algn="l" defTabSz="914400" rtl="0" eaLnBrk="1" latinLnBrk="0" hangingPunct="1">
+        <a:lnSpc>
+          <a:spcPct val="90000"/>
+        </a:lnSpc>
         <a:spcBef>
-          <a:spcPct val="20000"/>
+          <a:spcPts val="1000"/>
         </a:spcBef>
-        <a:buFont typeface="Arial" pitchFamily="34" charset="0"/>
-        <a:buChar char="�"/>
-        <a:defRPr sz="3200" kern="1200">
+        <a:buFont typeface="Arial"/>
+        <a:buChar char="•"/>
+        <a:defRPr sz="2800" kern="1200">
           <a:solidFill>
             <a:schemeClr val="tx1"/>
           </a:solidFill>
@@ -3186,13 +5093,16 @@
           <a:cs typeface="+mn-cs"/>
         </a:defRPr>
       </a:lvl1pPr>
-      <a:lvl2pPr marL="742950" indent="-285750" algn="l" defTabSz="914400" rtl="0" eaLnBrk="1" latinLnBrk="0" hangingPunct="1">
+      <a:lvl2pPr marL="685800" indent="-228600" algn="l" defTabSz="914400" rtl="0" eaLnBrk="1" latinLnBrk="0" hangingPunct="1">
+        <a:lnSpc>
+          <a:spcPct val="90000"/>
+        </a:lnSpc>
         <a:spcBef>
-          <a:spcPct val="20000"/>
+          <a:spcPts val="500"/>
         </a:spcBef>
-        <a:buFont typeface="Arial" pitchFamily="34" charset="0"/>
-        <a:buChar char="�"/>
-        <a:defRPr sz="2800" kern="1200">
+        <a:buFont typeface="Arial"/>
+        <a:buChar char="•"/>
+        <a:defRPr sz="2400" kern="1200">
           <a:solidFill>
             <a:schemeClr val="tx1"/>
           </a:solidFill>
@@ -3202,12 +5112,15 @@
         </a:defRPr>
       </a:lvl2pPr>
       <a:lvl3pPr marL="1143000" indent="-228600" algn="l" defTabSz="914400" rtl="0" eaLnBrk="1" latinLnBrk="0" hangingPunct="1">
+        <a:lnSpc>
+          <a:spcPct val="90000"/>
+        </a:lnSpc>
         <a:spcBef>
-          <a:spcPct val="20000"/>
+          <a:spcPts val="500"/>
         </a:spcBef>
-        <a:buFont typeface="Arial" pitchFamily="34" charset="0"/>
-        <a:buChar char="�"/>
-        <a:defRPr sz="2400" kern="1200">
+        <a:buFont typeface="Arial"/>
+        <a:buChar char="•"/>
+        <a:defRPr sz="2000" kern="1200">
           <a:solidFill>
             <a:schemeClr val="tx1"/>
           </a:solidFill>
@@ -3217,12 +5130,15 @@
         </a:defRPr>
       </a:lvl3pPr>
       <a:lvl4pPr marL="1600200" indent="-228600" algn="l" defTabSz="914400" rtl="0" eaLnBrk="1" latinLnBrk="0" hangingPunct="1">
+        <a:lnSpc>
+          <a:spcPct val="90000"/>
+        </a:lnSpc>
         <a:spcBef>
-          <a:spcPct val="20000"/>
+          <a:spcPts val="500"/>
         </a:spcBef>
-        <a:buFont typeface="Arial" pitchFamily="34" charset="0"/>
-        <a:buChar char="�"/>
-        <a:defRPr sz="2000" kern="1200">
+        <a:buFont typeface="Arial"/>
+        <a:buChar char="•"/>
+        <a:defRPr sz="1800" kern="1200">
           <a:solidFill>
             <a:schemeClr val="tx1"/>
           </a:solidFill>
@@ -3232,12 +5148,15 @@
         </a:defRPr>
       </a:lvl4pPr>
       <a:lvl5pPr marL="2057400" indent="-228600" algn="l" defTabSz="914400" rtl="0" eaLnBrk="1" latinLnBrk="0" hangingPunct="1">
+        <a:lnSpc>
+          <a:spcPct val="90000"/>
+        </a:lnSpc>
         <a:spcBef>
-          <a:spcPct val="20000"/>
+          <a:spcPts val="500"/>
         </a:spcBef>
-        <a:buFont typeface="Arial" pitchFamily="34" charset="0"/>
-        <a:buChar char="�"/>
-        <a:defRPr sz="2000" kern="1200">
+        <a:buFont typeface="Arial"/>
+        <a:buChar char="•"/>
+        <a:defRPr sz="1800" kern="1200">
           <a:solidFill>
             <a:schemeClr val="tx1"/>
           </a:solidFill>
@@ -3247,12 +5166,15 @@
         </a:defRPr>
       </a:lvl5pPr>
       <a:lvl6pPr marL="2514600" indent="-228600" algn="l" defTabSz="914400" rtl="0" eaLnBrk="1" latinLnBrk="0" hangingPunct="1">
+        <a:lnSpc>
+          <a:spcPct val="90000"/>
+        </a:lnSpc>
         <a:spcBef>
-          <a:spcPct val="20000"/>
+          <a:spcPts val="500"/>
         </a:spcBef>
-        <a:buFont typeface="Arial" pitchFamily="34" charset="0"/>
-        <a:buChar char="�"/>
-        <a:defRPr sz="2000" kern="1200">
+        <a:buFont typeface="Arial"/>
+        <a:buChar char="•"/>
+        <a:defRPr sz="1800" kern="1200">
           <a:solidFill>
             <a:schemeClr val="tx1"/>
           </a:solidFill>
@@ -3262,12 +5184,15 @@
         </a:defRPr>
       </a:lvl6pPr>
       <a:lvl7pPr marL="2971800" indent="-228600" algn="l" defTabSz="914400" rtl="0" eaLnBrk="1" latinLnBrk="0" hangingPunct="1">
+        <a:lnSpc>
+          <a:spcPct val="90000"/>
+        </a:lnSpc>
         <a:spcBef>
-          <a:spcPct val="20000"/>
+          <a:spcPts val="500"/>
         </a:spcBef>
-        <a:buFont typeface="Arial" pitchFamily="34" charset="0"/>
-        <a:buChar char="�"/>
-        <a:defRPr sz="2000" kern="1200">
+        <a:buFont typeface="Arial"/>
+        <a:buChar char="•"/>
+        <a:defRPr sz="1800" kern="1200">
           <a:solidFill>
             <a:schemeClr val="tx1"/>
           </a:solidFill>
@@ -3277,12 +5202,15 @@
         </a:defRPr>
       </a:lvl7pPr>
       <a:lvl8pPr marL="3429000" indent="-228600" algn="l" defTabSz="914400" rtl="0" eaLnBrk="1" latinLnBrk="0" hangingPunct="1">
+        <a:lnSpc>
+          <a:spcPct val="90000"/>
+        </a:lnSpc>
         <a:spcBef>
-          <a:spcPct val="20000"/>
+          <a:spcPts val="500"/>
         </a:spcBef>
-        <a:buFont typeface="Arial" pitchFamily="34" charset="0"/>
-        <a:buChar char="�"/>
-        <a:defRPr sz="2000" kern="1200">
+        <a:buFont typeface="Arial"/>
+        <a:buChar char="•"/>
+        <a:defRPr sz="1800" kern="1200">
           <a:solidFill>
             <a:schemeClr val="tx1"/>
           </a:solidFill>
@@ -3292,12 +5220,15 @@
         </a:defRPr>
       </a:lvl8pPr>
       <a:lvl9pPr marL="3886200" indent="-228600" algn="l" defTabSz="914400" rtl="0" eaLnBrk="1" latinLnBrk="0" hangingPunct="1">
+        <a:lnSpc>
+          <a:spcPct val="90000"/>
+        </a:lnSpc>
         <a:spcBef>
-          <a:spcPct val="20000"/>
+          <a:spcPts val="500"/>
         </a:spcBef>
-        <a:buFont typeface="Arial" pitchFamily="34" charset="0"/>
-        <a:buChar char="�"/>
-        <a:defRPr sz="2000" kern="1200">
+        <a:buFont typeface="Arial"/>
+        <a:buChar char="•"/>
+        <a:defRPr sz="1800" kern="1200">
           <a:solidFill>
             <a:schemeClr val="tx1"/>
           </a:solidFill>
@@ -3442,8 +5373,8 @@
         </p:nvSpPr>
         <p:spPr>
           <a:xfrm>
-            <a:off x="0" y="2133600"/>
-            <a:ext cx="9144000" cy="2300630"/>
+            <a:off x="0" y="1336119"/>
+            <a:ext cx="12192000" cy="3600986"/>
           </a:xfrm>
           <a:prstGeom prst="rect">
             <a:avLst/>
@@ -3451,54 +5382,74 @@
           <a:noFill/>
         </p:spPr>
         <p:txBody>
-          <a:bodyPr wrap="square" lIns="68580" tIns="34290" rIns="68580" bIns="34290">
+          <a:bodyPr wrap="square" lIns="91440" tIns="45720" rIns="91440" bIns="45720">
             <a:spAutoFit/>
           </a:bodyPr>
           <a:lstStyle/>
           <a:p>
             <a:pPr algn="ctr"/>
             <a:r>
-              <a:rPr lang="en-US" sz="4000" b="1" dirty="0"/>
-              <a:t>Programming </a:t>
-            </a:r>
-            <a:r>
-              <a:rPr lang="en-US" sz="4000" b="1" dirty="0" smtClean="0"/>
-              <a:t>4</a:t>
-            </a:r>
-            <a:endParaRPr lang="en-US" sz="2500" b="1" dirty="0"/>
+              <a:rPr lang="en-US" sz="3800" b="1" dirty="0" smtClean="0"/>
+              <a:t>Programming 4 </a:t>
+            </a:r>
+            <a:r>
+              <a:rPr lang="en-US" sz="3800" b="1" dirty="0"/>
+              <a:t>- Intermediate Architecture </a:t>
+            </a:r>
+            <a:endParaRPr lang="en-US" sz="3800" b="1" dirty="0" smtClean="0"/>
           </a:p>
           <a:p>
             <a:pPr algn="ctr"/>
             <a:r>
-              <a:rPr lang="en-US" sz="4000" b="1" dirty="0" smtClean="0"/>
-              <a:t>12.1 Functional Programming 1</a:t>
+              <a:rPr lang="en-US" sz="3800" b="1" dirty="0" smtClean="0"/>
+              <a:t>and </a:t>
+            </a:r>
+            <a:r>
+              <a:rPr lang="en-US" sz="3800" b="1" dirty="0"/>
+              <a:t>Algorithms</a:t>
             </a:r>
           </a:p>
           <a:p>
             <a:pPr algn="ctr"/>
-            <a:endParaRPr lang="en-US" sz="2500" b="1" dirty="0"/>
+            <a:endParaRPr lang="en-US" sz="3800" b="1" dirty="0"/>
           </a:p>
           <a:p>
             <a:pPr algn="ctr"/>
             <a:r>
-              <a:rPr lang="en-US" sz="4000" b="1" dirty="0"/>
-              <a:t>Semester 2</a:t>
-            </a:r>
-            <a:r>
-              <a:rPr lang="en-US" sz="4000" b="1" dirty="0" smtClean="0"/>
+              <a:rPr lang="en-US" sz="3800" b="1" dirty="0" smtClean="0"/>
+              <a:t>Functional Programming with Python I</a:t>
+            </a:r>
+          </a:p>
+          <a:p>
+            <a:pPr algn="ctr"/>
+            <a:endParaRPr lang="en-US" sz="3800" b="1" dirty="0" smtClean="0"/>
+          </a:p>
+          <a:p>
+            <a:pPr algn="ctr"/>
+            <a:r>
+              <a:rPr lang="en-US" sz="3800" b="1" smtClean="0"/>
+              <a:t>Semester </a:t>
+            </a:r>
+            <a:r>
+              <a:rPr lang="en-US" sz="3800" b="1" dirty="0"/>
+              <a:t>2</a:t>
+            </a:r>
+            <a:r>
+              <a:rPr lang="en-US" sz="3800" b="1" smtClean="0"/>
               <a:t>, </a:t>
             </a:r>
             <a:r>
-              <a:rPr lang="en-US" sz="4000" b="1" dirty="0"/>
+              <a:rPr lang="en-US" sz="3800" b="1" dirty="0" smtClean="0"/>
               <a:t>2019</a:t>
             </a:r>
+            <a:endParaRPr lang="en-US" sz="3800" b="1" dirty="0"/>
           </a:p>
         </p:txBody>
       </p:sp>
     </p:spTree>
     <p:extLst>
       <p:ext uri="{BB962C8B-B14F-4D97-AF65-F5344CB8AC3E}">
-        <p14:creationId xmlns:p14="http://schemas.microsoft.com/office/powerpoint/2010/main" val="2024276947"/>
+        <p14:creationId xmlns:p14="http://schemas.microsoft.com/office/powerpoint/2010/main" val="1188131750"/>
       </p:ext>
     </p:extLst>
   </p:cSld>
@@ -3545,14 +5496,37 @@
       </p:grpSpPr>
       <p:sp>
         <p:nvSpPr>
+          <p:cNvPr id="9" name="Slide Number Placeholder 8"/>
+          <p:cNvSpPr>
+            <a:spLocks noGrp="1"/>
+          </p:cNvSpPr>
+          <p:nvPr>
+            <p:ph type="sldNum" sz="quarter" idx="12"/>
+          </p:nvPr>
+        </p:nvSpPr>
+        <p:spPr/>
+        <p:txBody>
+          <a:bodyPr/>
+          <a:lstStyle/>
+          <a:p>
+            <a:fld id="{B822FDE6-25CA-0444-94EE-C6FC8C5EFEB8}" type="slidenum">
+              <a:rPr lang="en-US" smtClean="0"/>
+              <a:t>10</a:t>
+            </a:fld>
+            <a:endParaRPr lang="en-US"/>
+          </a:p>
+        </p:txBody>
+      </p:sp>
+      <p:sp>
+        <p:nvSpPr>
           <p:cNvPr id="4" name="Rectangle 3"/>
           <p:cNvSpPr/>
           <p:nvPr/>
         </p:nvSpPr>
         <p:spPr>
           <a:xfrm>
-            <a:off x="6096" y="6096"/>
-            <a:ext cx="9144000" cy="1223412"/>
+            <a:off x="0" y="1299607"/>
+            <a:ext cx="12192000" cy="2846933"/>
           </a:xfrm>
           <a:prstGeom prst="rect">
             <a:avLst/>
@@ -3560,27 +5534,78 @@
           <a:noFill/>
         </p:spPr>
         <p:txBody>
-          <a:bodyPr wrap="square" lIns="68580" tIns="34290" rIns="68580" bIns="34290">
+          <a:bodyPr wrap="square" lIns="91440" tIns="45720" rIns="91440" bIns="45720">
             <a:spAutoFit/>
           </a:bodyPr>
           <a:lstStyle/>
           <a:p>
-            <a:pPr algn="ctr"/>
-            <a:endParaRPr lang="en-US" sz="4000" b="1" dirty="0" smtClean="0"/>
-          </a:p>
-          <a:p>
-            <a:pPr lvl="1"/>
-            <a:r>
-              <a:rPr lang="en-US" sz="3500" b="1" dirty="0" smtClean="0"/>
-              <a:t>Example </a:t>
-            </a:r>
-            <a:r>
-              <a:rPr lang="mr-IN" sz="3500" b="1" dirty="0" smtClean="0"/>
-              <a:t>–</a:t>
-            </a:r>
-            <a:r>
-              <a:rPr lang="en-US" sz="3500" b="1" dirty="0" smtClean="0"/>
-              <a:t> map and filter</a:t>
+            <a:r>
+              <a:rPr lang="en-US" sz="3800" dirty="0" smtClean="0"/>
+              <a:t>	</a:t>
+            </a:r>
+            <a:r>
+              <a:rPr lang="en-US" sz="3800" b="1" dirty="0" smtClean="0"/>
+              <a:t>Partials/Closures</a:t>
+            </a:r>
+          </a:p>
+          <a:p>
+            <a:endParaRPr lang="en-US" sz="3800" b="1" dirty="0"/>
+          </a:p>
+          <a:p>
+            <a:pPr marL="1485900" lvl="2" indent="-571500">
+              <a:buFont typeface="Arial" charset="0"/>
+              <a:buChar char="•"/>
+            </a:pPr>
+            <a:r>
+              <a:rPr lang="en-US" sz="2500" dirty="0" smtClean="0"/>
+              <a:t>Keep alive </a:t>
+            </a:r>
+            <a:r>
+              <a:rPr lang="en-US" sz="2500" dirty="0"/>
+              <a:t>a variable even when the function has returned</a:t>
+            </a:r>
+          </a:p>
+          <a:p>
+            <a:pPr marL="1485900" lvl="2" indent="-571500">
+              <a:buFont typeface="Arial" charset="0"/>
+              <a:buChar char="•"/>
+            </a:pPr>
+            <a:r>
+              <a:rPr lang="en-US" sz="2500" dirty="0" smtClean="0"/>
+              <a:t>Call a function without supplying all the arguments it requires</a:t>
+            </a:r>
+          </a:p>
+          <a:p>
+            <a:pPr marL="1485900" lvl="2" indent="-571500">
+              <a:buFont typeface="Arial" charset="0"/>
+              <a:buChar char="•"/>
+            </a:pPr>
+            <a:r>
+              <a:rPr lang="en-US" sz="2500" dirty="0" smtClean="0"/>
+              <a:t>Nesting </a:t>
+            </a:r>
+            <a:r>
+              <a:rPr lang="en-US" sz="2500" dirty="0"/>
+              <a:t>a function inside the encapsulating function </a:t>
+            </a:r>
+            <a:endParaRPr lang="en-US" sz="2500" dirty="0" smtClean="0"/>
+          </a:p>
+          <a:p>
+            <a:pPr marL="1485900" lvl="2" indent="-571500">
+              <a:buFont typeface="Arial" charset="0"/>
+              <a:buChar char="•"/>
+            </a:pPr>
+            <a:r>
+              <a:rPr lang="en-US" sz="2500" dirty="0" smtClean="0"/>
+              <a:t>Return the </a:t>
+            </a:r>
+            <a:r>
+              <a:rPr lang="en-US" sz="2500" dirty="0"/>
+              <a:t>underlying </a:t>
+            </a:r>
+            <a:r>
+              <a:rPr lang="en-US" sz="2500" dirty="0" smtClean="0"/>
+              <a:t>function</a:t>
             </a:r>
           </a:p>
         </p:txBody>
@@ -3594,7 +5619,7 @@
           <p:nvPr/>
         </p:nvPicPr>
         <p:blipFill>
-          <a:blip r:embed="rId2">
+          <a:blip r:embed="rId3">
             <a:extLst>
               <a:ext uri="{28A0092B-C50C-407E-A947-70E740481C1C}">
                 <a14:useLocalDpi xmlns:a14="http://schemas.microsoft.com/office/drawing/2010/main" val="0"/>
@@ -3607,8 +5632,8 @@
         </p:blipFill>
         <p:spPr>
           <a:xfrm>
-            <a:off x="920496" y="2057400"/>
-            <a:ext cx="7315200" cy="1780006"/>
+            <a:off x="8765309" y="3507932"/>
+            <a:ext cx="2973792" cy="3030980"/>
           </a:xfrm>
           <a:prstGeom prst="rect">
             <a:avLst/>
@@ -3618,7 +5643,7 @@
     </p:spTree>
     <p:extLst>
       <p:ext uri="{BB962C8B-B14F-4D97-AF65-F5344CB8AC3E}">
-        <p14:creationId xmlns:p14="http://schemas.microsoft.com/office/powerpoint/2010/main" val="366637178"/>
+        <p14:creationId xmlns:p14="http://schemas.microsoft.com/office/powerpoint/2010/main" val="1084380315"/>
       </p:ext>
     </p:extLst>
   </p:cSld>
@@ -3665,14 +5690,37 @@
       </p:grpSpPr>
       <p:sp>
         <p:nvSpPr>
-          <p:cNvPr id="5" name="Rectangle 4"/>
+          <p:cNvPr id="9" name="Slide Number Placeholder 8"/>
+          <p:cNvSpPr>
+            <a:spLocks noGrp="1"/>
+          </p:cNvSpPr>
+          <p:nvPr>
+            <p:ph type="sldNum" sz="quarter" idx="12"/>
+          </p:nvPr>
+        </p:nvSpPr>
+        <p:spPr/>
+        <p:txBody>
+          <a:bodyPr/>
+          <a:lstStyle/>
+          <a:p>
+            <a:fld id="{B822FDE6-25CA-0444-94EE-C6FC8C5EFEB8}" type="slidenum">
+              <a:rPr lang="en-US" smtClean="0"/>
+              <a:t>11</a:t>
+            </a:fld>
+            <a:endParaRPr lang="en-US"/>
+          </a:p>
+        </p:txBody>
+      </p:sp>
+      <p:sp>
+        <p:nvSpPr>
+          <p:cNvPr id="4" name="Rectangle 3"/>
           <p:cNvSpPr/>
           <p:nvPr/>
         </p:nvSpPr>
         <p:spPr>
           <a:xfrm>
-            <a:off x="0" y="0"/>
-            <a:ext cx="9144000" cy="3916457"/>
+            <a:off x="0" y="1299607"/>
+            <a:ext cx="12192000" cy="2800767"/>
           </a:xfrm>
           <a:prstGeom prst="rect">
             <a:avLst/>
@@ -3680,118 +5728,115 @@
           <a:noFill/>
         </p:spPr>
         <p:txBody>
-          <a:bodyPr wrap="square" lIns="68580" tIns="34290" rIns="68580" bIns="34290">
+          <a:bodyPr wrap="square" lIns="91440" tIns="45720" rIns="91440" bIns="45720">
             <a:spAutoFit/>
           </a:bodyPr>
           <a:lstStyle/>
           <a:p>
-            <a:pPr algn="ctr"/>
-            <a:endParaRPr lang="en-US" sz="4000" b="1" dirty="0" smtClean="0"/>
-          </a:p>
-          <a:p>
-            <a:pPr lvl="1"/>
-            <a:r>
-              <a:rPr lang="en-US" sz="3500" b="1" dirty="0" smtClean="0"/>
-              <a:t>Higher-order </a:t>
-            </a:r>
-            <a:r>
-              <a:rPr lang="en-US" sz="3500" b="1" dirty="0" smtClean="0"/>
-              <a:t>functions </a:t>
-            </a:r>
-            <a:r>
-              <a:rPr lang="mr-IN" sz="3500" b="1" dirty="0" smtClean="0"/>
-              <a:t>–</a:t>
-            </a:r>
-            <a:r>
-              <a:rPr lang="en-US" sz="3500" b="1" dirty="0" smtClean="0"/>
-              <a:t> reduce </a:t>
-            </a:r>
-          </a:p>
-          <a:p>
-            <a:pPr lvl="1"/>
-            <a:endParaRPr lang="en-US" sz="2500" dirty="0" smtClean="0"/>
-          </a:p>
-          <a:p>
-            <a:pPr marL="1657350" lvl="2" indent="-742950">
-              <a:buFont typeface="Arial" panose="020B0604020202020204" pitchFamily="34" charset="0"/>
+            <a:r>
+              <a:rPr lang="en-US" sz="3800" dirty="0" smtClean="0"/>
+              <a:t>	</a:t>
+            </a:r>
+            <a:r>
+              <a:rPr lang="en-US" sz="3800" b="1" dirty="0" smtClean="0"/>
+              <a:t>Lambda</a:t>
+            </a:r>
+          </a:p>
+          <a:p>
+            <a:endParaRPr lang="en-US" sz="3800" b="1" dirty="0"/>
+          </a:p>
+          <a:p>
+            <a:pPr marL="1485900" lvl="2" indent="-571500">
+              <a:buFont typeface="Arial" charset="0"/>
               <a:buChar char="•"/>
             </a:pPr>
             <a:r>
               <a:rPr lang="en-US" sz="2500" dirty="0" smtClean="0"/>
-              <a:t>Takes a function and a </a:t>
-            </a:r>
-            <a:r>
-              <a:rPr lang="en-US" sz="2500" dirty="0" smtClean="0"/>
-              <a:t>sequence</a:t>
-            </a:r>
-            <a:endParaRPr lang="en-US" sz="2500" dirty="0" smtClean="0"/>
-          </a:p>
-          <a:p>
-            <a:pPr marL="1657350" lvl="2" indent="-742950">
-              <a:buFont typeface="Arial" panose="020B0604020202020204" pitchFamily="34" charset="0"/>
+              <a:t>Functions are defined anonymously</a:t>
+            </a:r>
+          </a:p>
+          <a:p>
+            <a:pPr marL="1485900" lvl="2" indent="-571500">
+              <a:buFont typeface="Arial" charset="0"/>
               <a:buChar char="•"/>
             </a:pPr>
             <a:r>
-              <a:rPr lang="en-AU" sz="2500" dirty="0" smtClean="0"/>
-              <a:t>Function is applied to items one and two of the 	</a:t>
-            </a:r>
-            <a:r>
-              <a:rPr lang="en-AU" sz="2500" dirty="0" smtClean="0"/>
-              <a:t>sequence</a:t>
-            </a:r>
-            <a:endParaRPr lang="en-US" sz="2500" dirty="0" smtClean="0"/>
-          </a:p>
-          <a:p>
-            <a:pPr marL="1657350" lvl="2" indent="-742950">
-              <a:buFont typeface="Arial" panose="020B0604020202020204" pitchFamily="34" charset="0"/>
+              <a:rPr lang="en-US" sz="2500" dirty="0" smtClean="0"/>
+              <a:t>Lambda syntax </a:t>
+            </a:r>
+            <a:r>
+              <a:rPr lang="mr-IN" sz="2500" dirty="0" smtClean="0"/>
+              <a:t>–</a:t>
+            </a:r>
+            <a:r>
+              <a:rPr lang="en-US" sz="2500" dirty="0" smtClean="0"/>
+              <a:t> lambda calculus</a:t>
+            </a:r>
+          </a:p>
+          <a:p>
+            <a:pPr marL="1485900" lvl="2" indent="-571500">
+              <a:buFont typeface="Arial" charset="0"/>
               <a:buChar char="•"/>
             </a:pPr>
             <a:r>
               <a:rPr lang="en-US" sz="2500" dirty="0" smtClean="0"/>
-              <a:t>Function is then applied to the result of that step </a:t>
-            </a:r>
-          </a:p>
-          <a:p>
-            <a:pPr lvl="2"/>
+              <a:t>Lambda sequence </a:t>
+            </a:r>
+            <a:r>
+              <a:rPr lang="mr-IN" sz="2500" dirty="0" smtClean="0"/>
+              <a:t>–</a:t>
+            </a:r>
             <a:r>
               <a:rPr lang="en-US" sz="2500" dirty="0" smtClean="0"/>
-              <a:t>	and item three</a:t>
-            </a:r>
-            <a:r>
-              <a:rPr lang="mr-IN" sz="2500" dirty="0" smtClean="0"/>
-              <a:t>…</a:t>
-            </a:r>
-            <a:r>
-              <a:rPr lang="en-AU" sz="2500" dirty="0" smtClean="0"/>
-              <a:t>so </a:t>
-            </a:r>
-            <a:r>
-              <a:rPr lang="en-AU" sz="2500" dirty="0" smtClean="0"/>
-              <a:t>on</a:t>
-            </a:r>
-            <a:endParaRPr lang="en-AU" sz="2500" dirty="0" smtClean="0"/>
-          </a:p>
-          <a:p>
-            <a:pPr marL="1657350" lvl="2" indent="-742950">
-              <a:buFont typeface="Arial" panose="020B0604020202020204" pitchFamily="34" charset="0"/>
+              <a:t> variables: function code (with implicit return)</a:t>
+            </a:r>
+          </a:p>
+          <a:p>
+            <a:pPr marL="1485900" lvl="2" indent="-571500">
+              <a:buFont typeface="Arial" charset="0"/>
               <a:buChar char="•"/>
             </a:pPr>
             <a:r>
-              <a:rPr lang="en-AU" sz="2500" dirty="0" smtClean="0"/>
-              <a:t>At the end, only one value </a:t>
-            </a:r>
-            <a:r>
-              <a:rPr lang="en-AU" sz="2500" dirty="0" smtClean="0"/>
-              <a:t>remains</a:t>
-            </a:r>
-            <a:endParaRPr lang="en-US" sz="2500" dirty="0"/>
-          </a:p>
-        </p:txBody>
-      </p:sp>
+              <a:rPr lang="en-US" sz="2500" dirty="0" smtClean="0"/>
+              <a:t>No def keyword</a:t>
+            </a:r>
+          </a:p>
+        </p:txBody>
+      </p:sp>
+      <p:pic>
+        <p:nvPicPr>
+          <p:cNvPr id="2" name="Picture 1"/>
+          <p:cNvPicPr>
+            <a:picLocks noChangeAspect="1"/>
+          </p:cNvPicPr>
+          <p:nvPr/>
+        </p:nvPicPr>
+        <p:blipFill>
+          <a:blip r:embed="rId3">
+            <a:extLst>
+              <a:ext uri="{28A0092B-C50C-407E-A947-70E740481C1C}">
+                <a14:useLocalDpi xmlns:a14="http://schemas.microsoft.com/office/drawing/2010/main" val="0"/>
+              </a:ext>
+            </a:extLst>
+          </a:blip>
+          <a:stretch>
+            <a:fillRect/>
+          </a:stretch>
+        </p:blipFill>
+        <p:spPr>
+          <a:xfrm>
+            <a:off x="7615381" y="1504373"/>
+            <a:ext cx="2933700" cy="1384300"/>
+          </a:xfrm>
+          <a:prstGeom prst="rect">
+            <a:avLst/>
+          </a:prstGeom>
+        </p:spPr>
+      </p:pic>
     </p:spTree>
     <p:extLst>
       <p:ext uri="{BB962C8B-B14F-4D97-AF65-F5344CB8AC3E}">
-        <p14:creationId xmlns:p14="http://schemas.microsoft.com/office/powerpoint/2010/main" val="2102037887"/>
+        <p14:creationId xmlns:p14="http://schemas.microsoft.com/office/powerpoint/2010/main" val="1690010996"/>
       </p:ext>
     </p:extLst>
   </p:cSld>
@@ -3838,14 +5883,37 @@
       </p:grpSpPr>
       <p:sp>
         <p:nvSpPr>
-          <p:cNvPr id="5" name="Rectangle 4"/>
+          <p:cNvPr id="9" name="Slide Number Placeholder 8"/>
+          <p:cNvSpPr>
+            <a:spLocks noGrp="1"/>
+          </p:cNvSpPr>
+          <p:nvPr>
+            <p:ph type="sldNum" sz="quarter" idx="12"/>
+          </p:nvPr>
+        </p:nvSpPr>
+        <p:spPr/>
+        <p:txBody>
+          <a:bodyPr/>
+          <a:lstStyle/>
+          <a:p>
+            <a:fld id="{B822FDE6-25CA-0444-94EE-C6FC8C5EFEB8}" type="slidenum">
+              <a:rPr lang="en-US" smtClean="0"/>
+              <a:t>12</a:t>
+            </a:fld>
+            <a:endParaRPr lang="en-US"/>
+          </a:p>
+        </p:txBody>
+      </p:sp>
+      <p:sp>
+        <p:nvSpPr>
+          <p:cNvPr id="4" name="Rectangle 3"/>
           <p:cNvSpPr/>
           <p:nvPr/>
         </p:nvSpPr>
         <p:spPr>
           <a:xfrm>
-            <a:off x="0" y="0"/>
-            <a:ext cx="9144000" cy="1223412"/>
+            <a:off x="0" y="1299607"/>
+            <a:ext cx="12192000" cy="3185487"/>
           </a:xfrm>
           <a:prstGeom prst="rect">
             <a:avLst/>
@@ -3853,42 +5921,82 @@
           <a:noFill/>
         </p:spPr>
         <p:txBody>
-          <a:bodyPr wrap="square" lIns="68580" tIns="34290" rIns="68580" bIns="34290">
+          <a:bodyPr wrap="square" lIns="91440" tIns="45720" rIns="91440" bIns="45720">
             <a:spAutoFit/>
           </a:bodyPr>
           <a:lstStyle/>
           <a:p>
-            <a:pPr algn="ctr"/>
-            <a:endParaRPr lang="en-US" sz="4000" b="1" dirty="0" smtClean="0"/>
-          </a:p>
-          <a:p>
-            <a:pPr lvl="1"/>
-            <a:r>
-              <a:rPr lang="en-US" sz="3500" b="1" dirty="0" smtClean="0"/>
-              <a:t>Example </a:t>
-            </a:r>
-            <a:r>
-              <a:rPr lang="mr-IN" sz="3500" b="1" dirty="0" smtClean="0"/>
-              <a:t>–</a:t>
-            </a:r>
-            <a:r>
-              <a:rPr lang="en-US" sz="3500" b="1" dirty="0" smtClean="0"/>
-              <a:t> reduce  </a:t>
-            </a:r>
-            <a:endParaRPr lang="en-US" sz="2500" dirty="0"/>
+            <a:r>
+              <a:rPr lang="en-US" sz="3800" dirty="0" smtClean="0"/>
+              <a:t>	</a:t>
+            </a:r>
+            <a:r>
+              <a:rPr lang="en-US" sz="3800" b="1" dirty="0" smtClean="0"/>
+              <a:t>Lambda</a:t>
+            </a:r>
+          </a:p>
+          <a:p>
+            <a:endParaRPr lang="en-US" sz="3800" b="1" dirty="0"/>
+          </a:p>
+          <a:p>
+            <a:pPr marL="1485900" lvl="2" indent="-571500">
+              <a:buFont typeface="Arial" charset="0"/>
+              <a:buChar char="•"/>
+            </a:pPr>
+            <a:r>
+              <a:rPr lang="en-AU" sz="2500" dirty="0" smtClean="0"/>
+              <a:t>Lambda assignment</a:t>
+            </a:r>
+          </a:p>
+          <a:p>
+            <a:pPr marL="1485900" lvl="2" indent="-571500">
+              <a:buFont typeface="Arial" charset="0"/>
+              <a:buChar char="•"/>
+            </a:pPr>
+            <a:r>
+              <a:rPr lang="en-AU" sz="2500" dirty="0" smtClean="0"/>
+              <a:t>Function passing</a:t>
+            </a:r>
+          </a:p>
+          <a:p>
+            <a:pPr marL="1485900" lvl="2" indent="-571500">
+              <a:buFont typeface="Arial" charset="0"/>
+              <a:buChar char="•"/>
+            </a:pPr>
+            <a:r>
+              <a:rPr lang="en-AU" sz="2500" dirty="0" smtClean="0"/>
+              <a:t>Can be used with other HOF</a:t>
+            </a:r>
+          </a:p>
+          <a:p>
+            <a:pPr marL="1485900" lvl="2" indent="-571500">
+              <a:buFont typeface="Arial" charset="0"/>
+              <a:buChar char="•"/>
+            </a:pPr>
+            <a:r>
+              <a:rPr lang="en-AU" sz="2500" dirty="0" smtClean="0"/>
+              <a:t>Do you see any downsides?</a:t>
+            </a:r>
+          </a:p>
+          <a:p>
+            <a:pPr marL="1485900" lvl="2" indent="-571500">
+              <a:buFont typeface="Arial" charset="0"/>
+              <a:buChar char="•"/>
+            </a:pPr>
+            <a:endParaRPr lang="en-US" sz="2500" dirty="0" smtClean="0"/>
           </a:p>
         </p:txBody>
       </p:sp>
       <p:pic>
         <p:nvPicPr>
-          <p:cNvPr id="2" name="Picture 1"/>
+          <p:cNvPr id="3" name="Picture 2"/>
           <p:cNvPicPr>
             <a:picLocks noChangeAspect="1"/>
           </p:cNvPicPr>
           <p:nvPr/>
         </p:nvPicPr>
         <p:blipFill>
-          <a:blip r:embed="rId2">
+          <a:blip r:embed="rId3">
             <a:extLst>
               <a:ext uri="{28A0092B-C50C-407E-A947-70E740481C1C}">
                 <a14:useLocalDpi xmlns:a14="http://schemas.microsoft.com/office/drawing/2010/main" val="0"/>
@@ -3901,8 +6009,38 @@
         </p:blipFill>
         <p:spPr>
           <a:xfrm>
-            <a:off x="2050467" y="1752600"/>
-            <a:ext cx="5043065" cy="4508500"/>
+            <a:off x="6096000" y="1473234"/>
+            <a:ext cx="4449423" cy="2288275"/>
+          </a:xfrm>
+          <a:prstGeom prst="rect">
+            <a:avLst/>
+          </a:prstGeom>
+        </p:spPr>
+      </p:pic>
+      <p:pic>
+        <p:nvPicPr>
+          <p:cNvPr id="5" name="Picture 4"/>
+          <p:cNvPicPr>
+            <a:picLocks noChangeAspect="1"/>
+          </p:cNvPicPr>
+          <p:nvPr/>
+        </p:nvPicPr>
+        <p:blipFill>
+          <a:blip r:embed="rId4">
+            <a:extLst>
+              <a:ext uri="{28A0092B-C50C-407E-A947-70E740481C1C}">
+                <a14:useLocalDpi xmlns:a14="http://schemas.microsoft.com/office/drawing/2010/main" val="0"/>
+              </a:ext>
+            </a:extLst>
+          </a:blip>
+          <a:stretch>
+            <a:fillRect/>
+          </a:stretch>
+        </p:blipFill>
+        <p:spPr>
+          <a:xfrm>
+            <a:off x="944223" y="4531585"/>
+            <a:ext cx="9601200" cy="1485900"/>
           </a:xfrm>
           <a:prstGeom prst="rect">
             <a:avLst/>
@@ -3912,7 +6050,7 @@
     </p:spTree>
     <p:extLst>
       <p:ext uri="{BB962C8B-B14F-4D97-AF65-F5344CB8AC3E}">
-        <p14:creationId xmlns:p14="http://schemas.microsoft.com/office/powerpoint/2010/main" val="1064628410"/>
+        <p14:creationId xmlns:p14="http://schemas.microsoft.com/office/powerpoint/2010/main" val="1991364317"/>
       </p:ext>
     </p:extLst>
   </p:cSld>
@@ -3959,14 +6097,37 @@
       </p:grpSpPr>
       <p:sp>
         <p:nvSpPr>
-          <p:cNvPr id="5" name="Rectangle 4"/>
+          <p:cNvPr id="9" name="Slide Number Placeholder 8"/>
+          <p:cNvSpPr>
+            <a:spLocks noGrp="1"/>
+          </p:cNvSpPr>
+          <p:nvPr>
+            <p:ph type="sldNum" sz="quarter" idx="12"/>
+          </p:nvPr>
+        </p:nvSpPr>
+        <p:spPr/>
+        <p:txBody>
+          <a:bodyPr/>
+          <a:lstStyle/>
+          <a:p>
+            <a:fld id="{B822FDE6-25CA-0444-94EE-C6FC8C5EFEB8}" type="slidenum">
+              <a:rPr lang="en-US" smtClean="0"/>
+              <a:t>13</a:t>
+            </a:fld>
+            <a:endParaRPr lang="en-US"/>
+          </a:p>
+        </p:txBody>
+      </p:sp>
+      <p:sp>
+        <p:nvSpPr>
+          <p:cNvPr id="4" name="Rectangle 3"/>
           <p:cNvSpPr/>
           <p:nvPr/>
         </p:nvSpPr>
         <p:spPr>
           <a:xfrm>
-            <a:off x="0" y="0"/>
-            <a:ext cx="9144000" cy="3916457"/>
+            <a:off x="0" y="1299607"/>
+            <a:ext cx="12192000" cy="2416046"/>
           </a:xfrm>
           <a:prstGeom prst="rect">
             <a:avLst/>
@@ -3974,867 +6135,67 @@
           <a:noFill/>
         </p:spPr>
         <p:txBody>
-          <a:bodyPr wrap="square" lIns="68580" tIns="34290" rIns="68580" bIns="34290">
+          <a:bodyPr wrap="square" lIns="91440" tIns="45720" rIns="91440" bIns="45720">
             <a:spAutoFit/>
           </a:bodyPr>
           <a:lstStyle/>
           <a:p>
-            <a:pPr algn="ctr"/>
-            <a:endParaRPr lang="en-US" sz="4000" b="1" dirty="0" smtClean="0"/>
-          </a:p>
-          <a:p>
-            <a:pPr lvl="1"/>
-            <a:r>
-              <a:rPr lang="en-AU" sz="3500" b="1" dirty="0" smtClean="0"/>
-              <a:t>Partials/closures</a:t>
-            </a:r>
-            <a:endParaRPr lang="en-US" sz="3500" b="1" dirty="0" smtClean="0"/>
-          </a:p>
-          <a:p>
-            <a:pPr lvl="1"/>
-            <a:endParaRPr lang="en-US" sz="2500" dirty="0" smtClean="0"/>
-          </a:p>
-          <a:p>
-            <a:pPr marL="1657350" lvl="2" indent="-742950">
-              <a:buFont typeface="Arial" panose="020B0604020202020204" pitchFamily="34" charset="0"/>
+            <a:r>
+              <a:rPr lang="en-US" sz="3800" dirty="0" smtClean="0"/>
+              <a:t>	</a:t>
+            </a:r>
+            <a:r>
+              <a:rPr lang="en-US" sz="3800" b="1" dirty="0" smtClean="0"/>
+              <a:t>FP is not idiomatic Python</a:t>
+            </a:r>
+          </a:p>
+          <a:p>
+            <a:endParaRPr lang="en-US" sz="3800" b="1" dirty="0"/>
+          </a:p>
+          <a:p>
+            <a:pPr marL="1485900" lvl="2" indent="-571500">
+              <a:buFont typeface="Arial" charset="0"/>
               <a:buChar char="•"/>
             </a:pPr>
             <a:r>
               <a:rPr lang="en-US" sz="2500" dirty="0" smtClean="0"/>
-              <a:t>Keep alive a variable even when the function </a:t>
-            </a:r>
-          </a:p>
-          <a:p>
-            <a:pPr lvl="2"/>
-            <a:r>
-              <a:rPr lang="en-US" sz="2500" dirty="0" smtClean="0"/>
-              <a:t>	has </a:t>
-            </a:r>
-            <a:r>
-              <a:rPr lang="en-US" sz="2500" dirty="0" smtClean="0"/>
-              <a:t>returned</a:t>
-            </a:r>
-            <a:endParaRPr lang="en-US" sz="2500" dirty="0" smtClean="0"/>
-          </a:p>
-          <a:p>
-            <a:pPr marL="1657350" lvl="2" indent="-742950">
-              <a:buFont typeface="Arial" panose="020B0604020202020204" pitchFamily="34" charset="0"/>
+              <a:t>FP revolves around lists</a:t>
+            </a:r>
+          </a:p>
+          <a:p>
+            <a:pPr marL="1485900" lvl="2" indent="-571500">
+              <a:buFont typeface="Arial" charset="0"/>
               <a:buChar char="•"/>
             </a:pPr>
             <a:r>
               <a:rPr lang="en-US" sz="2500" dirty="0" smtClean="0"/>
-              <a:t>Call a function without supplying all the </a:t>
-            </a:r>
-          </a:p>
-          <a:p>
-            <a:pPr lvl="2"/>
-            <a:r>
-              <a:rPr lang="en-US" sz="2500" dirty="0" smtClean="0"/>
-              <a:t>	arguments it </a:t>
-            </a:r>
-            <a:r>
-              <a:rPr lang="en-US" sz="2500" dirty="0" smtClean="0"/>
-              <a:t>requires</a:t>
-            </a:r>
-            <a:endParaRPr lang="en-US" sz="2500" dirty="0" smtClean="0"/>
-          </a:p>
-          <a:p>
-            <a:pPr marL="1657350" lvl="2" indent="-742950">
-              <a:buFont typeface="Arial" panose="020B0604020202020204" pitchFamily="34" charset="0"/>
+              <a:t>Other than reduce and partials/closures, all functions generate lists</a:t>
+            </a:r>
+          </a:p>
+          <a:p>
+            <a:pPr marL="1485900" lvl="2" indent="-571500">
+              <a:buFont typeface="Arial" charset="0"/>
               <a:buChar char="•"/>
             </a:pPr>
             <a:r>
               <a:rPr lang="en-US" sz="2500" dirty="0" smtClean="0"/>
-              <a:t>Nesting a function inside the encapsulating </a:t>
+              <a:t>Guido </a:t>
+            </a:r>
+            <a:r>
+              <a:rPr lang="en-US" sz="2500" dirty="0"/>
+              <a:t>van </a:t>
             </a:r>
             <a:r>
               <a:rPr lang="en-US" sz="2500" dirty="0" smtClean="0"/>
-              <a:t>function</a:t>
-            </a:r>
-            <a:endParaRPr lang="en-US" sz="2500" dirty="0" smtClean="0"/>
-          </a:p>
-          <a:p>
-            <a:pPr marL="1657350" lvl="2" indent="-742950">
-              <a:buFont typeface="Arial" panose="020B0604020202020204" pitchFamily="34" charset="0"/>
-              <a:buChar char="•"/>
-            </a:pPr>
-            <a:r>
-              <a:rPr lang="en-US" sz="2500" dirty="0" smtClean="0"/>
-              <a:t>Return the underlying </a:t>
-            </a:r>
-            <a:r>
-              <a:rPr lang="en-US" sz="2500" dirty="0" smtClean="0"/>
-              <a:t>function</a:t>
-            </a:r>
-            <a:endParaRPr lang="en-US" sz="2500" dirty="0"/>
+              <a:t>Rossum dislikes FP</a:t>
+            </a:r>
           </a:p>
         </p:txBody>
       </p:sp>
     </p:spTree>
     <p:extLst>
       <p:ext uri="{BB962C8B-B14F-4D97-AF65-F5344CB8AC3E}">
-        <p14:creationId xmlns:p14="http://schemas.microsoft.com/office/powerpoint/2010/main" val="1425867826"/>
-      </p:ext>
-    </p:extLst>
-  </p:cSld>
-  <p:clrMapOvr>
-    <a:masterClrMapping/>
-  </p:clrMapOvr>
-  <p:timing>
-    <p:tnLst>
-      <p:par>
-        <p:cTn id="1" dur="indefinite" restart="never" nodeType="tmRoot"/>
-      </p:par>
-    </p:tnLst>
-  </p:timing>
-</p:sld>
-</file>
-
-<file path=ppt/slides/slide14.xml><?xml version="1.0" encoding="utf-8"?>
-<p:sld xmlns:a="http://schemas.openxmlformats.org/drawingml/2006/main" xmlns:r="http://schemas.openxmlformats.org/officeDocument/2006/relationships" xmlns:p="http://schemas.openxmlformats.org/presentationml/2006/main">
-  <p:cSld>
-    <p:bg>
-      <p:bgPr>
-        <a:solidFill>
-          <a:schemeClr val="accent5">
-            <a:lumMod val="60000"/>
-            <a:lumOff val="40000"/>
-          </a:schemeClr>
-        </a:solidFill>
-        <a:effectLst/>
-      </p:bgPr>
-    </p:bg>
-    <p:spTree>
-      <p:nvGrpSpPr>
-        <p:cNvPr id="1" name=""/>
-        <p:cNvGrpSpPr/>
-        <p:nvPr/>
-      </p:nvGrpSpPr>
-      <p:grpSpPr>
-        <a:xfrm>
-          <a:off x="0" y="0"/>
-          <a:ext cx="0" cy="0"/>
-          <a:chOff x="0" y="0"/>
-          <a:chExt cx="0" cy="0"/>
-        </a:xfrm>
-      </p:grpSpPr>
-      <p:sp>
-        <p:nvSpPr>
-          <p:cNvPr id="5" name="Rectangle 4"/>
-          <p:cNvSpPr/>
-          <p:nvPr/>
-        </p:nvSpPr>
-        <p:spPr>
-          <a:xfrm>
-            <a:off x="0" y="0"/>
-            <a:ext cx="9144000" cy="1223412"/>
-          </a:xfrm>
-          <a:prstGeom prst="rect">
-            <a:avLst/>
-          </a:prstGeom>
-          <a:noFill/>
-        </p:spPr>
-        <p:txBody>
-          <a:bodyPr wrap="square" lIns="68580" tIns="34290" rIns="68580" bIns="34290">
-            <a:spAutoFit/>
-          </a:bodyPr>
-          <a:lstStyle/>
-          <a:p>
-            <a:pPr algn="ctr"/>
-            <a:endParaRPr lang="en-US" sz="4000" b="1" dirty="0" smtClean="0"/>
-          </a:p>
-          <a:p>
-            <a:pPr lvl="1"/>
-            <a:r>
-              <a:rPr lang="en-AU" sz="3500" b="1" dirty="0" smtClean="0"/>
-              <a:t>Example </a:t>
-            </a:r>
-            <a:r>
-              <a:rPr lang="mr-IN" sz="3500" b="1" dirty="0" smtClean="0"/>
-              <a:t>–</a:t>
-            </a:r>
-            <a:r>
-              <a:rPr lang="en-AU" sz="3500" b="1" dirty="0" smtClean="0"/>
-              <a:t> partials/closures </a:t>
-            </a:r>
-            <a:endParaRPr lang="en-US" sz="3500" b="1" dirty="0" smtClean="0"/>
-          </a:p>
-        </p:txBody>
-      </p:sp>
-      <p:pic>
-        <p:nvPicPr>
-          <p:cNvPr id="2" name="Picture 1"/>
-          <p:cNvPicPr>
-            <a:picLocks noChangeAspect="1"/>
-          </p:cNvPicPr>
-          <p:nvPr/>
-        </p:nvPicPr>
-        <p:blipFill>
-          <a:blip r:embed="rId2">
-            <a:extLst>
-              <a:ext uri="{28A0092B-C50C-407E-A947-70E740481C1C}">
-                <a14:useLocalDpi xmlns:a14="http://schemas.microsoft.com/office/drawing/2010/main" val="0"/>
-              </a:ext>
-            </a:extLst>
-          </a:blip>
-          <a:stretch>
-            <a:fillRect/>
-          </a:stretch>
-        </p:blipFill>
-        <p:spPr>
-          <a:xfrm>
-            <a:off x="2544274" y="1905000"/>
-            <a:ext cx="4055452" cy="4165600"/>
-          </a:xfrm>
-          <a:prstGeom prst="rect">
-            <a:avLst/>
-          </a:prstGeom>
-        </p:spPr>
-      </p:pic>
-    </p:spTree>
-    <p:extLst>
-      <p:ext uri="{BB962C8B-B14F-4D97-AF65-F5344CB8AC3E}">
-        <p14:creationId xmlns:p14="http://schemas.microsoft.com/office/powerpoint/2010/main" val="1605445273"/>
-      </p:ext>
-    </p:extLst>
-  </p:cSld>
-  <p:clrMapOvr>
-    <a:masterClrMapping/>
-  </p:clrMapOvr>
-  <p:timing>
-    <p:tnLst>
-      <p:par>
-        <p:cTn id="1" dur="indefinite" restart="never" nodeType="tmRoot"/>
-      </p:par>
-    </p:tnLst>
-  </p:timing>
-</p:sld>
-</file>
-
-<file path=ppt/slides/slide15.xml><?xml version="1.0" encoding="utf-8"?>
-<p:sld xmlns:a="http://schemas.openxmlformats.org/drawingml/2006/main" xmlns:r="http://schemas.openxmlformats.org/officeDocument/2006/relationships" xmlns:p="http://schemas.openxmlformats.org/presentationml/2006/main">
-  <p:cSld>
-    <p:bg>
-      <p:bgPr>
-        <a:solidFill>
-          <a:schemeClr val="accent5">
-            <a:lumMod val="60000"/>
-            <a:lumOff val="40000"/>
-          </a:schemeClr>
-        </a:solidFill>
-        <a:effectLst/>
-      </p:bgPr>
-    </p:bg>
-    <p:spTree>
-      <p:nvGrpSpPr>
-        <p:cNvPr id="1" name=""/>
-        <p:cNvGrpSpPr/>
-        <p:nvPr/>
-      </p:nvGrpSpPr>
-      <p:grpSpPr>
-        <a:xfrm>
-          <a:off x="0" y="0"/>
-          <a:ext cx="0" cy="0"/>
-          <a:chOff x="0" y="0"/>
-          <a:chExt cx="0" cy="0"/>
-        </a:xfrm>
-      </p:grpSpPr>
-      <p:sp>
-        <p:nvSpPr>
-          <p:cNvPr id="5" name="Rectangle 4"/>
-          <p:cNvSpPr/>
-          <p:nvPr/>
-        </p:nvSpPr>
-        <p:spPr>
-          <a:xfrm>
-            <a:off x="0" y="0"/>
-            <a:ext cx="9144000" cy="3916457"/>
-          </a:xfrm>
-          <a:prstGeom prst="rect">
-            <a:avLst/>
-          </a:prstGeom>
-          <a:noFill/>
-        </p:spPr>
-        <p:txBody>
-          <a:bodyPr wrap="square" lIns="68580" tIns="34290" rIns="68580" bIns="34290">
-            <a:spAutoFit/>
-          </a:bodyPr>
-          <a:lstStyle/>
-          <a:p>
-            <a:pPr algn="ctr"/>
-            <a:endParaRPr lang="en-US" sz="4000" b="1" dirty="0" smtClean="0"/>
-          </a:p>
-          <a:p>
-            <a:pPr lvl="1"/>
-            <a:r>
-              <a:rPr lang="en-AU" sz="3500" b="1" dirty="0" smtClean="0"/>
-              <a:t>Lambda</a:t>
-            </a:r>
-            <a:endParaRPr lang="en-US" sz="3500" b="1" dirty="0" smtClean="0"/>
-          </a:p>
-          <a:p>
-            <a:pPr lvl="1"/>
-            <a:endParaRPr lang="en-US" sz="2500" dirty="0" smtClean="0"/>
-          </a:p>
-          <a:p>
-            <a:pPr marL="1657350" lvl="2" indent="-742950">
-              <a:buFont typeface="Arial" panose="020B0604020202020204" pitchFamily="34" charset="0"/>
-              <a:buChar char="•"/>
-            </a:pPr>
-            <a:r>
-              <a:rPr lang="en-US" sz="2500" dirty="0" smtClean="0"/>
-              <a:t>Functions are defined </a:t>
-            </a:r>
-            <a:r>
-              <a:rPr lang="en-US" sz="2500" dirty="0" smtClean="0"/>
-              <a:t>anonymously</a:t>
-            </a:r>
-            <a:endParaRPr lang="en-US" sz="2500" dirty="0" smtClean="0"/>
-          </a:p>
-          <a:p>
-            <a:pPr marL="1657350" lvl="2" indent="-742950">
-              <a:buFont typeface="Arial" panose="020B0604020202020204" pitchFamily="34" charset="0"/>
-              <a:buChar char="•"/>
-            </a:pPr>
-            <a:r>
-              <a:rPr lang="en-US" sz="2500" dirty="0" smtClean="0"/>
-              <a:t>Lambda syntax </a:t>
-            </a:r>
-            <a:r>
-              <a:rPr lang="mr-IN" sz="2500" dirty="0" smtClean="0"/>
-              <a:t>–</a:t>
-            </a:r>
-            <a:r>
-              <a:rPr lang="en-US" sz="2500" dirty="0" smtClean="0"/>
-              <a:t> lambda </a:t>
-            </a:r>
-            <a:r>
-              <a:rPr lang="en-US" sz="2500" dirty="0" smtClean="0"/>
-              <a:t>calculus</a:t>
-            </a:r>
-            <a:endParaRPr lang="en-US" sz="2500" dirty="0" smtClean="0"/>
-          </a:p>
-          <a:p>
-            <a:pPr marL="1657350" lvl="2" indent="-742950">
-              <a:buFont typeface="Arial" panose="020B0604020202020204" pitchFamily="34" charset="0"/>
-              <a:buChar char="•"/>
-            </a:pPr>
-            <a:r>
-              <a:rPr lang="en-US" sz="2500" dirty="0" smtClean="0"/>
-              <a:t>Lambda sequence </a:t>
-            </a:r>
-            <a:r>
-              <a:rPr lang="mr-IN" sz="2500" dirty="0" smtClean="0"/>
-              <a:t>–</a:t>
-            </a:r>
-            <a:r>
-              <a:rPr lang="en-US" sz="2500" dirty="0" smtClean="0"/>
-              <a:t> variables: function code (with implicit return)</a:t>
-            </a:r>
-          </a:p>
-          <a:p>
-            <a:pPr marL="1657350" lvl="2" indent="-742950">
-              <a:buFont typeface="Arial" panose="020B0604020202020204" pitchFamily="34" charset="0"/>
-              <a:buChar char="•"/>
-            </a:pPr>
-            <a:r>
-              <a:rPr lang="en-US" sz="2500" dirty="0" smtClean="0"/>
-              <a:t>No def </a:t>
-            </a:r>
-            <a:r>
-              <a:rPr lang="en-US" sz="2500" dirty="0" smtClean="0"/>
-              <a:t>keyword</a:t>
-            </a:r>
-            <a:endParaRPr lang="en-US" sz="2500" dirty="0" smtClean="0"/>
-          </a:p>
-          <a:p>
-            <a:pPr marL="1657350" lvl="2" indent="-742950">
-              <a:buFont typeface="Arial" panose="020B0604020202020204" pitchFamily="34" charset="0"/>
-              <a:buChar char="•"/>
-            </a:pPr>
-            <a:endParaRPr lang="en-US" sz="2500" dirty="0"/>
-          </a:p>
-        </p:txBody>
-      </p:sp>
-      <p:pic>
-        <p:nvPicPr>
-          <p:cNvPr id="2" name="Picture 1"/>
-          <p:cNvPicPr>
-            <a:picLocks noChangeAspect="1"/>
-          </p:cNvPicPr>
-          <p:nvPr/>
-        </p:nvPicPr>
-        <p:blipFill>
-          <a:blip r:embed="rId2">
-            <a:extLst>
-              <a:ext uri="{28A0092B-C50C-407E-A947-70E740481C1C}">
-                <a14:useLocalDpi xmlns:a14="http://schemas.microsoft.com/office/drawing/2010/main" val="0"/>
-              </a:ext>
-            </a:extLst>
-          </a:blip>
-          <a:stretch>
-            <a:fillRect/>
-          </a:stretch>
-        </p:blipFill>
-        <p:spPr>
-          <a:xfrm>
-            <a:off x="831850" y="3894686"/>
-            <a:ext cx="7480300" cy="2501900"/>
-          </a:xfrm>
-          <a:prstGeom prst="rect">
-            <a:avLst/>
-          </a:prstGeom>
-        </p:spPr>
-      </p:pic>
-    </p:spTree>
-    <p:extLst>
-      <p:ext uri="{BB962C8B-B14F-4D97-AF65-F5344CB8AC3E}">
-        <p14:creationId xmlns:p14="http://schemas.microsoft.com/office/powerpoint/2010/main" val="1321058425"/>
-      </p:ext>
-    </p:extLst>
-  </p:cSld>
-  <p:clrMapOvr>
-    <a:masterClrMapping/>
-  </p:clrMapOvr>
-  <p:timing>
-    <p:tnLst>
-      <p:par>
-        <p:cTn id="1" dur="indefinite" restart="never" nodeType="tmRoot"/>
-      </p:par>
-    </p:tnLst>
-  </p:timing>
-</p:sld>
-</file>
-
-<file path=ppt/slides/slide16.xml><?xml version="1.0" encoding="utf-8"?>
-<p:sld xmlns:a="http://schemas.openxmlformats.org/drawingml/2006/main" xmlns:r="http://schemas.openxmlformats.org/officeDocument/2006/relationships" xmlns:p="http://schemas.openxmlformats.org/presentationml/2006/main">
-  <p:cSld>
-    <p:bg>
-      <p:bgPr>
-        <a:solidFill>
-          <a:schemeClr val="accent5">
-            <a:lumMod val="60000"/>
-            <a:lumOff val="40000"/>
-          </a:schemeClr>
-        </a:solidFill>
-        <a:effectLst/>
-      </p:bgPr>
-    </p:bg>
-    <p:spTree>
-      <p:nvGrpSpPr>
-        <p:cNvPr id="1" name=""/>
-        <p:cNvGrpSpPr/>
-        <p:nvPr/>
-      </p:nvGrpSpPr>
-      <p:grpSpPr>
-        <a:xfrm>
-          <a:off x="0" y="0"/>
-          <a:ext cx="0" cy="0"/>
-          <a:chOff x="0" y="0"/>
-          <a:chExt cx="0" cy="0"/>
-        </a:xfrm>
-      </p:grpSpPr>
-      <p:sp>
-        <p:nvSpPr>
-          <p:cNvPr id="5" name="Rectangle 4"/>
-          <p:cNvSpPr/>
-          <p:nvPr/>
-        </p:nvSpPr>
-        <p:spPr>
-          <a:xfrm>
-            <a:off x="0" y="0"/>
-            <a:ext cx="9144000" cy="3531736"/>
-          </a:xfrm>
-          <a:prstGeom prst="rect">
-            <a:avLst/>
-          </a:prstGeom>
-          <a:noFill/>
-        </p:spPr>
-        <p:txBody>
-          <a:bodyPr wrap="square" lIns="68580" tIns="34290" rIns="68580" bIns="34290">
-            <a:spAutoFit/>
-          </a:bodyPr>
-          <a:lstStyle/>
-          <a:p>
-            <a:pPr algn="ctr"/>
-            <a:endParaRPr lang="en-US" sz="4000" b="1" dirty="0" smtClean="0"/>
-          </a:p>
-          <a:p>
-            <a:pPr lvl="1"/>
-            <a:r>
-              <a:rPr lang="en-AU" sz="3500" b="1" dirty="0" smtClean="0"/>
-              <a:t>Lambda</a:t>
-            </a:r>
-            <a:endParaRPr lang="en-US" sz="3500" b="1" dirty="0" smtClean="0"/>
-          </a:p>
-          <a:p>
-            <a:pPr lvl="1"/>
-            <a:endParaRPr lang="en-US" sz="2500" dirty="0" smtClean="0"/>
-          </a:p>
-          <a:p>
-            <a:pPr marL="1657350" lvl="2" indent="-742950">
-              <a:buFont typeface="Arial" panose="020B0604020202020204" pitchFamily="34" charset="0"/>
-              <a:buChar char="•"/>
-            </a:pPr>
-            <a:r>
-              <a:rPr lang="en-US" sz="2500" dirty="0" smtClean="0"/>
-              <a:t>Lambda </a:t>
-            </a:r>
-            <a:r>
-              <a:rPr lang="en-US" sz="2500" dirty="0" smtClean="0"/>
-              <a:t>assignment</a:t>
-            </a:r>
-            <a:endParaRPr lang="en-US" sz="2500" dirty="0" smtClean="0"/>
-          </a:p>
-          <a:p>
-            <a:pPr marL="1657350" lvl="2" indent="-742950">
-              <a:buFont typeface="Arial" panose="020B0604020202020204" pitchFamily="34" charset="0"/>
-              <a:buChar char="•"/>
-            </a:pPr>
-            <a:r>
-              <a:rPr lang="en-AU" sz="2500" dirty="0" smtClean="0"/>
-              <a:t>Function </a:t>
-            </a:r>
-            <a:r>
-              <a:rPr lang="en-AU" sz="2500" dirty="0" smtClean="0"/>
-              <a:t>passing</a:t>
-            </a:r>
-            <a:endParaRPr lang="en-US" sz="2500" dirty="0" smtClean="0"/>
-          </a:p>
-          <a:p>
-            <a:pPr marL="1657350" lvl="2" indent="-742950">
-              <a:buFont typeface="Arial" panose="020B0604020202020204" pitchFamily="34" charset="0"/>
-              <a:buChar char="•"/>
-            </a:pPr>
-            <a:r>
-              <a:rPr lang="en-AU" sz="2500" dirty="0" smtClean="0"/>
-              <a:t>Can be used with other </a:t>
-            </a:r>
-            <a:r>
-              <a:rPr lang="en-AU" sz="2500" dirty="0" smtClean="0"/>
-              <a:t>higher-order functions</a:t>
-            </a:r>
-            <a:endParaRPr lang="en-US" sz="2500" dirty="0" smtClean="0"/>
-          </a:p>
-          <a:p>
-            <a:pPr marL="1657350" lvl="2" indent="-742950">
-              <a:buFont typeface="Arial" panose="020B0604020202020204" pitchFamily="34" charset="0"/>
-              <a:buChar char="•"/>
-            </a:pPr>
-            <a:r>
-              <a:rPr lang="en-US" sz="2500" dirty="0" smtClean="0"/>
-              <a:t>Do you see any </a:t>
-            </a:r>
-            <a:r>
-              <a:rPr lang="en-US" sz="2500" dirty="0" smtClean="0"/>
-              <a:t>downsides?</a:t>
-            </a:r>
-            <a:endParaRPr lang="en-US" sz="2500" dirty="0" smtClean="0"/>
-          </a:p>
-          <a:p>
-            <a:pPr marL="1657350" lvl="2" indent="-742950">
-              <a:buFont typeface="Arial" panose="020B0604020202020204" pitchFamily="34" charset="0"/>
-              <a:buChar char="•"/>
-            </a:pPr>
-            <a:endParaRPr lang="en-US" sz="2500" dirty="0"/>
-          </a:p>
-        </p:txBody>
-      </p:sp>
-      <p:pic>
-        <p:nvPicPr>
-          <p:cNvPr id="3" name="Picture 2"/>
-          <p:cNvPicPr>
-            <a:picLocks noChangeAspect="1"/>
-          </p:cNvPicPr>
-          <p:nvPr/>
-        </p:nvPicPr>
-        <p:blipFill>
-          <a:blip r:embed="rId2">
-            <a:extLst>
-              <a:ext uri="{28A0092B-C50C-407E-A947-70E740481C1C}">
-                <a14:useLocalDpi xmlns:a14="http://schemas.microsoft.com/office/drawing/2010/main" val="0"/>
-              </a:ext>
-            </a:extLst>
-          </a:blip>
-          <a:stretch>
-            <a:fillRect/>
-          </a:stretch>
-        </p:blipFill>
-        <p:spPr>
-          <a:xfrm>
-            <a:off x="2827421" y="3390222"/>
-            <a:ext cx="3489158" cy="2946400"/>
-          </a:xfrm>
-          <a:prstGeom prst="rect">
-            <a:avLst/>
-          </a:prstGeom>
-        </p:spPr>
-      </p:pic>
-    </p:spTree>
-    <p:extLst>
-      <p:ext uri="{BB962C8B-B14F-4D97-AF65-F5344CB8AC3E}">
-        <p14:creationId xmlns:p14="http://schemas.microsoft.com/office/powerpoint/2010/main" val="836975222"/>
-      </p:ext>
-    </p:extLst>
-  </p:cSld>
-  <p:clrMapOvr>
-    <a:masterClrMapping/>
-  </p:clrMapOvr>
-  <p:timing>
-    <p:tnLst>
-      <p:par>
-        <p:cTn id="1" dur="indefinite" restart="never" nodeType="tmRoot"/>
-      </p:par>
-    </p:tnLst>
-  </p:timing>
-</p:sld>
-</file>
-
-<file path=ppt/slides/slide17.xml><?xml version="1.0" encoding="utf-8"?>
-<p:sld xmlns:a="http://schemas.openxmlformats.org/drawingml/2006/main" xmlns:r="http://schemas.openxmlformats.org/officeDocument/2006/relationships" xmlns:p="http://schemas.openxmlformats.org/presentationml/2006/main">
-  <p:cSld>
-    <p:bg>
-      <p:bgPr>
-        <a:solidFill>
-          <a:schemeClr val="accent5">
-            <a:lumMod val="60000"/>
-            <a:lumOff val="40000"/>
-          </a:schemeClr>
-        </a:solidFill>
-        <a:effectLst/>
-      </p:bgPr>
-    </p:bg>
-    <p:spTree>
-      <p:nvGrpSpPr>
-        <p:cNvPr id="1" name=""/>
-        <p:cNvGrpSpPr/>
-        <p:nvPr/>
-      </p:nvGrpSpPr>
-      <p:grpSpPr>
-        <a:xfrm>
-          <a:off x="0" y="0"/>
-          <a:ext cx="0" cy="0"/>
-          <a:chOff x="0" y="0"/>
-          <a:chExt cx="0" cy="0"/>
-        </a:xfrm>
-      </p:grpSpPr>
-      <p:sp>
-        <p:nvSpPr>
-          <p:cNvPr id="5" name="Rectangle 4"/>
-          <p:cNvSpPr/>
-          <p:nvPr/>
-        </p:nvSpPr>
-        <p:spPr>
-          <a:xfrm>
-            <a:off x="0" y="0"/>
-            <a:ext cx="9144000" cy="1223412"/>
-          </a:xfrm>
-          <a:prstGeom prst="rect">
-            <a:avLst/>
-          </a:prstGeom>
-          <a:noFill/>
-        </p:spPr>
-        <p:txBody>
-          <a:bodyPr wrap="square" lIns="68580" tIns="34290" rIns="68580" bIns="34290">
-            <a:spAutoFit/>
-          </a:bodyPr>
-          <a:lstStyle/>
-          <a:p>
-            <a:pPr algn="ctr"/>
-            <a:endParaRPr lang="en-US" sz="4000" b="1" dirty="0" smtClean="0"/>
-          </a:p>
-          <a:p>
-            <a:pPr lvl="1"/>
-            <a:r>
-              <a:rPr lang="en-AU" sz="3500" b="1" dirty="0" smtClean="0"/>
-              <a:t>Example - lambda</a:t>
-            </a:r>
-            <a:endParaRPr lang="en-US" sz="3500" b="1" dirty="0" smtClean="0"/>
-          </a:p>
-        </p:txBody>
-      </p:sp>
-      <p:pic>
-        <p:nvPicPr>
-          <p:cNvPr id="2" name="Picture 1"/>
-          <p:cNvPicPr>
-            <a:picLocks noChangeAspect="1"/>
-          </p:cNvPicPr>
-          <p:nvPr/>
-        </p:nvPicPr>
-        <p:blipFill>
-          <a:blip r:embed="rId2">
-            <a:extLst>
-              <a:ext uri="{28A0092B-C50C-407E-A947-70E740481C1C}">
-                <a14:useLocalDpi xmlns:a14="http://schemas.microsoft.com/office/drawing/2010/main" val="0"/>
-              </a:ext>
-            </a:extLst>
-          </a:blip>
-          <a:stretch>
-            <a:fillRect/>
-          </a:stretch>
-        </p:blipFill>
-        <p:spPr>
-          <a:xfrm>
-            <a:off x="876300" y="1905000"/>
-            <a:ext cx="7391400" cy="2379868"/>
-          </a:xfrm>
-          <a:prstGeom prst="rect">
-            <a:avLst/>
-          </a:prstGeom>
-        </p:spPr>
-      </p:pic>
-    </p:spTree>
-    <p:extLst>
-      <p:ext uri="{BB962C8B-B14F-4D97-AF65-F5344CB8AC3E}">
-        <p14:creationId xmlns:p14="http://schemas.microsoft.com/office/powerpoint/2010/main" val="685038979"/>
-      </p:ext>
-    </p:extLst>
-  </p:cSld>
-  <p:clrMapOvr>
-    <a:masterClrMapping/>
-  </p:clrMapOvr>
-  <p:timing>
-    <p:tnLst>
-      <p:par>
-        <p:cTn id="1" dur="indefinite" restart="never" nodeType="tmRoot"/>
-      </p:par>
-    </p:tnLst>
-  </p:timing>
-</p:sld>
-</file>
-
-<file path=ppt/slides/slide18.xml><?xml version="1.0" encoding="utf-8"?>
-<p:sld xmlns:a="http://schemas.openxmlformats.org/drawingml/2006/main" xmlns:r="http://schemas.openxmlformats.org/officeDocument/2006/relationships" xmlns:p="http://schemas.openxmlformats.org/presentationml/2006/main">
-  <p:cSld>
-    <p:bg>
-      <p:bgPr>
-        <a:solidFill>
-          <a:schemeClr val="accent5">
-            <a:lumMod val="60000"/>
-            <a:lumOff val="40000"/>
-          </a:schemeClr>
-        </a:solidFill>
-        <a:effectLst/>
-      </p:bgPr>
-    </p:bg>
-    <p:spTree>
-      <p:nvGrpSpPr>
-        <p:cNvPr id="1" name=""/>
-        <p:cNvGrpSpPr/>
-        <p:nvPr/>
-      </p:nvGrpSpPr>
-      <p:grpSpPr>
-        <a:xfrm>
-          <a:off x="0" y="0"/>
-          <a:ext cx="0" cy="0"/>
-          <a:chOff x="0" y="0"/>
-          <a:chExt cx="0" cy="0"/>
-        </a:xfrm>
-      </p:grpSpPr>
-      <p:sp>
-        <p:nvSpPr>
-          <p:cNvPr id="5" name="Rectangle 4"/>
-          <p:cNvSpPr/>
-          <p:nvPr/>
-        </p:nvSpPr>
-        <p:spPr>
-          <a:xfrm>
-            <a:off x="0" y="0"/>
-            <a:ext cx="9144000" cy="3147015"/>
-          </a:xfrm>
-          <a:prstGeom prst="rect">
-            <a:avLst/>
-          </a:prstGeom>
-          <a:noFill/>
-        </p:spPr>
-        <p:txBody>
-          <a:bodyPr wrap="square" lIns="68580" tIns="34290" rIns="68580" bIns="34290">
-            <a:spAutoFit/>
-          </a:bodyPr>
-          <a:lstStyle/>
-          <a:p>
-            <a:pPr algn="ctr"/>
-            <a:endParaRPr lang="en-US" sz="4000" b="1" dirty="0" smtClean="0"/>
-          </a:p>
-          <a:p>
-            <a:pPr lvl="1"/>
-            <a:r>
-              <a:rPr lang="en-AU" sz="3500" b="1" dirty="0" smtClean="0"/>
-              <a:t>FP is not idiomatic</a:t>
-            </a:r>
-            <a:endParaRPr lang="en-US" sz="3500" b="1" dirty="0" smtClean="0"/>
-          </a:p>
-          <a:p>
-            <a:pPr lvl="1"/>
-            <a:endParaRPr lang="en-US" sz="2500" dirty="0" smtClean="0"/>
-          </a:p>
-          <a:p>
-            <a:pPr marL="1657350" lvl="2" indent="-742950">
-              <a:buFont typeface="Arial" panose="020B0604020202020204" pitchFamily="34" charset="0"/>
-              <a:buChar char="•"/>
-            </a:pPr>
-            <a:r>
-              <a:rPr lang="en-AU" sz="2500" dirty="0" smtClean="0"/>
-              <a:t>FP revolves around </a:t>
-            </a:r>
-            <a:r>
-              <a:rPr lang="en-AU" sz="2500" dirty="0" smtClean="0"/>
-              <a:t>lists</a:t>
-            </a:r>
-            <a:endParaRPr lang="en-AU" sz="2500" dirty="0" smtClean="0"/>
-          </a:p>
-          <a:p>
-            <a:pPr marL="1657350" lvl="2" indent="-742950">
-              <a:buFont typeface="Arial" panose="020B0604020202020204" pitchFamily="34" charset="0"/>
-              <a:buChar char="•"/>
-            </a:pPr>
-            <a:r>
-              <a:rPr lang="en-AU" sz="2500" dirty="0"/>
-              <a:t>Other than reduce and partials/closures, all </a:t>
-            </a:r>
-            <a:endParaRPr lang="en-AU" sz="2500" dirty="0" smtClean="0"/>
-          </a:p>
-          <a:p>
-            <a:pPr lvl="2"/>
-            <a:r>
-              <a:rPr lang="en-AU" sz="2500" dirty="0"/>
-              <a:t>	</a:t>
-            </a:r>
-            <a:r>
-              <a:rPr lang="en-AU" sz="2500" dirty="0" smtClean="0"/>
-              <a:t>functions </a:t>
-            </a:r>
-            <a:r>
-              <a:rPr lang="en-AU" sz="2500" dirty="0"/>
-              <a:t>generate </a:t>
-            </a:r>
-            <a:r>
-              <a:rPr lang="en-AU" sz="2500" dirty="0" smtClean="0"/>
-              <a:t>lists</a:t>
-            </a:r>
-            <a:endParaRPr lang="en-AU" sz="2500" dirty="0"/>
-          </a:p>
-          <a:p>
-            <a:pPr marL="1657350" lvl="2" indent="-742950">
-              <a:buFont typeface="Arial" panose="020B0604020202020204" pitchFamily="34" charset="0"/>
-              <a:buChar char="•"/>
-            </a:pPr>
-            <a:r>
-              <a:rPr lang="en-AU" sz="2500" dirty="0"/>
-              <a:t>Guido van Rossum dislikes </a:t>
-            </a:r>
-            <a:r>
-              <a:rPr lang="en-AU" sz="2500" dirty="0" smtClean="0"/>
-              <a:t>FP</a:t>
-            </a:r>
-            <a:endParaRPr lang="en-AU" sz="2500" dirty="0"/>
-          </a:p>
-        </p:txBody>
-      </p:sp>
-    </p:spTree>
-    <p:extLst>
-      <p:ext uri="{BB962C8B-B14F-4D97-AF65-F5344CB8AC3E}">
-        <p14:creationId xmlns:p14="http://schemas.microsoft.com/office/powerpoint/2010/main" val="603587919"/>
+        <p14:creationId xmlns:p14="http://schemas.microsoft.com/office/powerpoint/2010/main" val="1168377107"/>
       </p:ext>
     </p:extLst>
   </p:cSld>
@@ -4881,14 +6242,37 @@
       </p:grpSpPr>
       <p:sp>
         <p:nvSpPr>
-          <p:cNvPr id="5" name="Rectangle 4"/>
+          <p:cNvPr id="9" name="Slide Number Placeholder 8"/>
+          <p:cNvSpPr>
+            <a:spLocks noGrp="1"/>
+          </p:cNvSpPr>
+          <p:nvPr>
+            <p:ph type="sldNum" sz="quarter" idx="12"/>
+          </p:nvPr>
+        </p:nvSpPr>
+        <p:spPr/>
+        <p:txBody>
+          <a:bodyPr/>
+          <a:lstStyle/>
+          <a:p>
+            <a:fld id="{B822FDE6-25CA-0444-94EE-C6FC8C5EFEB8}" type="slidenum">
+              <a:rPr lang="en-US" smtClean="0"/>
+              <a:t>2</a:t>
+            </a:fld>
+            <a:endParaRPr lang="en-US"/>
+          </a:p>
+        </p:txBody>
+      </p:sp>
+      <p:sp>
+        <p:nvSpPr>
+          <p:cNvPr id="4" name="Rectangle 3"/>
           <p:cNvSpPr/>
           <p:nvPr/>
         </p:nvSpPr>
         <p:spPr>
           <a:xfrm>
-            <a:off x="6096" y="6096"/>
-            <a:ext cx="9144000" cy="4762842"/>
+            <a:off x="0" y="1299607"/>
+            <a:ext cx="12192000" cy="4108817"/>
           </a:xfrm>
           <a:prstGeom prst="rect">
             <a:avLst/>
@@ -4896,92 +6280,76 @@
           <a:noFill/>
         </p:spPr>
         <p:txBody>
-          <a:bodyPr wrap="square" lIns="68580" tIns="34290" rIns="68580" bIns="34290">
+          <a:bodyPr wrap="square" lIns="91440" tIns="45720" rIns="91440" bIns="45720">
             <a:spAutoFit/>
           </a:bodyPr>
           <a:lstStyle/>
           <a:p>
-            <a:pPr algn="ctr"/>
-            <a:endParaRPr lang="en-US" sz="4000" b="1" dirty="0" smtClean="0"/>
-          </a:p>
-          <a:p>
-            <a:pPr lvl="1"/>
-            <a:r>
-              <a:rPr lang="en-US" sz="3500" b="1" dirty="0" smtClean="0"/>
+            <a:r>
+              <a:rPr lang="en-US" sz="3800" dirty="0" smtClean="0"/>
+              <a:t>	</a:t>
+            </a:r>
+            <a:r>
+              <a:rPr lang="en-US" sz="3800" b="1" dirty="0" smtClean="0"/>
               <a:t>Functional programming principles</a:t>
             </a:r>
           </a:p>
           <a:p>
-            <a:pPr lvl="1"/>
-            <a:endParaRPr lang="en-US" sz="2500" dirty="0" smtClean="0"/>
-          </a:p>
-          <a:p>
-            <a:pPr marL="1657350" lvl="2" indent="-742950">
-              <a:buFont typeface="Arial" panose="020B0604020202020204" pitchFamily="34" charset="0"/>
+            <a:endParaRPr lang="en-US" sz="3800" b="1" dirty="0"/>
+          </a:p>
+          <a:p>
+            <a:pPr marL="1485900" lvl="2" indent="-571500">
+              <a:buFont typeface="Arial" charset="0"/>
               <a:buChar char="•"/>
             </a:pPr>
             <a:r>
               <a:rPr lang="en-US" sz="2500" dirty="0" smtClean="0"/>
-              <a:t>Functions are first class </a:t>
-            </a:r>
-            <a:r>
-              <a:rPr lang="en-US" sz="2500" dirty="0" smtClean="0"/>
-              <a:t>objects</a:t>
-            </a:r>
-            <a:endParaRPr lang="en-US" sz="2500" dirty="0" smtClean="0"/>
-          </a:p>
-          <a:p>
-            <a:pPr marL="1657350" lvl="2" indent="-742950">
-              <a:buFont typeface="Arial" panose="020B0604020202020204" pitchFamily="34" charset="0"/>
+              <a:t>Functions are first class objects</a:t>
+            </a:r>
+          </a:p>
+          <a:p>
+            <a:pPr marL="1485900" lvl="2" indent="-571500">
+              <a:buFont typeface="Arial" charset="0"/>
               <a:buChar char="•"/>
             </a:pPr>
             <a:r>
               <a:rPr lang="en-US" sz="2500" dirty="0" smtClean="0"/>
-              <a:t>Programs are </a:t>
-            </a:r>
-            <a:r>
-              <a:rPr lang="en-US" sz="2500" dirty="0" smtClean="0"/>
-              <a:t>stateless</a:t>
-            </a:r>
-            <a:endParaRPr lang="en-US" sz="2500" dirty="0" smtClean="0"/>
-          </a:p>
-          <a:p>
-            <a:pPr marL="1657350" lvl="2" indent="-742950">
-              <a:buFont typeface="Arial" panose="020B0604020202020204" pitchFamily="34" charset="0"/>
+              <a:t>Programs are stateless</a:t>
+            </a:r>
+          </a:p>
+          <a:p>
+            <a:pPr marL="1485900" lvl="2" indent="-571500">
+              <a:buFont typeface="Arial" charset="0"/>
               <a:buChar char="•"/>
             </a:pPr>
             <a:r>
-              <a:rPr lang="en-US" sz="2500" dirty="0" smtClean="0"/>
-              <a:t>High-order </a:t>
-            </a:r>
-            <a:r>
-              <a:rPr lang="en-US" sz="2500" dirty="0" smtClean="0"/>
-              <a:t>functions:</a:t>
-            </a:r>
-          </a:p>
-          <a:p>
-            <a:pPr marL="2114550" lvl="3" indent="-742950">
-              <a:buFont typeface="Arial" panose="020B0604020202020204" pitchFamily="34" charset="0"/>
+              <a:rPr lang="en-US" sz="2500" dirty="0"/>
+              <a:t>Higher-order functions:</a:t>
+            </a:r>
+          </a:p>
+          <a:p>
+            <a:pPr marL="1943100" lvl="3" indent="-571500">
+              <a:buFont typeface="Arial" charset="0"/>
               <a:buChar char="•"/>
             </a:pPr>
             <a:r>
-              <a:rPr lang="en-US" sz="2000" dirty="0" smtClean="0"/>
+              <a:rPr lang="en-US" sz="2000" dirty="0"/>
               <a:t>Map</a:t>
             </a:r>
           </a:p>
           <a:p>
-            <a:pPr marL="2114550" lvl="3" indent="-742950">
-              <a:buFont typeface="Arial" panose="020B0604020202020204" pitchFamily="34" charset="0"/>
+            <a:pPr marL="1943100" lvl="3" indent="-571500">
+              <a:buFont typeface="Arial" charset="0"/>
               <a:buChar char="•"/>
             </a:pPr>
             <a:r>
-              <a:rPr lang="en-US" sz="2000" dirty="0" smtClean="0"/>
-              <a:t>Filter </a:t>
-            </a:r>
-          </a:p>
-          <a:p>
-            <a:pPr marL="2114550" lvl="3" indent="-742950">
-              <a:buFont typeface="Arial" panose="020B0604020202020204" pitchFamily="34" charset="0"/>
+              <a:rPr lang="en-US" sz="2000" dirty="0"/>
+              <a:t>Filter</a:t>
+            </a:r>
+          </a:p>
+          <a:p>
+            <a:pPr marL="1943100" lvl="3" indent="-571500">
+              <a:buFont typeface="Arial" charset="0"/>
               <a:buChar char="•"/>
             </a:pPr>
             <a:r>
@@ -4990,46 +6358,32 @@
             </a:r>
           </a:p>
           <a:p>
-            <a:pPr marL="2114550" lvl="3" indent="-742950">
-              <a:buFont typeface="Arial" panose="020B0604020202020204" pitchFamily="34" charset="0"/>
+            <a:pPr marL="1943100" lvl="3" indent="-571500">
+              <a:buFont typeface="Arial" charset="0"/>
               <a:buChar char="•"/>
             </a:pPr>
             <a:r>
               <a:rPr lang="en-US" sz="2000" dirty="0" smtClean="0"/>
               <a:t>Partials/Closures</a:t>
             </a:r>
-          </a:p>
-          <a:p>
-            <a:pPr marL="1657350" lvl="2" indent="-742950">
-              <a:buFont typeface="Arial" panose="020B0604020202020204" pitchFamily="34" charset="0"/>
+            <a:endParaRPr lang="en-US" sz="2500" dirty="0" smtClean="0"/>
+          </a:p>
+          <a:p>
+            <a:pPr marL="1485900" lvl="2" indent="-571500">
+              <a:buFont typeface="Arial" charset="0"/>
               <a:buChar char="•"/>
             </a:pPr>
             <a:r>
               <a:rPr lang="en-US" sz="2500" dirty="0" smtClean="0"/>
-              <a:t>Lambda</a:t>
-            </a:r>
-          </a:p>
-          <a:p>
-            <a:pPr marL="1657350" lvl="2" indent="-742950">
-              <a:buFont typeface="Arial" panose="020B0604020202020204" pitchFamily="34" charset="0"/>
-              <a:buChar char="•"/>
-            </a:pPr>
-            <a:r>
-              <a:rPr lang="en-US" sz="2500" dirty="0" smtClean="0"/>
-              <a:t>No </a:t>
-            </a:r>
-            <a:r>
-              <a:rPr lang="en-US" sz="2500" dirty="0" smtClean="0"/>
-              <a:t>looping</a:t>
-            </a:r>
-            <a:endParaRPr lang="en-US" sz="2500" dirty="0" smtClean="0"/>
+              <a:t>No looping</a:t>
+            </a:r>
           </a:p>
         </p:txBody>
       </p:sp>
     </p:spTree>
     <p:extLst>
       <p:ext uri="{BB962C8B-B14F-4D97-AF65-F5344CB8AC3E}">
-        <p14:creationId xmlns:p14="http://schemas.microsoft.com/office/powerpoint/2010/main" val="1610426333"/>
+        <p14:creationId xmlns:p14="http://schemas.microsoft.com/office/powerpoint/2010/main" val="717143436"/>
       </p:ext>
     </p:extLst>
   </p:cSld>
@@ -5076,14 +6430,37 @@
       </p:grpSpPr>
       <p:sp>
         <p:nvSpPr>
-          <p:cNvPr id="5" name="Rectangle 4"/>
+          <p:cNvPr id="9" name="Slide Number Placeholder 8"/>
+          <p:cNvSpPr>
+            <a:spLocks noGrp="1"/>
+          </p:cNvSpPr>
+          <p:nvPr>
+            <p:ph type="sldNum" sz="quarter" idx="12"/>
+          </p:nvPr>
+        </p:nvSpPr>
+        <p:spPr/>
+        <p:txBody>
+          <a:bodyPr/>
+          <a:lstStyle/>
+          <a:p>
+            <a:fld id="{B822FDE6-25CA-0444-94EE-C6FC8C5EFEB8}" type="slidenum">
+              <a:rPr lang="en-US" smtClean="0"/>
+              <a:t>3</a:t>
+            </a:fld>
+            <a:endParaRPr lang="en-US"/>
+          </a:p>
+        </p:txBody>
+      </p:sp>
+      <p:sp>
+        <p:nvSpPr>
+          <p:cNvPr id="4" name="Rectangle 3"/>
           <p:cNvSpPr/>
           <p:nvPr/>
         </p:nvSpPr>
         <p:spPr>
           <a:xfrm>
-            <a:off x="6096" y="6096"/>
-            <a:ext cx="9144000" cy="2762295"/>
+            <a:off x="0" y="1299607"/>
+            <a:ext cx="12192000" cy="2800767"/>
           </a:xfrm>
           <a:prstGeom prst="rect">
             <a:avLst/>
@@ -5091,82 +6468,75 @@
           <a:noFill/>
         </p:spPr>
         <p:txBody>
-          <a:bodyPr wrap="square" lIns="68580" tIns="34290" rIns="68580" bIns="34290">
+          <a:bodyPr wrap="square" lIns="91440" tIns="45720" rIns="91440" bIns="45720">
             <a:spAutoFit/>
           </a:bodyPr>
           <a:lstStyle/>
           <a:p>
-            <a:pPr algn="ctr"/>
-            <a:endParaRPr lang="en-US" sz="4000" b="1" dirty="0" smtClean="0"/>
-          </a:p>
-          <a:p>
-            <a:pPr lvl="1"/>
-            <a:r>
-              <a:rPr lang="en-US" sz="3500" b="1" dirty="0" smtClean="0"/>
+            <a:r>
+              <a:rPr lang="en-US" sz="3800" dirty="0" smtClean="0"/>
+              <a:t>	</a:t>
+            </a:r>
+            <a:r>
+              <a:rPr lang="en-US" sz="3800" b="1" dirty="0" smtClean="0"/>
               <a:t>Functions as objects</a:t>
             </a:r>
           </a:p>
           <a:p>
-            <a:pPr lvl="1"/>
-            <a:endParaRPr lang="en-US" sz="2500" dirty="0" smtClean="0"/>
-          </a:p>
-          <a:p>
-            <a:pPr marL="1657350" lvl="2" indent="-742950">
-              <a:buFont typeface="Arial" panose="020B0604020202020204" pitchFamily="34" charset="0"/>
+            <a:endParaRPr lang="en-US" sz="3800" b="1" dirty="0"/>
+          </a:p>
+          <a:p>
+            <a:pPr marL="1485900" lvl="2" indent="-571500">
+              <a:buFont typeface="Arial" charset="0"/>
               <a:buChar char="•"/>
             </a:pPr>
             <a:r>
               <a:rPr lang="en-US" sz="2500" dirty="0" smtClean="0"/>
-              <a:t>Treat a piece of code like a piece of </a:t>
-            </a:r>
-            <a:r>
-              <a:rPr lang="en-US" sz="2500" dirty="0" smtClean="0"/>
-              <a:t>data</a:t>
-            </a:r>
-            <a:endParaRPr lang="en-US" sz="2500" dirty="0" smtClean="0"/>
-          </a:p>
-          <a:p>
-            <a:pPr marL="1657350" lvl="2" indent="-742950">
-              <a:buFont typeface="Arial" panose="020B0604020202020204" pitchFamily="34" charset="0"/>
+              <a:t>Treat a piece of code like a piece of data</a:t>
+            </a:r>
+          </a:p>
+          <a:p>
+            <a:pPr marL="1485900" lvl="2" indent="-571500">
+              <a:buFont typeface="Arial" charset="0"/>
               <a:buChar char="•"/>
             </a:pPr>
             <a:r>
               <a:rPr lang="en-US" sz="2500" dirty="0" smtClean="0"/>
-              <a:t>Assign to a </a:t>
-            </a:r>
-            <a:r>
-              <a:rPr lang="en-US" sz="2500" dirty="0" smtClean="0"/>
-              <a:t>variable</a:t>
-            </a:r>
-            <a:endParaRPr lang="en-US" sz="2500" dirty="0" smtClean="0"/>
-          </a:p>
-          <a:p>
-            <a:pPr marL="1657350" lvl="2" indent="-742950">
-              <a:buFont typeface="Arial" panose="020B0604020202020204" pitchFamily="34" charset="0"/>
+              <a:t>Assign to a variable</a:t>
+            </a:r>
+          </a:p>
+          <a:p>
+            <a:pPr marL="1485900" lvl="2" indent="-571500">
+              <a:buFont typeface="Arial" charset="0"/>
               <a:buChar char="•"/>
             </a:pPr>
             <a:r>
               <a:rPr lang="en-US" sz="2500" dirty="0" smtClean="0"/>
-              <a:t>Pass to and return from another </a:t>
-            </a:r>
-            <a:r>
-              <a:rPr lang="en-US" sz="2500" dirty="0" smtClean="0"/>
-              <a:t>function</a:t>
-            </a:r>
-            <a:endParaRPr lang="en-US" sz="2500" dirty="0" smtClean="0"/>
+              <a:t>Pass to and return from another function</a:t>
+            </a:r>
+          </a:p>
+          <a:p>
+            <a:pPr marL="1943100" lvl="3" indent="-571500">
+              <a:buFont typeface="Arial" charset="0"/>
+              <a:buChar char="•"/>
+            </a:pPr>
+            <a:r>
+              <a:rPr lang="en-US" sz="2000" dirty="0" smtClean="0"/>
+              <a:t>Create a high-order function</a:t>
+            </a:r>
           </a:p>
         </p:txBody>
       </p:sp>
       <p:pic>
         <p:nvPicPr>
-          <p:cNvPr id="2" name="Picture 1"/>
+          <p:cNvPr id="3" name="Picture 2"/>
           <p:cNvPicPr>
             <a:picLocks noChangeAspect="1"/>
           </p:cNvPicPr>
           <p:nvPr/>
         </p:nvPicPr>
         <p:blipFill>
-          <a:blip r:embed="rId2">
+          <a:blip r:embed="rId3">
             <a:extLst>
               <a:ext uri="{28A0092B-C50C-407E-A947-70E740481C1C}">
                 <a14:useLocalDpi xmlns:a14="http://schemas.microsoft.com/office/drawing/2010/main" val="0"/>
@@ -5179,8 +6549,68 @@
         </p:blipFill>
         <p:spPr>
           <a:xfrm>
-            <a:off x="1949196" y="3124200"/>
-            <a:ext cx="5257800" cy="3446442"/>
+            <a:off x="7547719" y="988798"/>
+            <a:ext cx="4104930" cy="2640697"/>
+          </a:xfrm>
+          <a:prstGeom prst="rect">
+            <a:avLst/>
+          </a:prstGeom>
+        </p:spPr>
+      </p:pic>
+      <p:pic>
+        <p:nvPicPr>
+          <p:cNvPr id="5" name="Picture 4"/>
+          <p:cNvPicPr>
+            <a:picLocks noChangeAspect="1"/>
+          </p:cNvPicPr>
+          <p:nvPr/>
+        </p:nvPicPr>
+        <p:blipFill>
+          <a:blip r:embed="rId4">
+            <a:extLst>
+              <a:ext uri="{28A0092B-C50C-407E-A947-70E740481C1C}">
+                <a14:useLocalDpi xmlns:a14="http://schemas.microsoft.com/office/drawing/2010/main" val="0"/>
+              </a:ext>
+            </a:extLst>
+          </a:blip>
+          <a:stretch>
+            <a:fillRect/>
+          </a:stretch>
+        </p:blipFill>
+        <p:spPr>
+          <a:xfrm>
+            <a:off x="6415464" y="4005817"/>
+            <a:ext cx="1867253" cy="2533095"/>
+          </a:xfrm>
+          <a:prstGeom prst="rect">
+            <a:avLst/>
+          </a:prstGeom>
+        </p:spPr>
+      </p:pic>
+      <p:pic>
+        <p:nvPicPr>
+          <p:cNvPr id="6" name="Picture 5"/>
+          <p:cNvPicPr>
+            <a:picLocks noChangeAspect="1"/>
+          </p:cNvPicPr>
+          <p:nvPr/>
+        </p:nvPicPr>
+        <p:blipFill>
+          <a:blip r:embed="rId5">
+            <a:extLst>
+              <a:ext uri="{28A0092B-C50C-407E-A947-70E740481C1C}">
+                <a14:useLocalDpi xmlns:a14="http://schemas.microsoft.com/office/drawing/2010/main" val="0"/>
+              </a:ext>
+            </a:extLst>
+          </a:blip>
+          <a:stretch>
+            <a:fillRect/>
+          </a:stretch>
+        </p:blipFill>
+        <p:spPr>
+          <a:xfrm>
+            <a:off x="8704536" y="4005817"/>
+            <a:ext cx="2948113" cy="2404849"/>
           </a:xfrm>
           <a:prstGeom prst="rect">
             <a:avLst/>
@@ -5190,7 +6620,7 @@
     </p:spTree>
     <p:extLst>
       <p:ext uri="{BB962C8B-B14F-4D97-AF65-F5344CB8AC3E}">
-        <p14:creationId xmlns:p14="http://schemas.microsoft.com/office/powerpoint/2010/main" val="643580906"/>
+        <p14:creationId xmlns:p14="http://schemas.microsoft.com/office/powerpoint/2010/main" val="1979189306"/>
       </p:ext>
     </p:extLst>
   </p:cSld>
@@ -5237,14 +6667,37 @@
       </p:grpSpPr>
       <p:sp>
         <p:nvSpPr>
-          <p:cNvPr id="5" name="Rectangle 4"/>
+          <p:cNvPr id="9" name="Slide Number Placeholder 8"/>
+          <p:cNvSpPr>
+            <a:spLocks noGrp="1"/>
+          </p:cNvSpPr>
+          <p:nvPr>
+            <p:ph type="sldNum" sz="quarter" idx="12"/>
+          </p:nvPr>
+        </p:nvSpPr>
+        <p:spPr/>
+        <p:txBody>
+          <a:bodyPr/>
+          <a:lstStyle/>
+          <a:p>
+            <a:fld id="{B822FDE6-25CA-0444-94EE-C6FC8C5EFEB8}" type="slidenum">
+              <a:rPr lang="en-US" smtClean="0"/>
+              <a:t>4</a:t>
+            </a:fld>
+            <a:endParaRPr lang="en-US"/>
+          </a:p>
+        </p:txBody>
+      </p:sp>
+      <p:sp>
+        <p:nvSpPr>
+          <p:cNvPr id="4" name="Rectangle 3"/>
           <p:cNvSpPr/>
           <p:nvPr/>
         </p:nvSpPr>
         <p:spPr>
           <a:xfrm>
-            <a:off x="6096" y="6096"/>
-            <a:ext cx="9144000" cy="1223412"/>
+            <a:off x="0" y="1299607"/>
+            <a:ext cx="12192000" cy="2031325"/>
           </a:xfrm>
           <a:prstGeom prst="rect">
             <a:avLst/>
@@ -5252,41 +6705,56 @@
           <a:noFill/>
         </p:spPr>
         <p:txBody>
-          <a:bodyPr wrap="square" lIns="68580" tIns="34290" rIns="68580" bIns="34290">
+          <a:bodyPr wrap="square" lIns="91440" tIns="45720" rIns="91440" bIns="45720">
             <a:spAutoFit/>
           </a:bodyPr>
           <a:lstStyle/>
           <a:p>
-            <a:pPr algn="ctr"/>
-            <a:endParaRPr lang="en-US" sz="4000" b="1" dirty="0" smtClean="0"/>
-          </a:p>
-          <a:p>
-            <a:pPr lvl="1"/>
-            <a:r>
-              <a:rPr lang="en-US" sz="3500" b="1" dirty="0" smtClean="0"/>
-              <a:t>Example </a:t>
-            </a:r>
-            <a:r>
-              <a:rPr lang="mr-IN" sz="3500" b="1" dirty="0" smtClean="0"/>
-              <a:t>–</a:t>
-            </a:r>
-            <a:r>
-              <a:rPr lang="en-US" sz="3500" b="1" dirty="0" smtClean="0"/>
-              <a:t> functions </a:t>
-            </a:r>
+            <a:r>
+              <a:rPr lang="en-US" sz="3800" dirty="0" smtClean="0"/>
+              <a:t>	</a:t>
+            </a:r>
+            <a:r>
+              <a:rPr lang="en-US" sz="3800" b="1" dirty="0" smtClean="0"/>
+              <a:t>Functions as objects</a:t>
+            </a:r>
+          </a:p>
+          <a:p>
+            <a:endParaRPr lang="en-US" sz="3800" b="1" dirty="0"/>
+          </a:p>
+          <a:p>
+            <a:pPr marL="1485900" lvl="2" indent="-571500">
+              <a:buFont typeface="Arial" charset="0"/>
+              <a:buChar char="•"/>
+            </a:pPr>
+            <a:r>
+              <a:rPr lang="en-US" sz="2500" dirty="0" smtClean="0"/>
+              <a:t>Passing different worker functions</a:t>
+            </a:r>
+          </a:p>
+          <a:p>
+            <a:pPr marL="1485900" lvl="2" indent="-571500">
+              <a:buFont typeface="Arial" charset="0"/>
+              <a:buChar char="•"/>
+            </a:pPr>
+            <a:r>
+              <a:rPr lang="en-US" sz="2500" dirty="0" smtClean="0"/>
+              <a:t>“Passing functions as arguments” works in complex scenarios</a:t>
+            </a:r>
+            <a:endParaRPr lang="en-US" sz="2000" dirty="0" smtClean="0"/>
           </a:p>
         </p:txBody>
       </p:sp>
       <p:pic>
         <p:nvPicPr>
-          <p:cNvPr id="3" name="Picture 2"/>
+          <p:cNvPr id="2" name="Picture 1"/>
           <p:cNvPicPr>
             <a:picLocks noChangeAspect="1"/>
           </p:cNvPicPr>
           <p:nvPr/>
         </p:nvPicPr>
         <p:blipFill>
-          <a:blip r:embed="rId2">
+          <a:blip r:embed="rId3">
             <a:extLst>
               <a:ext uri="{28A0092B-C50C-407E-A947-70E740481C1C}">
                 <a14:useLocalDpi xmlns:a14="http://schemas.microsoft.com/office/drawing/2010/main" val="0"/>
@@ -5299,8 +6767,8 @@
         </p:blipFill>
         <p:spPr>
           <a:xfrm>
-            <a:off x="2177796" y="1828800"/>
-            <a:ext cx="4800600" cy="4507637"/>
+            <a:off x="6585607" y="3690389"/>
+            <a:ext cx="4768193" cy="2626547"/>
           </a:xfrm>
           <a:prstGeom prst="rect">
             <a:avLst/>
@@ -5310,7 +6778,7 @@
     </p:spTree>
     <p:extLst>
       <p:ext uri="{BB962C8B-B14F-4D97-AF65-F5344CB8AC3E}">
-        <p14:creationId xmlns:p14="http://schemas.microsoft.com/office/powerpoint/2010/main" val="1117805136"/>
+        <p14:creationId xmlns:p14="http://schemas.microsoft.com/office/powerpoint/2010/main" val="1766982196"/>
       </p:ext>
     </p:extLst>
   </p:cSld>
@@ -5357,14 +6825,37 @@
       </p:grpSpPr>
       <p:sp>
         <p:nvSpPr>
+          <p:cNvPr id="9" name="Slide Number Placeholder 8"/>
+          <p:cNvSpPr>
+            <a:spLocks noGrp="1"/>
+          </p:cNvSpPr>
+          <p:nvPr>
+            <p:ph type="sldNum" sz="quarter" idx="12"/>
+          </p:nvPr>
+        </p:nvSpPr>
+        <p:spPr/>
+        <p:txBody>
+          <a:bodyPr/>
+          <a:lstStyle/>
+          <a:p>
+            <a:fld id="{B822FDE6-25CA-0444-94EE-C6FC8C5EFEB8}" type="slidenum">
+              <a:rPr lang="en-US" smtClean="0"/>
+              <a:t>5</a:t>
+            </a:fld>
+            <a:endParaRPr lang="en-US"/>
+          </a:p>
+        </p:txBody>
+      </p:sp>
+      <p:sp>
+        <p:nvSpPr>
           <p:cNvPr id="4" name="Rectangle 3"/>
           <p:cNvSpPr/>
           <p:nvPr/>
         </p:nvSpPr>
         <p:spPr>
           <a:xfrm>
-            <a:off x="6096" y="6096"/>
-            <a:ext cx="9144000" cy="2762295"/>
+            <a:off x="0" y="1299607"/>
+            <a:ext cx="12192000" cy="2031325"/>
           </a:xfrm>
           <a:prstGeom prst="rect">
             <a:avLst/>
@@ -5372,71 +6863,55 @@
           <a:noFill/>
         </p:spPr>
         <p:txBody>
-          <a:bodyPr wrap="square" lIns="68580" tIns="34290" rIns="68580" bIns="34290">
+          <a:bodyPr wrap="square" lIns="91440" tIns="45720" rIns="91440" bIns="45720">
             <a:spAutoFit/>
           </a:bodyPr>
           <a:lstStyle/>
           <a:p>
-            <a:pPr algn="ctr"/>
-            <a:endParaRPr lang="en-US" sz="4000" b="1" dirty="0" smtClean="0"/>
-          </a:p>
-          <a:p>
-            <a:pPr lvl="1"/>
-            <a:r>
-              <a:rPr lang="en-US" sz="3500" b="1" dirty="0" smtClean="0"/>
+            <a:r>
+              <a:rPr lang="en-US" sz="3800" dirty="0" smtClean="0"/>
+              <a:t>	</a:t>
+            </a:r>
+            <a:r>
+              <a:rPr lang="en-US" sz="3800" b="1" dirty="0" smtClean="0"/>
               <a:t>Functions as objects</a:t>
             </a:r>
           </a:p>
           <a:p>
-            <a:pPr lvl="1"/>
-            <a:endParaRPr lang="en-US" sz="2500" dirty="0" smtClean="0"/>
-          </a:p>
-          <a:p>
-            <a:pPr marL="1657350" lvl="2" indent="-742950">
-              <a:buFont typeface="Arial" panose="020B0604020202020204" pitchFamily="34" charset="0"/>
+            <a:endParaRPr lang="en-US" sz="3800" b="1" dirty="0"/>
+          </a:p>
+          <a:p>
+            <a:pPr marL="1485900" lvl="2" indent="-571500">
+              <a:buFont typeface="Arial" charset="0"/>
               <a:buChar char="•"/>
             </a:pPr>
             <a:r>
               <a:rPr lang="en-US" sz="2500" dirty="0" smtClean="0"/>
-              <a:t>Passing different worker </a:t>
-            </a:r>
-            <a:r>
-              <a:rPr lang="en-US" sz="2500" dirty="0" smtClean="0"/>
-              <a:t>functions</a:t>
-            </a:r>
-            <a:endParaRPr lang="en-US" sz="2500" dirty="0" smtClean="0"/>
-          </a:p>
-          <a:p>
-            <a:pPr marL="1657350" lvl="2" indent="-742950">
-              <a:buFont typeface="Arial" panose="020B0604020202020204" pitchFamily="34" charset="0"/>
+              <a:t>Callbacks</a:t>
+            </a:r>
+          </a:p>
+          <a:p>
+            <a:pPr marL="1485900" lvl="2" indent="-571500">
+              <a:buFont typeface="Arial" charset="0"/>
               <a:buChar char="•"/>
             </a:pPr>
             <a:r>
-              <a:rPr lang="en-US" sz="2500" dirty="0"/>
-              <a:t>“Passing functions as arguments” works in complex </a:t>
-            </a:r>
-            <a:r>
               <a:rPr lang="en-US" sz="2500" dirty="0" smtClean="0"/>
-              <a:t>	</a:t>
-            </a:r>
-            <a:r>
-              <a:rPr lang="en-US" sz="2500" dirty="0" smtClean="0"/>
-              <a:t>scenarios</a:t>
-            </a:r>
-            <a:endParaRPr lang="en-US" sz="2500" dirty="0"/>
+              <a:t>Event-driven</a:t>
+            </a:r>
           </a:p>
         </p:txBody>
       </p:sp>
       <p:pic>
         <p:nvPicPr>
-          <p:cNvPr id="2" name="Picture 1"/>
+          <p:cNvPr id="3" name="Picture 2"/>
           <p:cNvPicPr>
             <a:picLocks noChangeAspect="1"/>
           </p:cNvPicPr>
           <p:nvPr/>
         </p:nvPicPr>
         <p:blipFill>
-          <a:blip r:embed="rId2">
+          <a:blip r:embed="rId3">
             <a:extLst>
               <a:ext uri="{28A0092B-C50C-407E-A947-70E740481C1C}">
                 <a14:useLocalDpi xmlns:a14="http://schemas.microsoft.com/office/drawing/2010/main" val="0"/>
@@ -5449,8 +6924,38 @@
         </p:blipFill>
         <p:spPr>
           <a:xfrm>
-            <a:off x="2305050" y="2971800"/>
-            <a:ext cx="4533900" cy="3620711"/>
+            <a:off x="7542210" y="696672"/>
+            <a:ext cx="2136780" cy="2941317"/>
+          </a:xfrm>
+          <a:prstGeom prst="rect">
+            <a:avLst/>
+          </a:prstGeom>
+        </p:spPr>
+      </p:pic>
+      <p:pic>
+        <p:nvPicPr>
+          <p:cNvPr id="2" name="Picture 1"/>
+          <p:cNvPicPr>
+            <a:picLocks noChangeAspect="1"/>
+          </p:cNvPicPr>
+          <p:nvPr/>
+        </p:nvPicPr>
+        <p:blipFill>
+          <a:blip r:embed="rId4">
+            <a:extLst>
+              <a:ext uri="{28A0092B-C50C-407E-A947-70E740481C1C}">
+                <a14:useLocalDpi xmlns:a14="http://schemas.microsoft.com/office/drawing/2010/main" val="0"/>
+              </a:ext>
+            </a:extLst>
+          </a:blip>
+          <a:stretch>
+            <a:fillRect/>
+          </a:stretch>
+        </p:blipFill>
+        <p:spPr>
+          <a:xfrm>
+            <a:off x="5529296" y="3945046"/>
+            <a:ext cx="6162608" cy="2593866"/>
           </a:xfrm>
           <a:prstGeom prst="rect">
             <a:avLst/>
@@ -5460,7 +6965,7 @@
     </p:spTree>
     <p:extLst>
       <p:ext uri="{BB962C8B-B14F-4D97-AF65-F5344CB8AC3E}">
-        <p14:creationId xmlns:p14="http://schemas.microsoft.com/office/powerpoint/2010/main" val="659471707"/>
+        <p14:creationId xmlns:p14="http://schemas.microsoft.com/office/powerpoint/2010/main" val="998924816"/>
       </p:ext>
     </p:extLst>
   </p:cSld>
@@ -5507,14 +7012,37 @@
       </p:grpSpPr>
       <p:sp>
         <p:nvSpPr>
+          <p:cNvPr id="9" name="Slide Number Placeholder 8"/>
+          <p:cNvSpPr>
+            <a:spLocks noGrp="1"/>
+          </p:cNvSpPr>
+          <p:nvPr>
+            <p:ph type="sldNum" sz="quarter" idx="12"/>
+          </p:nvPr>
+        </p:nvSpPr>
+        <p:spPr/>
+        <p:txBody>
+          <a:bodyPr/>
+          <a:lstStyle/>
+          <a:p>
+            <a:fld id="{B822FDE6-25CA-0444-94EE-C6FC8C5EFEB8}" type="slidenum">
+              <a:rPr lang="en-US" smtClean="0"/>
+              <a:t>6</a:t>
+            </a:fld>
+            <a:endParaRPr lang="en-US"/>
+          </a:p>
+        </p:txBody>
+      </p:sp>
+      <p:sp>
+        <p:nvSpPr>
           <p:cNvPr id="4" name="Rectangle 3"/>
           <p:cNvSpPr/>
           <p:nvPr/>
         </p:nvSpPr>
         <p:spPr>
           <a:xfrm>
-            <a:off x="6096" y="6096"/>
-            <a:ext cx="9144000" cy="2377574"/>
+            <a:off x="0" y="1299607"/>
+            <a:ext cx="12192000" cy="2031325"/>
           </a:xfrm>
           <a:prstGeom prst="rect">
             <a:avLst/>
@@ -5522,58 +7050,55 @@
           <a:noFill/>
         </p:spPr>
         <p:txBody>
-          <a:bodyPr wrap="square" lIns="68580" tIns="34290" rIns="68580" bIns="34290">
+          <a:bodyPr wrap="square" lIns="91440" tIns="45720" rIns="91440" bIns="45720">
             <a:spAutoFit/>
           </a:bodyPr>
           <a:lstStyle/>
           <a:p>
-            <a:pPr algn="ctr"/>
-            <a:endParaRPr lang="en-US" sz="4000" b="1" dirty="0" smtClean="0"/>
-          </a:p>
-          <a:p>
-            <a:pPr lvl="1"/>
-            <a:r>
-              <a:rPr lang="en-US" sz="3500" b="1" dirty="0" smtClean="0"/>
+            <a:r>
+              <a:rPr lang="en-US" sz="3800" dirty="0" smtClean="0"/>
+              <a:t>	</a:t>
+            </a:r>
+            <a:r>
+              <a:rPr lang="en-US" sz="3800" b="1" dirty="0" smtClean="0"/>
               <a:t>Functions as objects</a:t>
             </a:r>
           </a:p>
           <a:p>
-            <a:pPr lvl="1"/>
-            <a:endParaRPr lang="en-US" sz="2500" dirty="0" smtClean="0"/>
-          </a:p>
-          <a:p>
-            <a:pPr marL="1657350" lvl="2" indent="-742950">
-              <a:buFont typeface="Arial" panose="020B0604020202020204" pitchFamily="34" charset="0"/>
+            <a:endParaRPr lang="en-US" sz="3800" b="1" dirty="0"/>
+          </a:p>
+          <a:p>
+            <a:pPr marL="1485900" lvl="2" indent="-571500">
+              <a:buFont typeface="Arial" charset="0"/>
               <a:buChar char="•"/>
             </a:pPr>
             <a:r>
               <a:rPr lang="en-US" sz="2500" dirty="0" smtClean="0"/>
-              <a:t>Callbacks</a:t>
-            </a:r>
-          </a:p>
-          <a:p>
-            <a:pPr marL="1657350" lvl="2" indent="-742950">
-              <a:buFont typeface="Arial" panose="020B0604020202020204" pitchFamily="34" charset="0"/>
+              <a:t>Function returns</a:t>
+            </a:r>
+          </a:p>
+          <a:p>
+            <a:pPr marL="1485900" lvl="2" indent="-571500">
+              <a:buFont typeface="Arial" charset="0"/>
               <a:buChar char="•"/>
             </a:pPr>
             <a:r>
               <a:rPr lang="en-US" sz="2500" dirty="0" smtClean="0"/>
-              <a:t>Event-driven</a:t>
-            </a:r>
-            <a:endParaRPr lang="en-US" sz="2500" dirty="0"/>
+              <a:t>Fully dynamic</a:t>
+            </a:r>
           </a:p>
         </p:txBody>
       </p:sp>
       <p:pic>
         <p:nvPicPr>
-          <p:cNvPr id="3" name="Picture 2"/>
+          <p:cNvPr id="5" name="Picture 4"/>
           <p:cNvPicPr>
             <a:picLocks noChangeAspect="1"/>
           </p:cNvPicPr>
           <p:nvPr/>
         </p:nvPicPr>
         <p:blipFill>
-          <a:blip r:embed="rId2">
+          <a:blip r:embed="rId3">
             <a:extLst>
               <a:ext uri="{28A0092B-C50C-407E-A947-70E740481C1C}">
                 <a14:useLocalDpi xmlns:a14="http://schemas.microsoft.com/office/drawing/2010/main" val="0"/>
@@ -5586,8 +7111,8 @@
         </p:blipFill>
         <p:spPr>
           <a:xfrm>
-            <a:off x="2095500" y="2819400"/>
-            <a:ext cx="4953000" cy="3502055"/>
+            <a:off x="6096000" y="1672772"/>
+            <a:ext cx="5029200" cy="2794000"/>
           </a:xfrm>
           <a:prstGeom prst="rect">
             <a:avLst/>
@@ -5597,7 +7122,7 @@
     </p:spTree>
     <p:extLst>
       <p:ext uri="{BB962C8B-B14F-4D97-AF65-F5344CB8AC3E}">
-        <p14:creationId xmlns:p14="http://schemas.microsoft.com/office/powerpoint/2010/main" val="1473214034"/>
+        <p14:creationId xmlns:p14="http://schemas.microsoft.com/office/powerpoint/2010/main" val="1365904891"/>
       </p:ext>
     </p:extLst>
   </p:cSld>
@@ -5644,14 +7169,37 @@
       </p:grpSpPr>
       <p:sp>
         <p:nvSpPr>
+          <p:cNvPr id="9" name="Slide Number Placeholder 8"/>
+          <p:cNvSpPr>
+            <a:spLocks noGrp="1"/>
+          </p:cNvSpPr>
+          <p:nvPr>
+            <p:ph type="sldNum" sz="quarter" idx="12"/>
+          </p:nvPr>
+        </p:nvSpPr>
+        <p:spPr/>
+        <p:txBody>
+          <a:bodyPr/>
+          <a:lstStyle/>
+          <a:p>
+            <a:fld id="{B822FDE6-25CA-0444-94EE-C6FC8C5EFEB8}" type="slidenum">
+              <a:rPr lang="en-US" smtClean="0"/>
+              <a:t>7</a:t>
+            </a:fld>
+            <a:endParaRPr lang="en-US"/>
+          </a:p>
+        </p:txBody>
+      </p:sp>
+      <p:sp>
+        <p:nvSpPr>
           <p:cNvPr id="4" name="Rectangle 3"/>
           <p:cNvSpPr/>
           <p:nvPr/>
         </p:nvSpPr>
         <p:spPr>
           <a:xfrm>
-            <a:off x="6096" y="6096"/>
-            <a:ext cx="9144000" cy="2377574"/>
+            <a:off x="0" y="1299607"/>
+            <a:ext cx="12192000" cy="2416046"/>
           </a:xfrm>
           <a:prstGeom prst="rect">
             <a:avLst/>
@@ -5659,54 +7207,52 @@
           <a:noFill/>
         </p:spPr>
         <p:txBody>
-          <a:bodyPr wrap="square" lIns="68580" tIns="34290" rIns="68580" bIns="34290">
+          <a:bodyPr wrap="square" lIns="91440" tIns="45720" rIns="91440" bIns="45720">
             <a:spAutoFit/>
           </a:bodyPr>
           <a:lstStyle/>
           <a:p>
-            <a:pPr algn="ctr"/>
-            <a:endParaRPr lang="en-US" sz="4000" b="1" dirty="0" smtClean="0"/>
-          </a:p>
-          <a:p>
-            <a:pPr lvl="1"/>
-            <a:r>
-              <a:rPr lang="en-US" sz="3500" b="1" dirty="0" smtClean="0"/>
-              <a:t>Functions as objects</a:t>
-            </a:r>
-          </a:p>
-          <a:p>
-            <a:pPr lvl="1"/>
-            <a:endParaRPr lang="en-US" sz="2500" dirty="0" smtClean="0"/>
-          </a:p>
-          <a:p>
-            <a:pPr marL="1657350" lvl="2" indent="-742950">
-              <a:buFont typeface="Arial" panose="020B0604020202020204" pitchFamily="34" charset="0"/>
+            <a:r>
+              <a:rPr lang="en-US" sz="3800" dirty="0" smtClean="0"/>
+              <a:t>	</a:t>
+            </a:r>
+            <a:r>
+              <a:rPr lang="en-US" sz="3800" b="1" dirty="0" smtClean="0"/>
+              <a:t>Map</a:t>
+            </a:r>
+          </a:p>
+          <a:p>
+            <a:endParaRPr lang="en-US" sz="3800" b="1" dirty="0"/>
+          </a:p>
+          <a:p>
+            <a:pPr marL="1485900" lvl="2" indent="-571500">
+              <a:buFont typeface="Arial" charset="0"/>
               <a:buChar char="•"/>
             </a:pPr>
             <a:r>
               <a:rPr lang="en-US" sz="2500" dirty="0" smtClean="0"/>
-              <a:t>Function </a:t>
-            </a:r>
-            <a:r>
-              <a:rPr lang="en-US" sz="2500" dirty="0" smtClean="0"/>
-              <a:t>returns</a:t>
-            </a:r>
-            <a:endParaRPr lang="en-US" sz="2500" dirty="0" smtClean="0"/>
-          </a:p>
-          <a:p>
-            <a:pPr marL="1657350" lvl="2" indent="-742950">
-              <a:buFont typeface="Arial" panose="020B0604020202020204" pitchFamily="34" charset="0"/>
+              <a:t>Takes a worker function and a sequence</a:t>
+            </a:r>
+          </a:p>
+          <a:p>
+            <a:pPr marL="1485900" lvl="2" indent="-571500">
+              <a:buFont typeface="Arial" charset="0"/>
               <a:buChar char="•"/>
             </a:pPr>
             <a:r>
               <a:rPr lang="en-US" sz="2500" dirty="0" smtClean="0"/>
-              <a:t>Fully </a:t>
-            </a:r>
+              <a:t>Built in function that accepts a function operator</a:t>
+            </a:r>
+          </a:p>
+          <a:p>
+            <a:pPr marL="1485900" lvl="2" indent="-571500">
+              <a:buFont typeface="Arial" charset="0"/>
+              <a:buChar char="•"/>
+            </a:pPr>
             <a:r>
               <a:rPr lang="en-US" sz="2500" dirty="0" smtClean="0"/>
-              <a:t>dynamic</a:t>
-            </a:r>
-            <a:endParaRPr lang="en-US" sz="2500" dirty="0"/>
+              <a:t>An alternative to traditional for-loops</a:t>
+            </a:r>
           </a:p>
         </p:txBody>
       </p:sp>
@@ -5719,7 +7265,7 @@
           <p:nvPr/>
         </p:nvPicPr>
         <p:blipFill>
-          <a:blip r:embed="rId2">
+          <a:blip r:embed="rId3">
             <a:extLst>
               <a:ext uri="{28A0092B-C50C-407E-A947-70E740481C1C}">
                 <a14:useLocalDpi xmlns:a14="http://schemas.microsoft.com/office/drawing/2010/main" val="0"/>
@@ -5732,8 +7278,8 @@
         </p:blipFill>
         <p:spPr>
           <a:xfrm>
-            <a:off x="2647950" y="2819400"/>
-            <a:ext cx="3848100" cy="3715407"/>
+            <a:off x="6844146" y="3536950"/>
+            <a:ext cx="5016500" cy="2819400"/>
           </a:xfrm>
           <a:prstGeom prst="rect">
             <a:avLst/>
@@ -5743,7 +7289,7 @@
     </p:spTree>
     <p:extLst>
       <p:ext uri="{BB962C8B-B14F-4D97-AF65-F5344CB8AC3E}">
-        <p14:creationId xmlns:p14="http://schemas.microsoft.com/office/powerpoint/2010/main" val="5842726"/>
+        <p14:creationId xmlns:p14="http://schemas.microsoft.com/office/powerpoint/2010/main" val="243170153"/>
       </p:ext>
     </p:extLst>
   </p:cSld>
@@ -5790,14 +7336,37 @@
       </p:grpSpPr>
       <p:sp>
         <p:nvSpPr>
+          <p:cNvPr id="9" name="Slide Number Placeholder 8"/>
+          <p:cNvSpPr>
+            <a:spLocks noGrp="1"/>
+          </p:cNvSpPr>
+          <p:nvPr>
+            <p:ph type="sldNum" sz="quarter" idx="12"/>
+          </p:nvPr>
+        </p:nvSpPr>
+        <p:spPr/>
+        <p:txBody>
+          <a:bodyPr/>
+          <a:lstStyle/>
+          <a:p>
+            <a:fld id="{B822FDE6-25CA-0444-94EE-C6FC8C5EFEB8}" type="slidenum">
+              <a:rPr lang="en-US" smtClean="0"/>
+              <a:t>8</a:t>
+            </a:fld>
+            <a:endParaRPr lang="en-US"/>
+          </a:p>
+        </p:txBody>
+      </p:sp>
+      <p:sp>
+        <p:nvSpPr>
           <p:cNvPr id="4" name="Rectangle 3"/>
           <p:cNvSpPr/>
           <p:nvPr/>
         </p:nvSpPr>
         <p:spPr>
           <a:xfrm>
-            <a:off x="6096" y="6096"/>
-            <a:ext cx="9144000" cy="2762295"/>
+            <a:off x="0" y="1299607"/>
+            <a:ext cx="12192000" cy="2031325"/>
           </a:xfrm>
           <a:prstGeom prst="rect">
             <a:avLst/>
@@ -5805,87 +7374,61 @@
           <a:noFill/>
         </p:spPr>
         <p:txBody>
-          <a:bodyPr wrap="square" lIns="68580" tIns="34290" rIns="68580" bIns="34290">
+          <a:bodyPr wrap="square" lIns="91440" tIns="45720" rIns="91440" bIns="45720">
             <a:spAutoFit/>
           </a:bodyPr>
           <a:lstStyle/>
           <a:p>
-            <a:pPr algn="ctr"/>
-            <a:endParaRPr lang="en-US" sz="4000" b="1" dirty="0" smtClean="0"/>
-          </a:p>
-          <a:p>
-            <a:pPr lvl="1"/>
-            <a:r>
-              <a:rPr lang="en-US" sz="3500" b="1" dirty="0" smtClean="0"/>
-              <a:t>Higher-order </a:t>
-            </a:r>
-            <a:r>
-              <a:rPr lang="en-US" sz="3500" b="1" dirty="0" smtClean="0"/>
-              <a:t>functions </a:t>
-            </a:r>
-            <a:r>
-              <a:rPr lang="mr-IN" sz="3500" b="1" dirty="0" smtClean="0"/>
-              <a:t>–</a:t>
-            </a:r>
-            <a:r>
-              <a:rPr lang="en-US" sz="3500" b="1" dirty="0" smtClean="0"/>
-              <a:t> map </a:t>
-            </a:r>
-          </a:p>
-          <a:p>
-            <a:pPr lvl="1"/>
-            <a:endParaRPr lang="en-US" sz="2500" dirty="0" smtClean="0"/>
-          </a:p>
-          <a:p>
-            <a:pPr marL="1657350" lvl="2" indent="-742950">
-              <a:buFont typeface="Arial" panose="020B0604020202020204" pitchFamily="34" charset="0"/>
+            <a:r>
+              <a:rPr lang="en-US" sz="3800" dirty="0" smtClean="0"/>
+              <a:t>	</a:t>
+            </a:r>
+            <a:r>
+              <a:rPr lang="en-US" sz="3800" b="1" dirty="0" smtClean="0"/>
+              <a:t>Filter</a:t>
+            </a:r>
+          </a:p>
+          <a:p>
+            <a:endParaRPr lang="en-US" sz="3800" b="1" dirty="0"/>
+          </a:p>
+          <a:p>
+            <a:pPr marL="1485900" lvl="2" indent="-571500">
+              <a:buFont typeface="Arial" charset="0"/>
               <a:buChar char="•"/>
             </a:pPr>
             <a:r>
               <a:rPr lang="en-US" sz="2500" dirty="0"/>
-              <a:t>Takes a worker function and a </a:t>
+              <a:t>Takes a </a:t>
+            </a:r>
+            <a:r>
+              <a:rPr lang="en-US" sz="2500" dirty="0" smtClean="0"/>
+              <a:t>predicate function </a:t>
+            </a:r>
+            <a:r>
+              <a:rPr lang="en-US" sz="2500" dirty="0"/>
+              <a:t>and a </a:t>
             </a:r>
             <a:r>
               <a:rPr lang="en-US" sz="2500" dirty="0" smtClean="0"/>
               <a:t>sequence</a:t>
             </a:r>
-            <a:endParaRPr lang="en-US" sz="2500" dirty="0"/>
-          </a:p>
-          <a:p>
-            <a:pPr marL="1657350" lvl="2" indent="-742950">
-              <a:buFont typeface="Arial" panose="020B0604020202020204" pitchFamily="34" charset="0"/>
+          </a:p>
+          <a:p>
+            <a:pPr marL="1485900" lvl="2" indent="-571500">
+              <a:buFont typeface="Arial" charset="0"/>
               <a:buChar char="•"/>
             </a:pPr>
             <a:r>
               <a:rPr lang="en-US" sz="2500" dirty="0" smtClean="0"/>
-              <a:t>Built-in </a:t>
-            </a:r>
-            <a:r>
-              <a:rPr lang="en-US" sz="2500" dirty="0"/>
-              <a:t>function that accepts a function </a:t>
+              <a:t>Predicate function </a:t>
+            </a:r>
+            <a:r>
+              <a:rPr lang="mr-IN" sz="2500" dirty="0" smtClean="0"/>
+              <a:t>–</a:t>
             </a:r>
             <a:r>
               <a:rPr lang="en-US" sz="2500" dirty="0" smtClean="0"/>
-              <a:t>operator</a:t>
-            </a:r>
-            <a:endParaRPr lang="en-US" sz="2500" dirty="0"/>
-          </a:p>
-          <a:p>
-            <a:pPr marL="1657350" lvl="2" indent="-742950">
-              <a:buFont typeface="Arial" panose="020B0604020202020204" pitchFamily="34" charset="0"/>
-              <a:buChar char="•"/>
-            </a:pPr>
-            <a:r>
-              <a:rPr lang="en-US" sz="2500" dirty="0"/>
-              <a:t>An alternative to traditional </a:t>
-            </a:r>
-            <a:r>
-              <a:rPr lang="en-US" sz="2500" dirty="0" smtClean="0"/>
-              <a:t>for </a:t>
-            </a:r>
-            <a:r>
-              <a:rPr lang="en-US" sz="2500" dirty="0" smtClean="0"/>
-              <a:t>loops</a:t>
+              <a:t> accepts one argument and returns a boolean</a:t>
             </a:r>
             <a:endParaRPr lang="en-US" sz="2500" dirty="0"/>
           </a:p>
@@ -5893,14 +7436,14 @@
       </p:sp>
       <p:pic>
         <p:nvPicPr>
-          <p:cNvPr id="3" name="Picture 2"/>
+          <p:cNvPr id="2" name="Picture 1"/>
           <p:cNvPicPr>
             <a:picLocks noChangeAspect="1"/>
           </p:cNvPicPr>
           <p:nvPr/>
         </p:nvPicPr>
         <p:blipFill>
-          <a:blip r:embed="rId2">
+          <a:blip r:embed="rId3">
             <a:extLst>
               <a:ext uri="{28A0092B-C50C-407E-A947-70E740481C1C}">
                 <a14:useLocalDpi xmlns:a14="http://schemas.microsoft.com/office/drawing/2010/main" val="0"/>
@@ -5913,8 +7456,38 @@
         </p:blipFill>
         <p:spPr>
           <a:xfrm>
-            <a:off x="1174890" y="3276600"/>
-            <a:ext cx="6794220" cy="1836057"/>
+            <a:off x="3460750" y="3613149"/>
+            <a:ext cx="5321300" cy="2082800"/>
+          </a:xfrm>
+          <a:prstGeom prst="rect">
+            <a:avLst/>
+          </a:prstGeom>
+        </p:spPr>
+      </p:pic>
+      <p:pic>
+        <p:nvPicPr>
+          <p:cNvPr id="3" name="Picture 2"/>
+          <p:cNvPicPr>
+            <a:picLocks noChangeAspect="1"/>
+          </p:cNvPicPr>
+          <p:nvPr/>
+        </p:nvPicPr>
+        <p:blipFill>
+          <a:blip r:embed="rId4">
+            <a:extLst>
+              <a:ext uri="{28A0092B-C50C-407E-A947-70E740481C1C}">
+                <a14:useLocalDpi xmlns:a14="http://schemas.microsoft.com/office/drawing/2010/main" val="0"/>
+              </a:ext>
+            </a:extLst>
+          </a:blip>
+          <a:stretch>
+            <a:fillRect/>
+          </a:stretch>
+        </p:blipFill>
+        <p:spPr>
+          <a:xfrm>
+            <a:off x="2260600" y="5878512"/>
+            <a:ext cx="7721600" cy="660400"/>
           </a:xfrm>
           <a:prstGeom prst="rect">
             <a:avLst/>
@@ -5924,7 +7497,7 @@
     </p:spTree>
     <p:extLst>
       <p:ext uri="{BB962C8B-B14F-4D97-AF65-F5344CB8AC3E}">
-        <p14:creationId xmlns:p14="http://schemas.microsoft.com/office/powerpoint/2010/main" val="511424959"/>
+        <p14:creationId xmlns:p14="http://schemas.microsoft.com/office/powerpoint/2010/main" val="720776842"/>
       </p:ext>
     </p:extLst>
   </p:cSld>
@@ -5969,6 +7542,126 @@
           <a:chExt cx="0" cy="0"/>
         </a:xfrm>
       </p:grpSpPr>
+      <p:sp>
+        <p:nvSpPr>
+          <p:cNvPr id="9" name="Slide Number Placeholder 8"/>
+          <p:cNvSpPr>
+            <a:spLocks noGrp="1"/>
+          </p:cNvSpPr>
+          <p:nvPr>
+            <p:ph type="sldNum" sz="quarter" idx="12"/>
+          </p:nvPr>
+        </p:nvSpPr>
+        <p:spPr/>
+        <p:txBody>
+          <a:bodyPr/>
+          <a:lstStyle/>
+          <a:p>
+            <a:fld id="{B822FDE6-25CA-0444-94EE-C6FC8C5EFEB8}" type="slidenum">
+              <a:rPr lang="en-US" smtClean="0"/>
+              <a:t>9</a:t>
+            </a:fld>
+            <a:endParaRPr lang="en-US"/>
+          </a:p>
+        </p:txBody>
+      </p:sp>
+      <p:sp>
+        <p:nvSpPr>
+          <p:cNvPr id="4" name="Rectangle 3"/>
+          <p:cNvSpPr/>
+          <p:nvPr/>
+        </p:nvSpPr>
+        <p:spPr>
+          <a:xfrm>
+            <a:off x="0" y="1299607"/>
+            <a:ext cx="12192000" cy="2800767"/>
+          </a:xfrm>
+          <a:prstGeom prst="rect">
+            <a:avLst/>
+          </a:prstGeom>
+          <a:noFill/>
+        </p:spPr>
+        <p:txBody>
+          <a:bodyPr wrap="square" lIns="91440" tIns="45720" rIns="91440" bIns="45720">
+            <a:spAutoFit/>
+          </a:bodyPr>
+          <a:lstStyle/>
+          <a:p>
+            <a:r>
+              <a:rPr lang="en-US" sz="3800" dirty="0" smtClean="0"/>
+              <a:t>	</a:t>
+            </a:r>
+            <a:r>
+              <a:rPr lang="en-US" sz="3800" b="1" dirty="0" smtClean="0"/>
+              <a:t>Reduce</a:t>
+            </a:r>
+          </a:p>
+          <a:p>
+            <a:endParaRPr lang="en-US" sz="3800" b="1" dirty="0"/>
+          </a:p>
+          <a:p>
+            <a:pPr marL="1485900" lvl="2" indent="-571500">
+              <a:buFont typeface="Arial" charset="0"/>
+              <a:buChar char="•"/>
+            </a:pPr>
+            <a:r>
+              <a:rPr lang="en-US" sz="2500" dirty="0"/>
+              <a:t>Takes a </a:t>
+            </a:r>
+            <a:r>
+              <a:rPr lang="en-US" sz="2500" dirty="0" smtClean="0"/>
+              <a:t>function </a:t>
+            </a:r>
+            <a:r>
+              <a:rPr lang="en-US" sz="2500" dirty="0"/>
+              <a:t>and a sequence</a:t>
+            </a:r>
+          </a:p>
+          <a:p>
+            <a:pPr marL="1485900" lvl="2" indent="-571500">
+              <a:buFont typeface="Arial" charset="0"/>
+              <a:buChar char="•"/>
+            </a:pPr>
+            <a:r>
+              <a:rPr lang="en-US" sz="2500" dirty="0"/>
+              <a:t>F</a:t>
+            </a:r>
+            <a:r>
+              <a:rPr lang="en-US" sz="2500" dirty="0" smtClean="0"/>
+              <a:t>unction is applied to items one and two of the sequence</a:t>
+            </a:r>
+          </a:p>
+          <a:p>
+            <a:pPr marL="1485900" lvl="2" indent="-571500">
+              <a:buFont typeface="Arial" charset="0"/>
+              <a:buChar char="•"/>
+            </a:pPr>
+            <a:r>
+              <a:rPr lang="en-US" sz="2500" dirty="0" smtClean="0"/>
+              <a:t>Function is then applied to the result of that step and item three</a:t>
+            </a:r>
+            <a:r>
+              <a:rPr lang="mr-IN" sz="2500" dirty="0" smtClean="0"/>
+              <a:t>…</a:t>
+            </a:r>
+            <a:r>
+              <a:rPr lang="en-AU" sz="2500" dirty="0" smtClean="0"/>
+              <a:t>so on</a:t>
+            </a:r>
+          </a:p>
+          <a:p>
+            <a:pPr marL="1485900" lvl="2" indent="-571500">
+              <a:buFont typeface="Arial" charset="0"/>
+              <a:buChar char="•"/>
+            </a:pPr>
+            <a:r>
+              <a:rPr lang="en-AU" sz="2500" dirty="0" smtClean="0"/>
+              <a:t>At the end, only one value remains</a:t>
+            </a:r>
+            <a:endParaRPr lang="en-US" sz="2500" dirty="0" smtClean="0"/>
+          </a:p>
+        </p:txBody>
+      </p:sp>
       <p:pic>
         <p:nvPicPr>
           <p:cNvPr id="2" name="Picture 1"/>
@@ -5978,7 +7671,7 @@
           <p:nvPr/>
         </p:nvPicPr>
         <p:blipFill>
-          <a:blip r:embed="rId2">
+          <a:blip r:embed="rId3">
             <a:extLst>
               <a:ext uri="{28A0092B-C50C-407E-A947-70E740481C1C}">
                 <a14:useLocalDpi xmlns:a14="http://schemas.microsoft.com/office/drawing/2010/main" val="0"/>
@@ -5991,117 +7684,18 @@
         </p:blipFill>
         <p:spPr>
           <a:xfrm>
-            <a:off x="1771396" y="3200400"/>
-            <a:ext cx="5613400" cy="2028297"/>
+            <a:off x="6997362" y="3878840"/>
+            <a:ext cx="3226475" cy="2660072"/>
           </a:xfrm>
           <a:prstGeom prst="rect">
             <a:avLst/>
           </a:prstGeom>
         </p:spPr>
       </p:pic>
-      <p:sp>
-        <p:nvSpPr>
-          <p:cNvPr id="5" name="Rectangle 4"/>
-          <p:cNvSpPr/>
-          <p:nvPr/>
-        </p:nvSpPr>
-        <p:spPr>
-          <a:xfrm>
-            <a:off x="0" y="0"/>
-            <a:ext cx="9144000" cy="2762295"/>
-          </a:xfrm>
-          <a:prstGeom prst="rect">
-            <a:avLst/>
-          </a:prstGeom>
-          <a:noFill/>
-        </p:spPr>
-        <p:txBody>
-          <a:bodyPr wrap="square" lIns="68580" tIns="34290" rIns="68580" bIns="34290">
-            <a:spAutoFit/>
-          </a:bodyPr>
-          <a:lstStyle/>
-          <a:p>
-            <a:pPr algn="ctr"/>
-            <a:endParaRPr lang="en-US" sz="4000" b="1" dirty="0" smtClean="0"/>
-          </a:p>
-          <a:p>
-            <a:pPr lvl="1"/>
-            <a:r>
-              <a:rPr lang="en-US" sz="3500" b="1" dirty="0" smtClean="0"/>
-              <a:t>Higher-order </a:t>
-            </a:r>
-            <a:r>
-              <a:rPr lang="en-US" sz="3500" b="1" dirty="0" smtClean="0"/>
-              <a:t>functions </a:t>
-            </a:r>
-            <a:r>
-              <a:rPr lang="mr-IN" sz="3500" b="1" dirty="0" smtClean="0"/>
-              <a:t>–</a:t>
-            </a:r>
-            <a:r>
-              <a:rPr lang="en-US" sz="3500" b="1" dirty="0" smtClean="0"/>
-              <a:t> filter </a:t>
-            </a:r>
-          </a:p>
-          <a:p>
-            <a:pPr lvl="1"/>
-            <a:endParaRPr lang="en-US" sz="2500" dirty="0" smtClean="0"/>
-          </a:p>
-          <a:p>
-            <a:pPr marL="1657350" lvl="2" indent="-742950">
-              <a:buFont typeface="Arial" panose="020B0604020202020204" pitchFamily="34" charset="0"/>
-              <a:buChar char="•"/>
-            </a:pPr>
-            <a:r>
-              <a:rPr lang="en-US" sz="2500" dirty="0" smtClean="0"/>
-              <a:t>Takes a predicate function and a </a:t>
-            </a:r>
-            <a:r>
-              <a:rPr lang="en-US" sz="2500" dirty="0" smtClean="0"/>
-              <a:t>sequence</a:t>
-            </a:r>
-            <a:endParaRPr lang="en-US" sz="2500" dirty="0" smtClean="0"/>
-          </a:p>
-          <a:p>
-            <a:pPr marL="1657350" lvl="2" indent="-742950">
-              <a:buFont typeface="Arial" panose="020B0604020202020204" pitchFamily="34" charset="0"/>
-              <a:buChar char="•"/>
-            </a:pPr>
-            <a:r>
-              <a:rPr lang="en-US" sz="2500" dirty="0" smtClean="0"/>
-              <a:t>Predicate function </a:t>
-            </a:r>
-            <a:r>
-              <a:rPr lang="mr-IN" sz="2500" dirty="0" smtClean="0"/>
-              <a:t>–</a:t>
-            </a:r>
-            <a:r>
-              <a:rPr lang="en-US" sz="2500" dirty="0" smtClean="0"/>
-              <a:t> accepts one argument and </a:t>
-            </a:r>
-          </a:p>
-          <a:p>
-            <a:pPr lvl="2"/>
-            <a:r>
-              <a:rPr lang="en-US" sz="2500" dirty="0"/>
-              <a:t>	</a:t>
-            </a:r>
-            <a:r>
-              <a:rPr lang="en-US" sz="2500" dirty="0" smtClean="0"/>
-              <a:t>returns a </a:t>
-            </a:r>
-            <a:r>
-              <a:rPr lang="en-US" sz="2500" dirty="0" smtClean="0"/>
-              <a:t>boolean</a:t>
-            </a:r>
-            <a:endParaRPr lang="en-US" sz="2500" dirty="0"/>
-          </a:p>
-        </p:txBody>
-      </p:sp>
     </p:spTree>
     <p:extLst>
       <p:ext uri="{BB962C8B-B14F-4D97-AF65-F5344CB8AC3E}">
-        <p14:creationId xmlns:p14="http://schemas.microsoft.com/office/powerpoint/2010/main" val="1727691088"/>
+        <p14:creationId xmlns:p14="http://schemas.microsoft.com/office/powerpoint/2010/main" val="1666585507"/>
       </p:ext>
     </p:extLst>
   </p:cSld>
@@ -6129,45 +7723,45 @@
         <a:sysClr val="window" lastClr="FFFFFF"/>
       </a:lt1>
       <a:dk2>
-        <a:srgbClr val="1F497D"/>
+        <a:srgbClr val="44546A"/>
       </a:dk2>
       <a:lt2>
-        <a:srgbClr val="EEECE1"/>
+        <a:srgbClr val="E7E6E6"/>
       </a:lt2>
       <a:accent1>
-        <a:srgbClr val="4F81BD"/>
+        <a:srgbClr val="4472C4"/>
       </a:accent1>
       <a:accent2>
-        <a:srgbClr val="C0504D"/>
+        <a:srgbClr val="ED7D31"/>
       </a:accent2>
       <a:accent3>
-        <a:srgbClr val="9BBB59"/>
+        <a:srgbClr val="A5A5A5"/>
       </a:accent3>
       <a:accent4>
-        <a:srgbClr val="8064A2"/>
+        <a:srgbClr val="FFC000"/>
       </a:accent4>
       <a:accent5>
-        <a:srgbClr val="4BACC6"/>
+        <a:srgbClr val="5B9BD5"/>
       </a:accent5>
       <a:accent6>
-        <a:srgbClr val="F79646"/>
+        <a:srgbClr val="70AD47"/>
       </a:accent6>
       <a:hlink>
-        <a:srgbClr val="0000FF"/>
+        <a:srgbClr val="0563C1"/>
       </a:hlink>
       <a:folHlink>
-        <a:srgbClr val="800080"/>
+        <a:srgbClr val="954F72"/>
       </a:folHlink>
     </a:clrScheme>
     <a:fontScheme name="Office">
       <a:majorFont>
-        <a:latin typeface="Calibri"/>
+        <a:latin typeface="Calibri Light" panose="020F0302020204030204"/>
         <a:ea typeface=""/>
         <a:cs typeface=""/>
-        <a:font script="Jpan" typeface="MS P????"/>
-        <a:font script="Hang" typeface="?? ??"/>
-        <a:font script="Hans" typeface="??"/>
-        <a:font script="Hant" typeface="????"/>
+        <a:font script="Jpan" typeface="Yu Gothic Light"/>
+        <a:font script="Hang" typeface="맑은 고딕"/>
+        <a:font script="Hans" typeface="DengXian Light"/>
+        <a:font script="Hant" typeface="新細明體"/>
         <a:font script="Arab" typeface="Times New Roman"/>
         <a:font script="Hebr" typeface="Times New Roman"/>
         <a:font script="Thai" typeface="Angsana New"/>
@@ -6193,15 +7787,16 @@
         <a:font script="Mong" typeface="Mongolian Baiti"/>
         <a:font script="Viet" typeface="Times New Roman"/>
         <a:font script="Uigh" typeface="Microsoft Uighur"/>
+        <a:font script="Geor" typeface="Sylfaen"/>
       </a:majorFont>
       <a:minorFont>
-        <a:latin typeface="Calibri"/>
+        <a:latin typeface="Calibri" panose="020F0502020204030204"/>
         <a:ea typeface=""/>
         <a:cs typeface=""/>
-        <a:font script="Jpan" typeface="MS P????"/>
-        <a:font script="Hang" typeface="?? ??"/>
-        <a:font script="Hans" typeface="??"/>
-        <a:font script="Hant" typeface="????"/>
+        <a:font script="Jpan" typeface="Yu Gothic"/>
+        <a:font script="Hang" typeface="맑은 고딕"/>
+        <a:font script="Hans" typeface="DengXian"/>
+        <a:font script="Hant" typeface="新細明體"/>
         <a:font script="Arab" typeface="Arial"/>
         <a:font script="Hebr" typeface="Arial"/>
         <a:font script="Thai" typeface="Cordia New"/>
@@ -6227,6 +7822,7 @@
         <a:font script="Mong" typeface="Mongolian Baiti"/>
         <a:font script="Viet" typeface="Arial"/>
         <a:font script="Uigh" typeface="Microsoft Uighur"/>
+        <a:font script="Geor" typeface="Sylfaen"/>
       </a:minorFont>
     </a:fontScheme>
     <a:fmtScheme name="Office">
@@ -6238,166 +7834,142 @@
           <a:gsLst>
             <a:gs pos="0">
               <a:schemeClr val="phClr">
-                <a:tint val="50000"/>
-                <a:satMod val="300000"/>
+                <a:lumMod val="110000"/>
+                <a:satMod val="105000"/>
+                <a:tint val="67000"/>
               </a:schemeClr>
             </a:gs>
-            <a:gs pos="35000">
+            <a:gs pos="50000">
               <a:schemeClr val="phClr">
-                <a:tint val="37000"/>
-                <a:satMod val="300000"/>
+                <a:lumMod val="105000"/>
+                <a:satMod val="103000"/>
+                <a:tint val="73000"/>
               </a:schemeClr>
             </a:gs>
             <a:gs pos="100000">
               <a:schemeClr val="phClr">
-                <a:tint val="15000"/>
-                <a:satMod val="350000"/>
+                <a:lumMod val="105000"/>
+                <a:satMod val="109000"/>
+                <a:tint val="81000"/>
               </a:schemeClr>
             </a:gs>
           </a:gsLst>
-          <a:lin ang="16200000" scaled="1"/>
+          <a:lin ang="5400000" scaled="0"/>
         </a:gradFill>
         <a:gradFill rotWithShape="1">
           <a:gsLst>
             <a:gs pos="0">
               <a:schemeClr val="phClr">
-                <a:shade val="51000"/>
-                <a:satMod val="130000"/>
+                <a:satMod val="103000"/>
+                <a:lumMod val="102000"/>
+                <a:tint val="94000"/>
               </a:schemeClr>
             </a:gs>
-            <a:gs pos="80000">
+            <a:gs pos="50000">
               <a:schemeClr val="phClr">
-                <a:shade val="93000"/>
-                <a:satMod val="130000"/>
+                <a:satMod val="110000"/>
+                <a:lumMod val="100000"/>
+                <a:shade val="100000"/>
               </a:schemeClr>
             </a:gs>
             <a:gs pos="100000">
               <a:schemeClr val="phClr">
-                <a:shade val="94000"/>
-                <a:satMod val="135000"/>
+                <a:lumMod val="99000"/>
+                <a:satMod val="120000"/>
+                <a:shade val="78000"/>
               </a:schemeClr>
             </a:gs>
           </a:gsLst>
-          <a:lin ang="16200000" scaled="0"/>
+          <a:lin ang="5400000" scaled="0"/>
         </a:gradFill>
       </a:fillStyleLst>
       <a:lnStyleLst>
-        <a:ln w="9525" cap="flat" cmpd="sng" algn="ctr">
-          <a:solidFill>
-            <a:schemeClr val="phClr">
-              <a:shade val="95000"/>
-              <a:satMod val="105000"/>
-            </a:schemeClr>
-          </a:solidFill>
-          <a:prstDash val="solid"/>
-        </a:ln>
-        <a:ln w="25400" cap="flat" cmpd="sng" algn="ctr">
+        <a:ln w="6350" cap="flat" cmpd="sng" algn="ctr">
           <a:solidFill>
             <a:schemeClr val="phClr"/>
           </a:solidFill>
           <a:prstDash val="solid"/>
+          <a:miter lim="800000"/>
         </a:ln>
-        <a:ln w="38100" cap="flat" cmpd="sng" algn="ctr">
+        <a:ln w="12700" cap="flat" cmpd="sng" algn="ctr">
           <a:solidFill>
             <a:schemeClr val="phClr"/>
           </a:solidFill>
           <a:prstDash val="solid"/>
+          <a:miter lim="800000"/>
+        </a:ln>
+        <a:ln w="19050" cap="flat" cmpd="sng" algn="ctr">
+          <a:solidFill>
+            <a:schemeClr val="phClr"/>
+          </a:solidFill>
+          <a:prstDash val="solid"/>
+          <a:miter lim="800000"/>
         </a:ln>
       </a:lnStyleLst>
       <a:effectStyleLst>
         <a:effectStyle>
+          <a:effectLst/>
+        </a:effectStyle>
+        <a:effectStyle>
+          <a:effectLst/>
+        </a:effectStyle>
+        <a:effectStyle>
           <a:effectLst>
-            <a:outerShdw blurRad="40000" dist="20000" dir="5400000" rotWithShape="0">
+            <a:outerShdw blurRad="57150" dist="19050" dir="5400000" algn="ctr" rotWithShape="0">
               <a:srgbClr val="000000">
-                <a:alpha val="38000"/>
+                <a:alpha val="63000"/>
               </a:srgbClr>
             </a:outerShdw>
           </a:effectLst>
-        </a:effectStyle>
-        <a:effectStyle>
-          <a:effectLst>
-            <a:outerShdw blurRad="40000" dist="23000" dir="5400000" rotWithShape="0">
-              <a:srgbClr val="000000">
-                <a:alpha val="35000"/>
-              </a:srgbClr>
-            </a:outerShdw>
-          </a:effectLst>
-        </a:effectStyle>
-        <a:effectStyle>
-          <a:effectLst>
-            <a:outerShdw blurRad="40000" dist="23000" dir="5400000" rotWithShape="0">
-              <a:srgbClr val="000000">
-                <a:alpha val="35000"/>
-              </a:srgbClr>
-            </a:outerShdw>
-          </a:effectLst>
-          <a:scene3d>
-            <a:camera prst="orthographicFront">
-              <a:rot lat="0" lon="0" rev="0"/>
-            </a:camera>
-            <a:lightRig rig="threePt" dir="t">
-              <a:rot lat="0" lon="0" rev="1200000"/>
-            </a:lightRig>
-          </a:scene3d>
-          <a:sp3d>
-            <a:bevelT w="63500" h="25400"/>
-          </a:sp3d>
         </a:effectStyle>
       </a:effectStyleLst>
       <a:bgFillStyleLst>
         <a:solidFill>
           <a:schemeClr val="phClr"/>
         </a:solidFill>
+        <a:solidFill>
+          <a:schemeClr val="phClr">
+            <a:tint val="95000"/>
+            <a:satMod val="170000"/>
+          </a:schemeClr>
+        </a:solidFill>
         <a:gradFill rotWithShape="1">
           <a:gsLst>
             <a:gs pos="0">
               <a:schemeClr val="phClr">
-                <a:tint val="40000"/>
-                <a:satMod val="350000"/>
+                <a:tint val="93000"/>
+                <a:satMod val="150000"/>
+                <a:shade val="98000"/>
+                <a:lumMod val="102000"/>
               </a:schemeClr>
             </a:gs>
-            <a:gs pos="40000">
+            <a:gs pos="50000">
               <a:schemeClr val="phClr">
-                <a:tint val="45000"/>
-                <a:shade val="99000"/>
-                <a:satMod val="350000"/>
+                <a:tint val="98000"/>
+                <a:satMod val="130000"/>
+                <a:shade val="90000"/>
+                <a:lumMod val="103000"/>
               </a:schemeClr>
             </a:gs>
             <a:gs pos="100000">
               <a:schemeClr val="phClr">
-                <a:shade val="20000"/>
-                <a:satMod val="255000"/>
+                <a:shade val="63000"/>
+                <a:satMod val="120000"/>
               </a:schemeClr>
             </a:gs>
           </a:gsLst>
-          <a:path path="circle">
-            <a:fillToRect l="50000" t="-80000" r="50000" b="180000"/>
-          </a:path>
-        </a:gradFill>
-        <a:gradFill rotWithShape="1">
-          <a:gsLst>
-            <a:gs pos="0">
-              <a:schemeClr val="phClr">
-                <a:tint val="80000"/>
-                <a:satMod val="300000"/>
-              </a:schemeClr>
-            </a:gs>
-            <a:gs pos="100000">
-              <a:schemeClr val="phClr">
-                <a:shade val="30000"/>
-                <a:satMod val="200000"/>
-              </a:schemeClr>
-            </a:gs>
-          </a:gsLst>
-          <a:path path="circle">
-            <a:fillToRect l="50000" t="50000" r="50000" b="50000"/>
-          </a:path>
+          <a:lin ang="5400000" scaled="0"/>
         </a:gradFill>
       </a:bgFillStyleLst>
     </a:fmtScheme>
   </a:themeElements>
   <a:objectDefaults/>
   <a:extraClrSchemeLst/>
+  <a:extLst>
+    <a:ext uri="{05A4C25C-085E-4340-85A3-A5531E510DB2}">
+      <thm15:themeFamily xmlns:thm15="http://schemas.microsoft.com/office/thememl/2012/main" name="Office Theme" id="{62F939B6-93AF-4DB8-9C6B-D6C7DFDC589F}" vid="{4A3C46E8-61CC-4603-A589-7422A47A8E4A}"/>
+    </a:ext>
+  </a:extLst>
 </a:theme>
 </file>
 
